--- a/resource/软件介绍.pptx
+++ b/resource/软件介绍.pptx
@@ -5,64 +5,65 @@
     <p:sldMasterId id="2147483648" r:id="rId1"/>
   </p:sldMasterIdLst>
   <p:notesMasterIdLst>
-    <p:notesMasterId r:id="rId4"/>
+    <p:notesMasterId r:id="rId50"/>
   </p:notesMasterIdLst>
   <p:handoutMasterIdLst>
     <p:handoutMasterId r:id="rId51"/>
   </p:handoutMasterIdLst>
   <p:sldIdLst>
-    <p:sldId id="534" r:id="rId3"/>
-    <p:sldId id="533" r:id="rId5"/>
-    <p:sldId id="536" r:id="rId6"/>
-    <p:sldId id="535" r:id="rId7"/>
-    <p:sldId id="514" r:id="rId8"/>
-    <p:sldId id="538" r:id="rId9"/>
-    <p:sldId id="537" r:id="rId10"/>
-    <p:sldId id="539" r:id="rId11"/>
-    <p:sldId id="540" r:id="rId12"/>
-    <p:sldId id="541" r:id="rId13"/>
-    <p:sldId id="542" r:id="rId14"/>
-    <p:sldId id="543" r:id="rId15"/>
-    <p:sldId id="544" r:id="rId16"/>
-    <p:sldId id="545" r:id="rId17"/>
-    <p:sldId id="548" r:id="rId18"/>
-    <p:sldId id="546" r:id="rId19"/>
-    <p:sldId id="547" r:id="rId20"/>
-    <p:sldId id="549" r:id="rId21"/>
-    <p:sldId id="498" r:id="rId22"/>
-    <p:sldId id="507" r:id="rId23"/>
-    <p:sldId id="508" r:id="rId24"/>
-    <p:sldId id="506" r:id="rId25"/>
-    <p:sldId id="516" r:id="rId26"/>
-    <p:sldId id="518" r:id="rId27"/>
-    <p:sldId id="517" r:id="rId28"/>
-    <p:sldId id="522" r:id="rId29"/>
-    <p:sldId id="510" r:id="rId30"/>
-    <p:sldId id="519" r:id="rId31"/>
-    <p:sldId id="521" r:id="rId32"/>
-    <p:sldId id="520" r:id="rId33"/>
-    <p:sldId id="509" r:id="rId34"/>
-    <p:sldId id="513" r:id="rId35"/>
-    <p:sldId id="528" r:id="rId36"/>
-    <p:sldId id="527" r:id="rId37"/>
-    <p:sldId id="529" r:id="rId38"/>
-    <p:sldId id="526" r:id="rId39"/>
-    <p:sldId id="530" r:id="rId40"/>
-    <p:sldId id="532" r:id="rId41"/>
-    <p:sldId id="551" r:id="rId42"/>
-    <p:sldId id="550" r:id="rId43"/>
-    <p:sldId id="552" r:id="rId44"/>
-    <p:sldId id="553" r:id="rId45"/>
-    <p:sldId id="554" r:id="rId46"/>
-    <p:sldId id="531" r:id="rId47"/>
-    <p:sldId id="555" r:id="rId48"/>
-    <p:sldId id="556" r:id="rId49"/>
-    <p:sldId id="557" r:id="rId50"/>
+    <p:sldId id="534" r:id="rId2"/>
+    <p:sldId id="533" r:id="rId3"/>
+    <p:sldId id="536" r:id="rId4"/>
+    <p:sldId id="535" r:id="rId5"/>
+    <p:sldId id="514" r:id="rId6"/>
+    <p:sldId id="538" r:id="rId7"/>
+    <p:sldId id="537" r:id="rId8"/>
+    <p:sldId id="539" r:id="rId9"/>
+    <p:sldId id="540" r:id="rId10"/>
+    <p:sldId id="541" r:id="rId11"/>
+    <p:sldId id="542" r:id="rId12"/>
+    <p:sldId id="543" r:id="rId13"/>
+    <p:sldId id="544" r:id="rId14"/>
+    <p:sldId id="545" r:id="rId15"/>
+    <p:sldId id="548" r:id="rId16"/>
+    <p:sldId id="546" r:id="rId17"/>
+    <p:sldId id="547" r:id="rId18"/>
+    <p:sldId id="549" r:id="rId19"/>
+    <p:sldId id="498" r:id="rId20"/>
+    <p:sldId id="507" r:id="rId21"/>
+    <p:sldId id="508" r:id="rId22"/>
+    <p:sldId id="506" r:id="rId23"/>
+    <p:sldId id="516" r:id="rId24"/>
+    <p:sldId id="518" r:id="rId25"/>
+    <p:sldId id="517" r:id="rId26"/>
+    <p:sldId id="522" r:id="rId27"/>
+    <p:sldId id="510" r:id="rId28"/>
+    <p:sldId id="519" r:id="rId29"/>
+    <p:sldId id="521" r:id="rId30"/>
+    <p:sldId id="520" r:id="rId31"/>
+    <p:sldId id="509" r:id="rId32"/>
+    <p:sldId id="513" r:id="rId33"/>
+    <p:sldId id="528" r:id="rId34"/>
+    <p:sldId id="527" r:id="rId35"/>
+    <p:sldId id="529" r:id="rId36"/>
+    <p:sldId id="526" r:id="rId37"/>
+    <p:sldId id="530" r:id="rId38"/>
+    <p:sldId id="532" r:id="rId39"/>
+    <p:sldId id="551" r:id="rId40"/>
+    <p:sldId id="550" r:id="rId41"/>
+    <p:sldId id="552" r:id="rId42"/>
+    <p:sldId id="553" r:id="rId43"/>
+    <p:sldId id="554" r:id="rId44"/>
+    <p:sldId id="531" r:id="rId45"/>
+    <p:sldId id="555" r:id="rId46"/>
+    <p:sldId id="556" r:id="rId47"/>
+    <p:sldId id="557" r:id="rId48"/>
+    <p:sldId id="558" r:id="rId49"/>
   </p:sldIdLst>
   <p:sldSz cx="12192000" cy="6858000"/>
   <p:notesSz cx="6858000" cy="9144000"/>
   <p:custDataLst>
-    <p:tags r:id="rId55"/>
+    <p:tags r:id="rId52"/>
   </p:custDataLst>
   <p:defaultTextStyle>
     <a:defPPr>
@@ -219,16 +220,23 @@
             <p14:sldId id="555"/>
             <p14:sldId id="556"/>
             <p14:sldId id="557"/>
+            <p14:sldId id="558"/>
           </p14:sldIdLst>
         </p14:section>
       </p14:sectionLst>
+    </p:ext>
+    <p:ext uri="{EFAFB233-063F-42B5-8137-9DF3F51BA10A}">
+      <p15:sldGuideLst xmlns:p15="http://schemas.microsoft.com/office/powerpoint/2012/main"/>
+    </p:ext>
+    <p:ext uri="{2D200454-40CA-4A62-9FC3-DE9A4176ACB9}">
+      <p15:notesGuideLst xmlns:p15="http://schemas.microsoft.com/office/powerpoint/2012/main"/>
     </p:ext>
   </p:extLst>
 </p:presentation>
 </file>
 
 <file path=ppt/diagrams/colors1.xml><?xml version="1.0" encoding="utf-8"?>
-<dgm:colorsDef xmlns:dgm="http://schemas.openxmlformats.org/drawingml/2006/diagram" xmlns:a="http://schemas.openxmlformats.org/drawingml/2006/main" uniqueId="urn:microsoft.com/office/officeart/2005/8/colors/accent1_2">
+<dgm:colorsDef xmlns:dgm="http://schemas.openxmlformats.org/drawingml/2006/diagram" xmlns:a="http://schemas.openxmlformats.org/drawingml/2006/main" uniqueId="urn:microsoft.com/office/officeart/2005/8/colors/accent1_2#1">
   <dgm:title val=""/>
   <dgm:desc val=""/>
   <dgm:catLst>
@@ -975,7 +983,7 @@
 </file>
 
 <file path=ppt/diagrams/colors2.xml><?xml version="1.0" encoding="utf-8"?>
-<dgm:colorsDef xmlns:dgm="http://schemas.openxmlformats.org/drawingml/2006/diagram" xmlns:a="http://schemas.openxmlformats.org/drawingml/2006/main" uniqueId="urn:microsoft.com/office/officeart/2005/8/colors/accent1_2">
+<dgm:colorsDef xmlns:dgm="http://schemas.openxmlformats.org/drawingml/2006/diagram" xmlns:a="http://schemas.openxmlformats.org/drawingml/2006/main" uniqueId="urn:microsoft.com/office/officeart/2005/8/colors/accent1_2#2">
   <dgm:title val=""/>
   <dgm:desc val=""/>
   <dgm:catLst>
@@ -1722,7 +1730,7 @@
 </file>
 
 <file path=ppt/diagrams/colors3.xml><?xml version="1.0" encoding="utf-8"?>
-<dgm:colorsDef xmlns:dgm="http://schemas.openxmlformats.org/drawingml/2006/diagram" xmlns:a="http://schemas.openxmlformats.org/drawingml/2006/main" uniqueId="urn:microsoft.com/office/officeart/2005/8/colors/accent1_2">
+<dgm:colorsDef xmlns:dgm="http://schemas.openxmlformats.org/drawingml/2006/diagram" xmlns:a="http://schemas.openxmlformats.org/drawingml/2006/main" uniqueId="urn:microsoft.com/office/officeart/2005/8/colors/accent1_2#3">
   <dgm:title val=""/>
   <dgm:desc val=""/>
   <dgm:catLst>
@@ -2469,7 +2477,7 @@
 </file>
 
 <file path=ppt/diagrams/colors4.xml><?xml version="1.0" encoding="utf-8"?>
-<dgm:colorsDef xmlns:dgm="http://schemas.openxmlformats.org/drawingml/2006/diagram" xmlns:a="http://schemas.openxmlformats.org/drawingml/2006/main" uniqueId="urn:microsoft.com/office/officeart/2005/8/colors/accent1_1">
+<dgm:colorsDef xmlns:dgm="http://schemas.openxmlformats.org/drawingml/2006/diagram" xmlns:a="http://schemas.openxmlformats.org/drawingml/2006/main" uniqueId="urn:microsoft.com/office/officeart/2005/8/colors/accent1_1#1">
   <dgm:title val=""/>
   <dgm:desc val=""/>
   <dgm:catLst>
@@ -3279,7 +3287,7 @@
 <dgm:dataModel xmlns:dgm="http://schemas.openxmlformats.org/drawingml/2006/diagram" xmlns:a="http://schemas.openxmlformats.org/drawingml/2006/main">
   <dgm:ptLst>
     <dgm:pt modelId="{ABC2DE46-02AA-4737-AB6E-91FE447F5FE7}" type="doc">
-      <dgm:prSet loTypeId="urn:microsoft.com/office/officeart/2005/8/layout/list1" loCatId="list" qsTypeId="urn:microsoft.com/office/officeart/2005/8/quickstyle/3d1" qsCatId="3D" csTypeId="urn:microsoft.com/office/officeart/2005/8/colors/accent1_2" csCatId="accent1" phldr="1"/>
+      <dgm:prSet loTypeId="urn:microsoft.com/office/officeart/2005/8/layout/list1#1" loCatId="list" qsTypeId="urn:microsoft.com/office/officeart/2005/8/quickstyle/3d1#1" qsCatId="3D" csTypeId="urn:microsoft.com/office/officeart/2005/8/colors/accent1_2#1" csCatId="accent1" phldr="1"/>
       <dgm:spPr/>
       <dgm:t>
         <a:bodyPr/>
@@ -3303,7 +3311,7 @@
         </a:p>
       </dgm:t>
     </dgm:pt>
-    <dgm:pt modelId="{086B800B-D6DB-45B8-AA14-E0EA87735C2A}" cxnId="{757DF814-FA37-40D0-A582-489F6463035E}" type="parTrans">
+    <dgm:pt modelId="{086B800B-D6DB-45B8-AA14-E0EA87735C2A}" type="parTrans" cxnId="{757DF814-FA37-40D0-A582-489F6463035E}">
       <dgm:prSet/>
       <dgm:spPr/>
       <dgm:t>
@@ -3314,7 +3322,7 @@
         </a:p>
       </dgm:t>
     </dgm:pt>
-    <dgm:pt modelId="{FEBCD7B5-5350-48A7-A681-4E1CCAAE9B19}" cxnId="{757DF814-FA37-40D0-A582-489F6463035E}" type="sibTrans">
+    <dgm:pt modelId="{FEBCD7B5-5350-48A7-A681-4E1CCAAE9B19}" type="sibTrans" cxnId="{757DF814-FA37-40D0-A582-489F6463035E}">
       <dgm:prSet/>
       <dgm:spPr/>
       <dgm:t>
@@ -3339,7 +3347,7 @@
         </a:p>
       </dgm:t>
     </dgm:pt>
-    <dgm:pt modelId="{59D1B7E7-FED7-473B-B440-EAA33F2637C0}" cxnId="{609AFEB7-A9C4-44BD-A0F1-85D7D4C190E7}" type="parTrans">
+    <dgm:pt modelId="{59D1B7E7-FED7-473B-B440-EAA33F2637C0}" type="parTrans" cxnId="{609AFEB7-A9C4-44BD-A0F1-85D7D4C190E7}">
       <dgm:prSet/>
       <dgm:spPr/>
       <dgm:t>
@@ -3350,7 +3358,7 @@
         </a:p>
       </dgm:t>
     </dgm:pt>
-    <dgm:pt modelId="{AEE909C5-94DD-48E5-8553-C9AC949556F4}" cxnId="{609AFEB7-A9C4-44BD-A0F1-85D7D4C190E7}" type="sibTrans">
+    <dgm:pt modelId="{AEE909C5-94DD-48E5-8553-C9AC949556F4}" type="sibTrans" cxnId="{609AFEB7-A9C4-44BD-A0F1-85D7D4C190E7}">
       <dgm:prSet/>
       <dgm:spPr/>
       <dgm:t>
@@ -3375,7 +3383,7 @@
         </a:p>
       </dgm:t>
     </dgm:pt>
-    <dgm:pt modelId="{B4151D7F-6F5C-470E-90EF-3C6EF0FCD5DC}" cxnId="{EF05EF55-6B80-40DB-BAAD-5686B03E6EDD}" type="parTrans">
+    <dgm:pt modelId="{B4151D7F-6F5C-470E-90EF-3C6EF0FCD5DC}" type="parTrans" cxnId="{EF05EF55-6B80-40DB-BAAD-5686B03E6EDD}">
       <dgm:prSet/>
       <dgm:spPr/>
       <dgm:t>
@@ -3386,7 +3394,7 @@
         </a:p>
       </dgm:t>
     </dgm:pt>
-    <dgm:pt modelId="{A1AB5E15-886E-45BD-9E45-0D5B8B9B74B2}" cxnId="{EF05EF55-6B80-40DB-BAAD-5686B03E6EDD}" type="sibTrans">
+    <dgm:pt modelId="{A1AB5E15-886E-45BD-9E45-0D5B8B9B74B2}" type="sibTrans" cxnId="{EF05EF55-6B80-40DB-BAAD-5686B03E6EDD}">
       <dgm:prSet/>
       <dgm:spPr/>
       <dgm:t>
@@ -3505,38 +3513,38 @@
   </dgm:ptLst>
   <dgm:cxnLst>
     <dgm:cxn modelId="{757DF814-FA37-40D0-A582-489F6463035E}" srcId="{ABC2DE46-02AA-4737-AB6E-91FE447F5FE7}" destId="{797A4663-96A2-4063-8ABD-89192B29F7A9}" srcOrd="0" destOrd="0" parTransId="{086B800B-D6DB-45B8-AA14-E0EA87735C2A}" sibTransId="{FEBCD7B5-5350-48A7-A681-4E1CCAAE9B19}"/>
-    <dgm:cxn modelId="{64D6A61B-25CB-4910-AB1B-CABC09BB8D41}" type="presOf" srcId="{0CE8A696-9A2C-4C4D-B09D-24476F315952}" destId="{7D71F013-EC45-44FA-9F88-0D192739EEA3}" srcOrd="0" destOrd="0" presId="urn:microsoft.com/office/officeart/2005/8/layout/list1"/>
+    <dgm:cxn modelId="{64D6A61B-25CB-4910-AB1B-CABC09BB8D41}" type="presOf" srcId="{0CE8A696-9A2C-4C4D-B09D-24476F315952}" destId="{7D71F013-EC45-44FA-9F88-0D192739EEA3}" srcOrd="0" destOrd="0" presId="urn:microsoft.com/office/officeart/2005/8/layout/list1#1"/>
     <dgm:cxn modelId="{EF05EF55-6B80-40DB-BAAD-5686B03E6EDD}" srcId="{ABC2DE46-02AA-4737-AB6E-91FE447F5FE7}" destId="{0CE8A696-9A2C-4C4D-B09D-24476F315952}" srcOrd="2" destOrd="0" parTransId="{B4151D7F-6F5C-470E-90EF-3C6EF0FCD5DC}" sibTransId="{A1AB5E15-886E-45BD-9E45-0D5B8B9B74B2}"/>
-    <dgm:cxn modelId="{161DA5AA-1768-49ED-B279-59B9EFAC6FBE}" type="presOf" srcId="{7EB70560-E84F-4600-8EDA-263E05D5F32E}" destId="{8B506BA3-7AFD-42F1-9FDB-09E2D28CD1B3}" srcOrd="1" destOrd="0" presId="urn:microsoft.com/office/officeart/2005/8/layout/list1"/>
+    <dgm:cxn modelId="{161DA5AA-1768-49ED-B279-59B9EFAC6FBE}" type="presOf" srcId="{7EB70560-E84F-4600-8EDA-263E05D5F32E}" destId="{8B506BA3-7AFD-42F1-9FDB-09E2D28CD1B3}" srcOrd="1" destOrd="0" presId="urn:microsoft.com/office/officeart/2005/8/layout/list1#1"/>
     <dgm:cxn modelId="{609AFEB7-A9C4-44BD-A0F1-85D7D4C190E7}" srcId="{ABC2DE46-02AA-4737-AB6E-91FE447F5FE7}" destId="{7EB70560-E84F-4600-8EDA-263E05D5F32E}" srcOrd="1" destOrd="0" parTransId="{59D1B7E7-FED7-473B-B440-EAA33F2637C0}" sibTransId="{AEE909C5-94DD-48E5-8553-C9AC949556F4}"/>
-    <dgm:cxn modelId="{5E2033C4-0446-40A2-87A1-7299D85F1DDE}" type="presOf" srcId="{797A4663-96A2-4063-8ABD-89192B29F7A9}" destId="{1A140897-50D6-40FE-9F26-98E5C7F3814B}" srcOrd="0" destOrd="0" presId="urn:microsoft.com/office/officeart/2005/8/layout/list1"/>
-    <dgm:cxn modelId="{73E197C8-902E-4525-A069-199EC03E0DD6}" type="presOf" srcId="{0CE8A696-9A2C-4C4D-B09D-24476F315952}" destId="{9F2DA9FA-1B93-4163-A851-474C9D045232}" srcOrd="1" destOrd="0" presId="urn:microsoft.com/office/officeart/2005/8/layout/list1"/>
-    <dgm:cxn modelId="{4A549FD5-02EE-4B82-B018-0BCAE1D082D2}" type="presOf" srcId="{7EB70560-E84F-4600-8EDA-263E05D5F32E}" destId="{13D58B28-9F17-4705-9BF3-DE18DE000FE7}" srcOrd="0" destOrd="0" presId="urn:microsoft.com/office/officeart/2005/8/layout/list1"/>
-    <dgm:cxn modelId="{98B228ED-076A-4703-8E2C-997D74A3E58F}" type="presOf" srcId="{ABC2DE46-02AA-4737-AB6E-91FE447F5FE7}" destId="{1B69445C-FCCA-4F08-B434-D39670A1E09E}" srcOrd="0" destOrd="0" presId="urn:microsoft.com/office/officeart/2005/8/layout/list1"/>
-    <dgm:cxn modelId="{C9010EF7-C349-4D10-916D-DB0F395B1FAC}" type="presOf" srcId="{797A4663-96A2-4063-8ABD-89192B29F7A9}" destId="{DDD969E0-2058-4643-8E47-93160C0DD783}" srcOrd="1" destOrd="0" presId="urn:microsoft.com/office/officeart/2005/8/layout/list1"/>
-    <dgm:cxn modelId="{08881C67-244A-4B17-9CC7-07F983143532}" type="presParOf" srcId="{1B69445C-FCCA-4F08-B434-D39670A1E09E}" destId="{F88EAE5D-6843-4A0A-A6B3-4EDD046AF0BD}" srcOrd="0" destOrd="0" presId="urn:microsoft.com/office/officeart/2005/8/layout/list1"/>
-    <dgm:cxn modelId="{46F081E1-42D4-4D50-90F7-69A4682A6E83}" type="presParOf" srcId="{F88EAE5D-6843-4A0A-A6B3-4EDD046AF0BD}" destId="{1A140897-50D6-40FE-9F26-98E5C7F3814B}" srcOrd="0" destOrd="0" presId="urn:microsoft.com/office/officeart/2005/8/layout/list1"/>
-    <dgm:cxn modelId="{009D6C3D-9C61-415B-9BF9-999546F53352}" type="presParOf" srcId="{F88EAE5D-6843-4A0A-A6B3-4EDD046AF0BD}" destId="{DDD969E0-2058-4643-8E47-93160C0DD783}" srcOrd="1" destOrd="0" presId="urn:microsoft.com/office/officeart/2005/8/layout/list1"/>
-    <dgm:cxn modelId="{2A7D3C11-7D4E-4907-8C50-0A0FCE25A0BC}" type="presParOf" srcId="{1B69445C-FCCA-4F08-B434-D39670A1E09E}" destId="{E9E35FA9-5957-47D1-B093-F7D4FF100528}" srcOrd="1" destOrd="0" presId="urn:microsoft.com/office/officeart/2005/8/layout/list1"/>
-    <dgm:cxn modelId="{41B2F176-0F37-4374-AB74-2CC6526A62D0}" type="presParOf" srcId="{1B69445C-FCCA-4F08-B434-D39670A1E09E}" destId="{2D0CB04D-5CB6-4815-854A-40ACE4626BC0}" srcOrd="2" destOrd="0" presId="urn:microsoft.com/office/officeart/2005/8/layout/list1"/>
-    <dgm:cxn modelId="{17AD73AB-B1F0-48CA-A5D3-492CA01B302D}" type="presParOf" srcId="{1B69445C-FCCA-4F08-B434-D39670A1E09E}" destId="{F452586C-6E1D-4A76-965F-375C2A7CE2A3}" srcOrd="3" destOrd="0" presId="urn:microsoft.com/office/officeart/2005/8/layout/list1"/>
-    <dgm:cxn modelId="{0EB7AF84-7741-4675-A855-32DEECC73E50}" type="presParOf" srcId="{1B69445C-FCCA-4F08-B434-D39670A1E09E}" destId="{8F5F2D4D-299E-4368-9E2F-EB0D377154A9}" srcOrd="4" destOrd="0" presId="urn:microsoft.com/office/officeart/2005/8/layout/list1"/>
-    <dgm:cxn modelId="{C51134F4-5AFE-4F11-AA75-438AD37ECFEF}" type="presParOf" srcId="{8F5F2D4D-299E-4368-9E2F-EB0D377154A9}" destId="{13D58B28-9F17-4705-9BF3-DE18DE000FE7}" srcOrd="0" destOrd="0" presId="urn:microsoft.com/office/officeart/2005/8/layout/list1"/>
-    <dgm:cxn modelId="{5CDE5796-2A65-45D1-9D75-028B3F78DB84}" type="presParOf" srcId="{8F5F2D4D-299E-4368-9E2F-EB0D377154A9}" destId="{8B506BA3-7AFD-42F1-9FDB-09E2D28CD1B3}" srcOrd="1" destOrd="0" presId="urn:microsoft.com/office/officeart/2005/8/layout/list1"/>
-    <dgm:cxn modelId="{D9950C2E-531B-477E-B443-3EA9A65D90DF}" type="presParOf" srcId="{1B69445C-FCCA-4F08-B434-D39670A1E09E}" destId="{E5E1930F-C89B-486E-A68F-68D6B2B145A7}" srcOrd="5" destOrd="0" presId="urn:microsoft.com/office/officeart/2005/8/layout/list1"/>
-    <dgm:cxn modelId="{BBF33A95-AAEA-41CF-B9CB-328B30C0E491}" type="presParOf" srcId="{1B69445C-FCCA-4F08-B434-D39670A1E09E}" destId="{E84E58D1-4F0C-4C14-A211-6757851BEED2}" srcOrd="6" destOrd="0" presId="urn:microsoft.com/office/officeart/2005/8/layout/list1"/>
-    <dgm:cxn modelId="{B9967311-2518-44FB-9360-8582F5250CAD}" type="presParOf" srcId="{1B69445C-FCCA-4F08-B434-D39670A1E09E}" destId="{32B54AE8-FA21-42A0-9A67-30E1382ADE20}" srcOrd="7" destOrd="0" presId="urn:microsoft.com/office/officeart/2005/8/layout/list1"/>
-    <dgm:cxn modelId="{33C3C6C0-C032-4DDD-9FA7-F942CD2A7D3D}" type="presParOf" srcId="{1B69445C-FCCA-4F08-B434-D39670A1E09E}" destId="{9A020F81-4C22-4A7E-848A-57688E28F236}" srcOrd="8" destOrd="0" presId="urn:microsoft.com/office/officeart/2005/8/layout/list1"/>
-    <dgm:cxn modelId="{0A55C248-EDAE-462D-9815-766DA05EBBB1}" type="presParOf" srcId="{9A020F81-4C22-4A7E-848A-57688E28F236}" destId="{7D71F013-EC45-44FA-9F88-0D192739EEA3}" srcOrd="0" destOrd="0" presId="urn:microsoft.com/office/officeart/2005/8/layout/list1"/>
-    <dgm:cxn modelId="{A48D1321-0D95-4376-965D-8A39471DBABD}" type="presParOf" srcId="{9A020F81-4C22-4A7E-848A-57688E28F236}" destId="{9F2DA9FA-1B93-4163-A851-474C9D045232}" srcOrd="1" destOrd="0" presId="urn:microsoft.com/office/officeart/2005/8/layout/list1"/>
-    <dgm:cxn modelId="{C903B3BD-A3A8-4610-8E23-8857F1169590}" type="presParOf" srcId="{1B69445C-FCCA-4F08-B434-D39670A1E09E}" destId="{53E7F643-FD65-46DB-89A3-EAFA3E25F51E}" srcOrd="9" destOrd="0" presId="urn:microsoft.com/office/officeart/2005/8/layout/list1"/>
-    <dgm:cxn modelId="{C3241C07-E240-4EE3-814D-E8C9C1B0DAFD}" type="presParOf" srcId="{1B69445C-FCCA-4F08-B434-D39670A1E09E}" destId="{F9A34577-9B52-421D-AEE4-8FFE291E362C}" srcOrd="10" destOrd="0" presId="urn:microsoft.com/office/officeart/2005/8/layout/list1"/>
+    <dgm:cxn modelId="{5E2033C4-0446-40A2-87A1-7299D85F1DDE}" type="presOf" srcId="{797A4663-96A2-4063-8ABD-89192B29F7A9}" destId="{1A140897-50D6-40FE-9F26-98E5C7F3814B}" srcOrd="0" destOrd="0" presId="urn:microsoft.com/office/officeart/2005/8/layout/list1#1"/>
+    <dgm:cxn modelId="{73E197C8-902E-4525-A069-199EC03E0DD6}" type="presOf" srcId="{0CE8A696-9A2C-4C4D-B09D-24476F315952}" destId="{9F2DA9FA-1B93-4163-A851-474C9D045232}" srcOrd="1" destOrd="0" presId="urn:microsoft.com/office/officeart/2005/8/layout/list1#1"/>
+    <dgm:cxn modelId="{4A549FD5-02EE-4B82-B018-0BCAE1D082D2}" type="presOf" srcId="{7EB70560-E84F-4600-8EDA-263E05D5F32E}" destId="{13D58B28-9F17-4705-9BF3-DE18DE000FE7}" srcOrd="0" destOrd="0" presId="urn:microsoft.com/office/officeart/2005/8/layout/list1#1"/>
+    <dgm:cxn modelId="{98B228ED-076A-4703-8E2C-997D74A3E58F}" type="presOf" srcId="{ABC2DE46-02AA-4737-AB6E-91FE447F5FE7}" destId="{1B69445C-FCCA-4F08-B434-D39670A1E09E}" srcOrd="0" destOrd="0" presId="urn:microsoft.com/office/officeart/2005/8/layout/list1#1"/>
+    <dgm:cxn modelId="{C9010EF7-C349-4D10-916D-DB0F395B1FAC}" type="presOf" srcId="{797A4663-96A2-4063-8ABD-89192B29F7A9}" destId="{DDD969E0-2058-4643-8E47-93160C0DD783}" srcOrd="1" destOrd="0" presId="urn:microsoft.com/office/officeart/2005/8/layout/list1#1"/>
+    <dgm:cxn modelId="{08881C67-244A-4B17-9CC7-07F983143532}" type="presParOf" srcId="{1B69445C-FCCA-4F08-B434-D39670A1E09E}" destId="{F88EAE5D-6843-4A0A-A6B3-4EDD046AF0BD}" srcOrd="0" destOrd="0" presId="urn:microsoft.com/office/officeart/2005/8/layout/list1#1"/>
+    <dgm:cxn modelId="{46F081E1-42D4-4D50-90F7-69A4682A6E83}" type="presParOf" srcId="{F88EAE5D-6843-4A0A-A6B3-4EDD046AF0BD}" destId="{1A140897-50D6-40FE-9F26-98E5C7F3814B}" srcOrd="0" destOrd="0" presId="urn:microsoft.com/office/officeart/2005/8/layout/list1#1"/>
+    <dgm:cxn modelId="{009D6C3D-9C61-415B-9BF9-999546F53352}" type="presParOf" srcId="{F88EAE5D-6843-4A0A-A6B3-4EDD046AF0BD}" destId="{DDD969E0-2058-4643-8E47-93160C0DD783}" srcOrd="1" destOrd="0" presId="urn:microsoft.com/office/officeart/2005/8/layout/list1#1"/>
+    <dgm:cxn modelId="{2A7D3C11-7D4E-4907-8C50-0A0FCE25A0BC}" type="presParOf" srcId="{1B69445C-FCCA-4F08-B434-D39670A1E09E}" destId="{E9E35FA9-5957-47D1-B093-F7D4FF100528}" srcOrd="1" destOrd="0" presId="urn:microsoft.com/office/officeart/2005/8/layout/list1#1"/>
+    <dgm:cxn modelId="{41B2F176-0F37-4374-AB74-2CC6526A62D0}" type="presParOf" srcId="{1B69445C-FCCA-4F08-B434-D39670A1E09E}" destId="{2D0CB04D-5CB6-4815-854A-40ACE4626BC0}" srcOrd="2" destOrd="0" presId="urn:microsoft.com/office/officeart/2005/8/layout/list1#1"/>
+    <dgm:cxn modelId="{17AD73AB-B1F0-48CA-A5D3-492CA01B302D}" type="presParOf" srcId="{1B69445C-FCCA-4F08-B434-D39670A1E09E}" destId="{F452586C-6E1D-4A76-965F-375C2A7CE2A3}" srcOrd="3" destOrd="0" presId="urn:microsoft.com/office/officeart/2005/8/layout/list1#1"/>
+    <dgm:cxn modelId="{0EB7AF84-7741-4675-A855-32DEECC73E50}" type="presParOf" srcId="{1B69445C-FCCA-4F08-B434-D39670A1E09E}" destId="{8F5F2D4D-299E-4368-9E2F-EB0D377154A9}" srcOrd="4" destOrd="0" presId="urn:microsoft.com/office/officeart/2005/8/layout/list1#1"/>
+    <dgm:cxn modelId="{C51134F4-5AFE-4F11-AA75-438AD37ECFEF}" type="presParOf" srcId="{8F5F2D4D-299E-4368-9E2F-EB0D377154A9}" destId="{13D58B28-9F17-4705-9BF3-DE18DE000FE7}" srcOrd="0" destOrd="0" presId="urn:microsoft.com/office/officeart/2005/8/layout/list1#1"/>
+    <dgm:cxn modelId="{5CDE5796-2A65-45D1-9D75-028B3F78DB84}" type="presParOf" srcId="{8F5F2D4D-299E-4368-9E2F-EB0D377154A9}" destId="{8B506BA3-7AFD-42F1-9FDB-09E2D28CD1B3}" srcOrd="1" destOrd="0" presId="urn:microsoft.com/office/officeart/2005/8/layout/list1#1"/>
+    <dgm:cxn modelId="{D9950C2E-531B-477E-B443-3EA9A65D90DF}" type="presParOf" srcId="{1B69445C-FCCA-4F08-B434-D39670A1E09E}" destId="{E5E1930F-C89B-486E-A68F-68D6B2B145A7}" srcOrd="5" destOrd="0" presId="urn:microsoft.com/office/officeart/2005/8/layout/list1#1"/>
+    <dgm:cxn modelId="{BBF33A95-AAEA-41CF-B9CB-328B30C0E491}" type="presParOf" srcId="{1B69445C-FCCA-4F08-B434-D39670A1E09E}" destId="{E84E58D1-4F0C-4C14-A211-6757851BEED2}" srcOrd="6" destOrd="0" presId="urn:microsoft.com/office/officeart/2005/8/layout/list1#1"/>
+    <dgm:cxn modelId="{B9967311-2518-44FB-9360-8582F5250CAD}" type="presParOf" srcId="{1B69445C-FCCA-4F08-B434-D39670A1E09E}" destId="{32B54AE8-FA21-42A0-9A67-30E1382ADE20}" srcOrd="7" destOrd="0" presId="urn:microsoft.com/office/officeart/2005/8/layout/list1#1"/>
+    <dgm:cxn modelId="{33C3C6C0-C032-4DDD-9FA7-F942CD2A7D3D}" type="presParOf" srcId="{1B69445C-FCCA-4F08-B434-D39670A1E09E}" destId="{9A020F81-4C22-4A7E-848A-57688E28F236}" srcOrd="8" destOrd="0" presId="urn:microsoft.com/office/officeart/2005/8/layout/list1#1"/>
+    <dgm:cxn modelId="{0A55C248-EDAE-462D-9815-766DA05EBBB1}" type="presParOf" srcId="{9A020F81-4C22-4A7E-848A-57688E28F236}" destId="{7D71F013-EC45-44FA-9F88-0D192739EEA3}" srcOrd="0" destOrd="0" presId="urn:microsoft.com/office/officeart/2005/8/layout/list1#1"/>
+    <dgm:cxn modelId="{A48D1321-0D95-4376-965D-8A39471DBABD}" type="presParOf" srcId="{9A020F81-4C22-4A7E-848A-57688E28F236}" destId="{9F2DA9FA-1B93-4163-A851-474C9D045232}" srcOrd="1" destOrd="0" presId="urn:microsoft.com/office/officeart/2005/8/layout/list1#1"/>
+    <dgm:cxn modelId="{C903B3BD-A3A8-4610-8E23-8857F1169590}" type="presParOf" srcId="{1B69445C-FCCA-4F08-B434-D39670A1E09E}" destId="{53E7F643-FD65-46DB-89A3-EAFA3E25F51E}" srcOrd="9" destOrd="0" presId="urn:microsoft.com/office/officeart/2005/8/layout/list1#1"/>
+    <dgm:cxn modelId="{C3241C07-E240-4EE3-814D-E8C9C1B0DAFD}" type="presParOf" srcId="{1B69445C-FCCA-4F08-B434-D39670A1E09E}" destId="{F9A34577-9B52-421D-AEE4-8FFE291E362C}" srcOrd="10" destOrd="0" presId="urn:microsoft.com/office/officeart/2005/8/layout/list1#1"/>
   </dgm:cxnLst>
   <dgm:bg/>
   <dgm:whole/>
   <dgm:extLst>
     <a:ext uri="http://schemas.microsoft.com/office/drawing/2008/diagram">
-      <dsp:dataModelExt xmlns:dsp="http://schemas.microsoft.com/office/drawing/2008/diagram" relId="rId5" minVer="http://schemas.openxmlformats.org/drawingml/2006/diagram"/>
+      <dsp:dataModelExt xmlns:dsp="http://schemas.microsoft.com/office/drawing/2008/diagram" relId="rId7" minVer="http://schemas.openxmlformats.org/drawingml/2006/diagram"/>
     </a:ext>
   </dgm:extLst>
 </dgm:dataModel>
@@ -3546,7 +3554,7 @@
 <dgm:dataModel xmlns:dgm="http://schemas.openxmlformats.org/drawingml/2006/diagram" xmlns:a="http://schemas.openxmlformats.org/drawingml/2006/main">
   <dgm:ptLst>
     <dgm:pt modelId="{ABC2DE46-02AA-4737-AB6E-91FE447F5FE7}" type="doc">
-      <dgm:prSet loTypeId="urn:microsoft.com/office/officeart/2005/8/layout/list1" loCatId="list" qsTypeId="urn:microsoft.com/office/officeart/2005/8/quickstyle/3d1" qsCatId="3D" csTypeId="urn:microsoft.com/office/officeart/2005/8/colors/accent1_2" csCatId="accent1" phldr="1"/>
+      <dgm:prSet loTypeId="urn:microsoft.com/office/officeart/2005/8/layout/list1#2" loCatId="list" qsTypeId="urn:microsoft.com/office/officeart/2005/8/quickstyle/3d1#2" qsCatId="3D" csTypeId="urn:microsoft.com/office/officeart/2005/8/colors/accent1_2#2" csCatId="accent1" phldr="1"/>
       <dgm:spPr/>
       <dgm:t>
         <a:bodyPr/>
@@ -3570,7 +3578,7 @@
         </a:p>
       </dgm:t>
     </dgm:pt>
-    <dgm:pt modelId="{086B800B-D6DB-45B8-AA14-E0EA87735C2A}" cxnId="{757DF814-FA37-40D0-A582-489F6463035E}" type="parTrans">
+    <dgm:pt modelId="{086B800B-D6DB-45B8-AA14-E0EA87735C2A}" type="parTrans" cxnId="{757DF814-FA37-40D0-A582-489F6463035E}">
       <dgm:prSet/>
       <dgm:spPr/>
       <dgm:t>
@@ -3581,7 +3589,7 @@
         </a:p>
       </dgm:t>
     </dgm:pt>
-    <dgm:pt modelId="{FEBCD7B5-5350-48A7-A681-4E1CCAAE9B19}" cxnId="{757DF814-FA37-40D0-A582-489F6463035E}" type="sibTrans">
+    <dgm:pt modelId="{FEBCD7B5-5350-48A7-A681-4E1CCAAE9B19}" type="sibTrans" cxnId="{757DF814-FA37-40D0-A582-489F6463035E}">
       <dgm:prSet/>
       <dgm:spPr/>
       <dgm:t>
@@ -3606,7 +3614,7 @@
         </a:p>
       </dgm:t>
     </dgm:pt>
-    <dgm:pt modelId="{59D1B7E7-FED7-473B-B440-EAA33F2637C0}" cxnId="{609AFEB7-A9C4-44BD-A0F1-85D7D4C190E7}" type="parTrans">
+    <dgm:pt modelId="{59D1B7E7-FED7-473B-B440-EAA33F2637C0}" type="parTrans" cxnId="{609AFEB7-A9C4-44BD-A0F1-85D7D4C190E7}">
       <dgm:prSet/>
       <dgm:spPr/>
       <dgm:t>
@@ -3617,7 +3625,7 @@
         </a:p>
       </dgm:t>
     </dgm:pt>
-    <dgm:pt modelId="{AEE909C5-94DD-48E5-8553-C9AC949556F4}" cxnId="{609AFEB7-A9C4-44BD-A0F1-85D7D4C190E7}" type="sibTrans">
+    <dgm:pt modelId="{AEE909C5-94DD-48E5-8553-C9AC949556F4}" type="sibTrans" cxnId="{609AFEB7-A9C4-44BD-A0F1-85D7D4C190E7}">
       <dgm:prSet/>
       <dgm:spPr/>
       <dgm:t>
@@ -3703,29 +3711,29 @@
   </dgm:ptLst>
   <dgm:cxnLst>
     <dgm:cxn modelId="{757DF814-FA37-40D0-A582-489F6463035E}" srcId="{ABC2DE46-02AA-4737-AB6E-91FE447F5FE7}" destId="{797A4663-96A2-4063-8ABD-89192B29F7A9}" srcOrd="0" destOrd="0" parTransId="{086B800B-D6DB-45B8-AA14-E0EA87735C2A}" sibTransId="{FEBCD7B5-5350-48A7-A681-4E1CCAAE9B19}"/>
-    <dgm:cxn modelId="{161DA5AA-1768-49ED-B279-59B9EFAC6FBE}" type="presOf" srcId="{7EB70560-E84F-4600-8EDA-263E05D5F32E}" destId="{8B506BA3-7AFD-42F1-9FDB-09E2D28CD1B3}" srcOrd="1" destOrd="0" presId="urn:microsoft.com/office/officeart/2005/8/layout/list1"/>
+    <dgm:cxn modelId="{161DA5AA-1768-49ED-B279-59B9EFAC6FBE}" type="presOf" srcId="{7EB70560-E84F-4600-8EDA-263E05D5F32E}" destId="{8B506BA3-7AFD-42F1-9FDB-09E2D28CD1B3}" srcOrd="1" destOrd="0" presId="urn:microsoft.com/office/officeart/2005/8/layout/list1#2"/>
     <dgm:cxn modelId="{609AFEB7-A9C4-44BD-A0F1-85D7D4C190E7}" srcId="{ABC2DE46-02AA-4737-AB6E-91FE447F5FE7}" destId="{7EB70560-E84F-4600-8EDA-263E05D5F32E}" srcOrd="1" destOrd="0" parTransId="{59D1B7E7-FED7-473B-B440-EAA33F2637C0}" sibTransId="{AEE909C5-94DD-48E5-8553-C9AC949556F4}"/>
-    <dgm:cxn modelId="{5E2033C4-0446-40A2-87A1-7299D85F1DDE}" type="presOf" srcId="{797A4663-96A2-4063-8ABD-89192B29F7A9}" destId="{1A140897-50D6-40FE-9F26-98E5C7F3814B}" srcOrd="0" destOrd="0" presId="urn:microsoft.com/office/officeart/2005/8/layout/list1"/>
-    <dgm:cxn modelId="{4A549FD5-02EE-4B82-B018-0BCAE1D082D2}" type="presOf" srcId="{7EB70560-E84F-4600-8EDA-263E05D5F32E}" destId="{13D58B28-9F17-4705-9BF3-DE18DE000FE7}" srcOrd="0" destOrd="0" presId="urn:microsoft.com/office/officeart/2005/8/layout/list1"/>
-    <dgm:cxn modelId="{98B228ED-076A-4703-8E2C-997D74A3E58F}" type="presOf" srcId="{ABC2DE46-02AA-4737-AB6E-91FE447F5FE7}" destId="{1B69445C-FCCA-4F08-B434-D39670A1E09E}" srcOrd="0" destOrd="0" presId="urn:microsoft.com/office/officeart/2005/8/layout/list1"/>
-    <dgm:cxn modelId="{C9010EF7-C349-4D10-916D-DB0F395B1FAC}" type="presOf" srcId="{797A4663-96A2-4063-8ABD-89192B29F7A9}" destId="{DDD969E0-2058-4643-8E47-93160C0DD783}" srcOrd="1" destOrd="0" presId="urn:microsoft.com/office/officeart/2005/8/layout/list1"/>
-    <dgm:cxn modelId="{08881C67-244A-4B17-9CC7-07F983143532}" type="presParOf" srcId="{1B69445C-FCCA-4F08-B434-D39670A1E09E}" destId="{F88EAE5D-6843-4A0A-A6B3-4EDD046AF0BD}" srcOrd="0" destOrd="0" presId="urn:microsoft.com/office/officeart/2005/8/layout/list1"/>
-    <dgm:cxn modelId="{46F081E1-42D4-4D50-90F7-69A4682A6E83}" type="presParOf" srcId="{F88EAE5D-6843-4A0A-A6B3-4EDD046AF0BD}" destId="{1A140897-50D6-40FE-9F26-98E5C7F3814B}" srcOrd="0" destOrd="0" presId="urn:microsoft.com/office/officeart/2005/8/layout/list1"/>
-    <dgm:cxn modelId="{009D6C3D-9C61-415B-9BF9-999546F53352}" type="presParOf" srcId="{F88EAE5D-6843-4A0A-A6B3-4EDD046AF0BD}" destId="{DDD969E0-2058-4643-8E47-93160C0DD783}" srcOrd="1" destOrd="0" presId="urn:microsoft.com/office/officeart/2005/8/layout/list1"/>
-    <dgm:cxn modelId="{2A7D3C11-7D4E-4907-8C50-0A0FCE25A0BC}" type="presParOf" srcId="{1B69445C-FCCA-4F08-B434-D39670A1E09E}" destId="{E9E35FA9-5957-47D1-B093-F7D4FF100528}" srcOrd="1" destOrd="0" presId="urn:microsoft.com/office/officeart/2005/8/layout/list1"/>
-    <dgm:cxn modelId="{41B2F176-0F37-4374-AB74-2CC6526A62D0}" type="presParOf" srcId="{1B69445C-FCCA-4F08-B434-D39670A1E09E}" destId="{2D0CB04D-5CB6-4815-854A-40ACE4626BC0}" srcOrd="2" destOrd="0" presId="urn:microsoft.com/office/officeart/2005/8/layout/list1"/>
-    <dgm:cxn modelId="{17AD73AB-B1F0-48CA-A5D3-492CA01B302D}" type="presParOf" srcId="{1B69445C-FCCA-4F08-B434-D39670A1E09E}" destId="{F452586C-6E1D-4A76-965F-375C2A7CE2A3}" srcOrd="3" destOrd="0" presId="urn:microsoft.com/office/officeart/2005/8/layout/list1"/>
-    <dgm:cxn modelId="{0EB7AF84-7741-4675-A855-32DEECC73E50}" type="presParOf" srcId="{1B69445C-FCCA-4F08-B434-D39670A1E09E}" destId="{8F5F2D4D-299E-4368-9E2F-EB0D377154A9}" srcOrd="4" destOrd="0" presId="urn:microsoft.com/office/officeart/2005/8/layout/list1"/>
-    <dgm:cxn modelId="{C51134F4-5AFE-4F11-AA75-438AD37ECFEF}" type="presParOf" srcId="{8F5F2D4D-299E-4368-9E2F-EB0D377154A9}" destId="{13D58B28-9F17-4705-9BF3-DE18DE000FE7}" srcOrd="0" destOrd="0" presId="urn:microsoft.com/office/officeart/2005/8/layout/list1"/>
-    <dgm:cxn modelId="{5CDE5796-2A65-45D1-9D75-028B3F78DB84}" type="presParOf" srcId="{8F5F2D4D-299E-4368-9E2F-EB0D377154A9}" destId="{8B506BA3-7AFD-42F1-9FDB-09E2D28CD1B3}" srcOrd="1" destOrd="0" presId="urn:microsoft.com/office/officeart/2005/8/layout/list1"/>
-    <dgm:cxn modelId="{D9950C2E-531B-477E-B443-3EA9A65D90DF}" type="presParOf" srcId="{1B69445C-FCCA-4F08-B434-D39670A1E09E}" destId="{E5E1930F-C89B-486E-A68F-68D6B2B145A7}" srcOrd="5" destOrd="0" presId="urn:microsoft.com/office/officeart/2005/8/layout/list1"/>
-    <dgm:cxn modelId="{BBF33A95-AAEA-41CF-B9CB-328B30C0E491}" type="presParOf" srcId="{1B69445C-FCCA-4F08-B434-D39670A1E09E}" destId="{E84E58D1-4F0C-4C14-A211-6757851BEED2}" srcOrd="6" destOrd="0" presId="urn:microsoft.com/office/officeart/2005/8/layout/list1"/>
+    <dgm:cxn modelId="{5E2033C4-0446-40A2-87A1-7299D85F1DDE}" type="presOf" srcId="{797A4663-96A2-4063-8ABD-89192B29F7A9}" destId="{1A140897-50D6-40FE-9F26-98E5C7F3814B}" srcOrd="0" destOrd="0" presId="urn:microsoft.com/office/officeart/2005/8/layout/list1#2"/>
+    <dgm:cxn modelId="{4A549FD5-02EE-4B82-B018-0BCAE1D082D2}" type="presOf" srcId="{7EB70560-E84F-4600-8EDA-263E05D5F32E}" destId="{13D58B28-9F17-4705-9BF3-DE18DE000FE7}" srcOrd="0" destOrd="0" presId="urn:microsoft.com/office/officeart/2005/8/layout/list1#2"/>
+    <dgm:cxn modelId="{98B228ED-076A-4703-8E2C-997D74A3E58F}" type="presOf" srcId="{ABC2DE46-02AA-4737-AB6E-91FE447F5FE7}" destId="{1B69445C-FCCA-4F08-B434-D39670A1E09E}" srcOrd="0" destOrd="0" presId="urn:microsoft.com/office/officeart/2005/8/layout/list1#2"/>
+    <dgm:cxn modelId="{C9010EF7-C349-4D10-916D-DB0F395B1FAC}" type="presOf" srcId="{797A4663-96A2-4063-8ABD-89192B29F7A9}" destId="{DDD969E0-2058-4643-8E47-93160C0DD783}" srcOrd="1" destOrd="0" presId="urn:microsoft.com/office/officeart/2005/8/layout/list1#2"/>
+    <dgm:cxn modelId="{08881C67-244A-4B17-9CC7-07F983143532}" type="presParOf" srcId="{1B69445C-FCCA-4F08-B434-D39670A1E09E}" destId="{F88EAE5D-6843-4A0A-A6B3-4EDD046AF0BD}" srcOrd="0" destOrd="0" presId="urn:microsoft.com/office/officeart/2005/8/layout/list1#2"/>
+    <dgm:cxn modelId="{46F081E1-42D4-4D50-90F7-69A4682A6E83}" type="presParOf" srcId="{F88EAE5D-6843-4A0A-A6B3-4EDD046AF0BD}" destId="{1A140897-50D6-40FE-9F26-98E5C7F3814B}" srcOrd="0" destOrd="0" presId="urn:microsoft.com/office/officeart/2005/8/layout/list1#2"/>
+    <dgm:cxn modelId="{009D6C3D-9C61-415B-9BF9-999546F53352}" type="presParOf" srcId="{F88EAE5D-6843-4A0A-A6B3-4EDD046AF0BD}" destId="{DDD969E0-2058-4643-8E47-93160C0DD783}" srcOrd="1" destOrd="0" presId="urn:microsoft.com/office/officeart/2005/8/layout/list1#2"/>
+    <dgm:cxn modelId="{2A7D3C11-7D4E-4907-8C50-0A0FCE25A0BC}" type="presParOf" srcId="{1B69445C-FCCA-4F08-B434-D39670A1E09E}" destId="{E9E35FA9-5957-47D1-B093-F7D4FF100528}" srcOrd="1" destOrd="0" presId="urn:microsoft.com/office/officeart/2005/8/layout/list1#2"/>
+    <dgm:cxn modelId="{41B2F176-0F37-4374-AB74-2CC6526A62D0}" type="presParOf" srcId="{1B69445C-FCCA-4F08-B434-D39670A1E09E}" destId="{2D0CB04D-5CB6-4815-854A-40ACE4626BC0}" srcOrd="2" destOrd="0" presId="urn:microsoft.com/office/officeart/2005/8/layout/list1#2"/>
+    <dgm:cxn modelId="{17AD73AB-B1F0-48CA-A5D3-492CA01B302D}" type="presParOf" srcId="{1B69445C-FCCA-4F08-B434-D39670A1E09E}" destId="{F452586C-6E1D-4A76-965F-375C2A7CE2A3}" srcOrd="3" destOrd="0" presId="urn:microsoft.com/office/officeart/2005/8/layout/list1#2"/>
+    <dgm:cxn modelId="{0EB7AF84-7741-4675-A855-32DEECC73E50}" type="presParOf" srcId="{1B69445C-FCCA-4F08-B434-D39670A1E09E}" destId="{8F5F2D4D-299E-4368-9E2F-EB0D377154A9}" srcOrd="4" destOrd="0" presId="urn:microsoft.com/office/officeart/2005/8/layout/list1#2"/>
+    <dgm:cxn modelId="{C51134F4-5AFE-4F11-AA75-438AD37ECFEF}" type="presParOf" srcId="{8F5F2D4D-299E-4368-9E2F-EB0D377154A9}" destId="{13D58B28-9F17-4705-9BF3-DE18DE000FE7}" srcOrd="0" destOrd="0" presId="urn:microsoft.com/office/officeart/2005/8/layout/list1#2"/>
+    <dgm:cxn modelId="{5CDE5796-2A65-45D1-9D75-028B3F78DB84}" type="presParOf" srcId="{8F5F2D4D-299E-4368-9E2F-EB0D377154A9}" destId="{8B506BA3-7AFD-42F1-9FDB-09E2D28CD1B3}" srcOrd="1" destOrd="0" presId="urn:microsoft.com/office/officeart/2005/8/layout/list1#2"/>
+    <dgm:cxn modelId="{D9950C2E-531B-477E-B443-3EA9A65D90DF}" type="presParOf" srcId="{1B69445C-FCCA-4F08-B434-D39670A1E09E}" destId="{E5E1930F-C89B-486E-A68F-68D6B2B145A7}" srcOrd="5" destOrd="0" presId="urn:microsoft.com/office/officeart/2005/8/layout/list1#2"/>
+    <dgm:cxn modelId="{BBF33A95-AAEA-41CF-B9CB-328B30C0E491}" type="presParOf" srcId="{1B69445C-FCCA-4F08-B434-D39670A1E09E}" destId="{E84E58D1-4F0C-4C14-A211-6757851BEED2}" srcOrd="6" destOrd="0" presId="urn:microsoft.com/office/officeart/2005/8/layout/list1#2"/>
   </dgm:cxnLst>
   <dgm:bg/>
   <dgm:whole/>
   <dgm:extLst>
     <a:ext uri="http://schemas.microsoft.com/office/drawing/2008/diagram">
-      <dsp:dataModelExt xmlns:dsp="http://schemas.microsoft.com/office/drawing/2008/diagram" relId="rId5" minVer="http://schemas.openxmlformats.org/drawingml/2006/diagram"/>
+      <dsp:dataModelExt xmlns:dsp="http://schemas.microsoft.com/office/drawing/2008/diagram" relId="rId7" minVer="http://schemas.openxmlformats.org/drawingml/2006/diagram"/>
     </a:ext>
   </dgm:extLst>
 </dgm:dataModel>
@@ -3735,7 +3743,7 @@
 <dgm:dataModel xmlns:dgm="http://schemas.openxmlformats.org/drawingml/2006/diagram" xmlns:a="http://schemas.openxmlformats.org/drawingml/2006/main">
   <dgm:ptLst>
     <dgm:pt modelId="{ABC2DE46-02AA-4737-AB6E-91FE447F5FE7}" type="doc">
-      <dgm:prSet loTypeId="urn:microsoft.com/office/officeart/2005/8/layout/list1" loCatId="list" qsTypeId="urn:microsoft.com/office/officeart/2005/8/quickstyle/3d1" qsCatId="3D" csTypeId="urn:microsoft.com/office/officeart/2005/8/colors/accent1_2" csCatId="accent1" phldr="1"/>
+      <dgm:prSet loTypeId="urn:microsoft.com/office/officeart/2005/8/layout/list1#3" loCatId="list" qsTypeId="urn:microsoft.com/office/officeart/2005/8/quickstyle/3d1#3" qsCatId="3D" csTypeId="urn:microsoft.com/office/officeart/2005/8/colors/accent1_2#3" csCatId="accent1" phldr="1"/>
       <dgm:spPr/>
       <dgm:t>
         <a:bodyPr/>
@@ -3759,7 +3767,7 @@
         </a:p>
       </dgm:t>
     </dgm:pt>
-    <dgm:pt modelId="{086B800B-D6DB-45B8-AA14-E0EA87735C2A}" cxnId="{757DF814-FA37-40D0-A582-489F6463035E}" type="parTrans">
+    <dgm:pt modelId="{086B800B-D6DB-45B8-AA14-E0EA87735C2A}" type="parTrans" cxnId="{757DF814-FA37-40D0-A582-489F6463035E}">
       <dgm:prSet/>
       <dgm:spPr/>
       <dgm:t>
@@ -3770,7 +3778,7 @@
         </a:p>
       </dgm:t>
     </dgm:pt>
-    <dgm:pt modelId="{FEBCD7B5-5350-48A7-A681-4E1CCAAE9B19}" cxnId="{757DF814-FA37-40D0-A582-489F6463035E}" type="sibTrans">
+    <dgm:pt modelId="{FEBCD7B5-5350-48A7-A681-4E1CCAAE9B19}" type="sibTrans" cxnId="{757DF814-FA37-40D0-A582-489F6463035E}">
       <dgm:prSet/>
       <dgm:spPr/>
       <dgm:t>
@@ -3795,7 +3803,7 @@
         </a:p>
       </dgm:t>
     </dgm:pt>
-    <dgm:pt modelId="{59D1B7E7-FED7-473B-B440-EAA33F2637C0}" cxnId="{609AFEB7-A9C4-44BD-A0F1-85D7D4C190E7}" type="parTrans">
+    <dgm:pt modelId="{59D1B7E7-FED7-473B-B440-EAA33F2637C0}" type="parTrans" cxnId="{609AFEB7-A9C4-44BD-A0F1-85D7D4C190E7}">
       <dgm:prSet/>
       <dgm:spPr/>
       <dgm:t>
@@ -3806,7 +3814,7 @@
         </a:p>
       </dgm:t>
     </dgm:pt>
-    <dgm:pt modelId="{AEE909C5-94DD-48E5-8553-C9AC949556F4}" cxnId="{609AFEB7-A9C4-44BD-A0F1-85D7D4C190E7}" type="sibTrans">
+    <dgm:pt modelId="{AEE909C5-94DD-48E5-8553-C9AC949556F4}" type="sibTrans" cxnId="{609AFEB7-A9C4-44BD-A0F1-85D7D4C190E7}">
       <dgm:prSet/>
       <dgm:spPr/>
       <dgm:t>
@@ -3831,7 +3839,7 @@
         </a:p>
       </dgm:t>
     </dgm:pt>
-    <dgm:pt modelId="{961E3D25-A3A9-41CA-B497-D628ACC32563}" cxnId="{9495CF28-CE8B-4509-81F3-B4C6DC9ECEC6}" type="parTrans">
+    <dgm:pt modelId="{961E3D25-A3A9-41CA-B497-D628ACC32563}" type="parTrans" cxnId="{9495CF28-CE8B-4509-81F3-B4C6DC9ECEC6}">
       <dgm:prSet/>
       <dgm:spPr/>
       <dgm:t>
@@ -3842,7 +3850,7 @@
         </a:p>
       </dgm:t>
     </dgm:pt>
-    <dgm:pt modelId="{7820793F-69FD-4452-84FA-D684C134962D}" cxnId="{9495CF28-CE8B-4509-81F3-B4C6DC9ECEC6}" type="sibTrans">
+    <dgm:pt modelId="{7820793F-69FD-4452-84FA-D684C134962D}" type="sibTrans" cxnId="{9495CF28-CE8B-4509-81F3-B4C6DC9ECEC6}">
       <dgm:prSet/>
       <dgm:spPr/>
       <dgm:t>
@@ -3962,37 +3970,37 @@
   <dgm:cxnLst>
     <dgm:cxn modelId="{757DF814-FA37-40D0-A582-489F6463035E}" srcId="{ABC2DE46-02AA-4737-AB6E-91FE447F5FE7}" destId="{797A4663-96A2-4063-8ABD-89192B29F7A9}" srcOrd="0" destOrd="0" parTransId="{086B800B-D6DB-45B8-AA14-E0EA87735C2A}" sibTransId="{FEBCD7B5-5350-48A7-A681-4E1CCAAE9B19}"/>
     <dgm:cxn modelId="{9495CF28-CE8B-4509-81F3-B4C6DC9ECEC6}" srcId="{ABC2DE46-02AA-4737-AB6E-91FE447F5FE7}" destId="{34DA137C-27B2-4A70-8F7C-650A9F58E1A0}" srcOrd="2" destOrd="0" parTransId="{961E3D25-A3A9-41CA-B497-D628ACC32563}" sibTransId="{7820793F-69FD-4452-84FA-D684C134962D}"/>
-    <dgm:cxn modelId="{E2E6375A-2AAC-4AA7-908A-4A73BC6C592F}" type="presOf" srcId="{34DA137C-27B2-4A70-8F7C-650A9F58E1A0}" destId="{884A413B-24D2-4E1A-9ABE-318356860437}" srcOrd="0" destOrd="0" presId="urn:microsoft.com/office/officeart/2005/8/layout/list1"/>
-    <dgm:cxn modelId="{161DA5AA-1768-49ED-B279-59B9EFAC6FBE}" type="presOf" srcId="{7EB70560-E84F-4600-8EDA-263E05D5F32E}" destId="{8B506BA3-7AFD-42F1-9FDB-09E2D28CD1B3}" srcOrd="1" destOrd="0" presId="urn:microsoft.com/office/officeart/2005/8/layout/list1"/>
+    <dgm:cxn modelId="{E2E6375A-2AAC-4AA7-908A-4A73BC6C592F}" type="presOf" srcId="{34DA137C-27B2-4A70-8F7C-650A9F58E1A0}" destId="{884A413B-24D2-4E1A-9ABE-318356860437}" srcOrd="0" destOrd="0" presId="urn:microsoft.com/office/officeart/2005/8/layout/list1#3"/>
+    <dgm:cxn modelId="{161DA5AA-1768-49ED-B279-59B9EFAC6FBE}" type="presOf" srcId="{7EB70560-E84F-4600-8EDA-263E05D5F32E}" destId="{8B506BA3-7AFD-42F1-9FDB-09E2D28CD1B3}" srcOrd="1" destOrd="0" presId="urn:microsoft.com/office/officeart/2005/8/layout/list1#3"/>
     <dgm:cxn modelId="{609AFEB7-A9C4-44BD-A0F1-85D7D4C190E7}" srcId="{ABC2DE46-02AA-4737-AB6E-91FE447F5FE7}" destId="{7EB70560-E84F-4600-8EDA-263E05D5F32E}" srcOrd="1" destOrd="0" parTransId="{59D1B7E7-FED7-473B-B440-EAA33F2637C0}" sibTransId="{AEE909C5-94DD-48E5-8553-C9AC949556F4}"/>
-    <dgm:cxn modelId="{5E2033C4-0446-40A2-87A1-7299D85F1DDE}" type="presOf" srcId="{797A4663-96A2-4063-8ABD-89192B29F7A9}" destId="{1A140897-50D6-40FE-9F26-98E5C7F3814B}" srcOrd="0" destOrd="0" presId="urn:microsoft.com/office/officeart/2005/8/layout/list1"/>
-    <dgm:cxn modelId="{4A549FD5-02EE-4B82-B018-0BCAE1D082D2}" type="presOf" srcId="{7EB70560-E84F-4600-8EDA-263E05D5F32E}" destId="{13D58B28-9F17-4705-9BF3-DE18DE000FE7}" srcOrd="0" destOrd="0" presId="urn:microsoft.com/office/officeart/2005/8/layout/list1"/>
-    <dgm:cxn modelId="{98B228ED-076A-4703-8E2C-997D74A3E58F}" type="presOf" srcId="{ABC2DE46-02AA-4737-AB6E-91FE447F5FE7}" destId="{1B69445C-FCCA-4F08-B434-D39670A1E09E}" srcOrd="0" destOrd="0" presId="urn:microsoft.com/office/officeart/2005/8/layout/list1"/>
-    <dgm:cxn modelId="{2C4125F4-0048-4FA9-ABF2-D116D358A86D}" type="presOf" srcId="{34DA137C-27B2-4A70-8F7C-650A9F58E1A0}" destId="{1F558355-42AC-4422-84BF-F1D42B9D39AE}" srcOrd="1" destOrd="0" presId="urn:microsoft.com/office/officeart/2005/8/layout/list1"/>
-    <dgm:cxn modelId="{C9010EF7-C349-4D10-916D-DB0F395B1FAC}" type="presOf" srcId="{797A4663-96A2-4063-8ABD-89192B29F7A9}" destId="{DDD969E0-2058-4643-8E47-93160C0DD783}" srcOrd="1" destOrd="0" presId="urn:microsoft.com/office/officeart/2005/8/layout/list1"/>
-    <dgm:cxn modelId="{08881C67-244A-4B17-9CC7-07F983143532}" type="presParOf" srcId="{1B69445C-FCCA-4F08-B434-D39670A1E09E}" destId="{F88EAE5D-6843-4A0A-A6B3-4EDD046AF0BD}" srcOrd="0" destOrd="0" presId="urn:microsoft.com/office/officeart/2005/8/layout/list1"/>
-    <dgm:cxn modelId="{46F081E1-42D4-4D50-90F7-69A4682A6E83}" type="presParOf" srcId="{F88EAE5D-6843-4A0A-A6B3-4EDD046AF0BD}" destId="{1A140897-50D6-40FE-9F26-98E5C7F3814B}" srcOrd="0" destOrd="0" presId="urn:microsoft.com/office/officeart/2005/8/layout/list1"/>
-    <dgm:cxn modelId="{009D6C3D-9C61-415B-9BF9-999546F53352}" type="presParOf" srcId="{F88EAE5D-6843-4A0A-A6B3-4EDD046AF0BD}" destId="{DDD969E0-2058-4643-8E47-93160C0DD783}" srcOrd="1" destOrd="0" presId="urn:microsoft.com/office/officeart/2005/8/layout/list1"/>
-    <dgm:cxn modelId="{2A7D3C11-7D4E-4907-8C50-0A0FCE25A0BC}" type="presParOf" srcId="{1B69445C-FCCA-4F08-B434-D39670A1E09E}" destId="{E9E35FA9-5957-47D1-B093-F7D4FF100528}" srcOrd="1" destOrd="0" presId="urn:microsoft.com/office/officeart/2005/8/layout/list1"/>
-    <dgm:cxn modelId="{41B2F176-0F37-4374-AB74-2CC6526A62D0}" type="presParOf" srcId="{1B69445C-FCCA-4F08-B434-D39670A1E09E}" destId="{2D0CB04D-5CB6-4815-854A-40ACE4626BC0}" srcOrd="2" destOrd="0" presId="urn:microsoft.com/office/officeart/2005/8/layout/list1"/>
-    <dgm:cxn modelId="{17AD73AB-B1F0-48CA-A5D3-492CA01B302D}" type="presParOf" srcId="{1B69445C-FCCA-4F08-B434-D39670A1E09E}" destId="{F452586C-6E1D-4A76-965F-375C2A7CE2A3}" srcOrd="3" destOrd="0" presId="urn:microsoft.com/office/officeart/2005/8/layout/list1"/>
-    <dgm:cxn modelId="{0EB7AF84-7741-4675-A855-32DEECC73E50}" type="presParOf" srcId="{1B69445C-FCCA-4F08-B434-D39670A1E09E}" destId="{8F5F2D4D-299E-4368-9E2F-EB0D377154A9}" srcOrd="4" destOrd="0" presId="urn:microsoft.com/office/officeart/2005/8/layout/list1"/>
-    <dgm:cxn modelId="{C51134F4-5AFE-4F11-AA75-438AD37ECFEF}" type="presParOf" srcId="{8F5F2D4D-299E-4368-9E2F-EB0D377154A9}" destId="{13D58B28-9F17-4705-9BF3-DE18DE000FE7}" srcOrd="0" destOrd="0" presId="urn:microsoft.com/office/officeart/2005/8/layout/list1"/>
-    <dgm:cxn modelId="{5CDE5796-2A65-45D1-9D75-028B3F78DB84}" type="presParOf" srcId="{8F5F2D4D-299E-4368-9E2F-EB0D377154A9}" destId="{8B506BA3-7AFD-42F1-9FDB-09E2D28CD1B3}" srcOrd="1" destOrd="0" presId="urn:microsoft.com/office/officeart/2005/8/layout/list1"/>
-    <dgm:cxn modelId="{D9950C2E-531B-477E-B443-3EA9A65D90DF}" type="presParOf" srcId="{1B69445C-FCCA-4F08-B434-D39670A1E09E}" destId="{E5E1930F-C89B-486E-A68F-68D6B2B145A7}" srcOrd="5" destOrd="0" presId="urn:microsoft.com/office/officeart/2005/8/layout/list1"/>
-    <dgm:cxn modelId="{BBF33A95-AAEA-41CF-B9CB-328B30C0E491}" type="presParOf" srcId="{1B69445C-FCCA-4F08-B434-D39670A1E09E}" destId="{E84E58D1-4F0C-4C14-A211-6757851BEED2}" srcOrd="6" destOrd="0" presId="urn:microsoft.com/office/officeart/2005/8/layout/list1"/>
-    <dgm:cxn modelId="{C187A6F9-79FD-4AAE-8DDE-878B7D64DF96}" type="presParOf" srcId="{1B69445C-FCCA-4F08-B434-D39670A1E09E}" destId="{B5800A3A-16C1-4674-9FD6-F5D89E0FD523}" srcOrd="7" destOrd="0" presId="urn:microsoft.com/office/officeart/2005/8/layout/list1"/>
-    <dgm:cxn modelId="{6F7DA596-0605-4F93-97B8-AA877D1519E7}" type="presParOf" srcId="{1B69445C-FCCA-4F08-B434-D39670A1E09E}" destId="{21C3668E-6BA8-4926-B42D-C73D34F34E43}" srcOrd="8" destOrd="0" presId="urn:microsoft.com/office/officeart/2005/8/layout/list1"/>
-    <dgm:cxn modelId="{05D73F3A-9105-4E15-A985-59F6D0EBE598}" type="presParOf" srcId="{21C3668E-6BA8-4926-B42D-C73D34F34E43}" destId="{884A413B-24D2-4E1A-9ABE-318356860437}" srcOrd="0" destOrd="0" presId="urn:microsoft.com/office/officeart/2005/8/layout/list1"/>
-    <dgm:cxn modelId="{AB2F454B-64AB-4515-BB16-659B1B734B96}" type="presParOf" srcId="{21C3668E-6BA8-4926-B42D-C73D34F34E43}" destId="{1F558355-42AC-4422-84BF-F1D42B9D39AE}" srcOrd="1" destOrd="0" presId="urn:microsoft.com/office/officeart/2005/8/layout/list1"/>
-    <dgm:cxn modelId="{BCF26131-3773-4AC6-9D3D-39606C2BE5B0}" type="presParOf" srcId="{1B69445C-FCCA-4F08-B434-D39670A1E09E}" destId="{5546BDA8-01F8-434A-93C3-F7911BC3321B}" srcOrd="9" destOrd="0" presId="urn:microsoft.com/office/officeart/2005/8/layout/list1"/>
-    <dgm:cxn modelId="{84ECB127-06B7-40AD-A5A4-5A62A88B93FA}" type="presParOf" srcId="{1B69445C-FCCA-4F08-B434-D39670A1E09E}" destId="{9588E1C3-02F9-4B12-9F69-6E6853F65AF8}" srcOrd="10" destOrd="0" presId="urn:microsoft.com/office/officeart/2005/8/layout/list1"/>
+    <dgm:cxn modelId="{5E2033C4-0446-40A2-87A1-7299D85F1DDE}" type="presOf" srcId="{797A4663-96A2-4063-8ABD-89192B29F7A9}" destId="{1A140897-50D6-40FE-9F26-98E5C7F3814B}" srcOrd="0" destOrd="0" presId="urn:microsoft.com/office/officeart/2005/8/layout/list1#3"/>
+    <dgm:cxn modelId="{4A549FD5-02EE-4B82-B018-0BCAE1D082D2}" type="presOf" srcId="{7EB70560-E84F-4600-8EDA-263E05D5F32E}" destId="{13D58B28-9F17-4705-9BF3-DE18DE000FE7}" srcOrd="0" destOrd="0" presId="urn:microsoft.com/office/officeart/2005/8/layout/list1#3"/>
+    <dgm:cxn modelId="{98B228ED-076A-4703-8E2C-997D74A3E58F}" type="presOf" srcId="{ABC2DE46-02AA-4737-AB6E-91FE447F5FE7}" destId="{1B69445C-FCCA-4F08-B434-D39670A1E09E}" srcOrd="0" destOrd="0" presId="urn:microsoft.com/office/officeart/2005/8/layout/list1#3"/>
+    <dgm:cxn modelId="{2C4125F4-0048-4FA9-ABF2-D116D358A86D}" type="presOf" srcId="{34DA137C-27B2-4A70-8F7C-650A9F58E1A0}" destId="{1F558355-42AC-4422-84BF-F1D42B9D39AE}" srcOrd="1" destOrd="0" presId="urn:microsoft.com/office/officeart/2005/8/layout/list1#3"/>
+    <dgm:cxn modelId="{C9010EF7-C349-4D10-916D-DB0F395B1FAC}" type="presOf" srcId="{797A4663-96A2-4063-8ABD-89192B29F7A9}" destId="{DDD969E0-2058-4643-8E47-93160C0DD783}" srcOrd="1" destOrd="0" presId="urn:microsoft.com/office/officeart/2005/8/layout/list1#3"/>
+    <dgm:cxn modelId="{08881C67-244A-4B17-9CC7-07F983143532}" type="presParOf" srcId="{1B69445C-FCCA-4F08-B434-D39670A1E09E}" destId="{F88EAE5D-6843-4A0A-A6B3-4EDD046AF0BD}" srcOrd="0" destOrd="0" presId="urn:microsoft.com/office/officeart/2005/8/layout/list1#3"/>
+    <dgm:cxn modelId="{46F081E1-42D4-4D50-90F7-69A4682A6E83}" type="presParOf" srcId="{F88EAE5D-6843-4A0A-A6B3-4EDD046AF0BD}" destId="{1A140897-50D6-40FE-9F26-98E5C7F3814B}" srcOrd="0" destOrd="0" presId="urn:microsoft.com/office/officeart/2005/8/layout/list1#3"/>
+    <dgm:cxn modelId="{009D6C3D-9C61-415B-9BF9-999546F53352}" type="presParOf" srcId="{F88EAE5D-6843-4A0A-A6B3-4EDD046AF0BD}" destId="{DDD969E0-2058-4643-8E47-93160C0DD783}" srcOrd="1" destOrd="0" presId="urn:microsoft.com/office/officeart/2005/8/layout/list1#3"/>
+    <dgm:cxn modelId="{2A7D3C11-7D4E-4907-8C50-0A0FCE25A0BC}" type="presParOf" srcId="{1B69445C-FCCA-4F08-B434-D39670A1E09E}" destId="{E9E35FA9-5957-47D1-B093-F7D4FF100528}" srcOrd="1" destOrd="0" presId="urn:microsoft.com/office/officeart/2005/8/layout/list1#3"/>
+    <dgm:cxn modelId="{41B2F176-0F37-4374-AB74-2CC6526A62D0}" type="presParOf" srcId="{1B69445C-FCCA-4F08-B434-D39670A1E09E}" destId="{2D0CB04D-5CB6-4815-854A-40ACE4626BC0}" srcOrd="2" destOrd="0" presId="urn:microsoft.com/office/officeart/2005/8/layout/list1#3"/>
+    <dgm:cxn modelId="{17AD73AB-B1F0-48CA-A5D3-492CA01B302D}" type="presParOf" srcId="{1B69445C-FCCA-4F08-B434-D39670A1E09E}" destId="{F452586C-6E1D-4A76-965F-375C2A7CE2A3}" srcOrd="3" destOrd="0" presId="urn:microsoft.com/office/officeart/2005/8/layout/list1#3"/>
+    <dgm:cxn modelId="{0EB7AF84-7741-4675-A855-32DEECC73E50}" type="presParOf" srcId="{1B69445C-FCCA-4F08-B434-D39670A1E09E}" destId="{8F5F2D4D-299E-4368-9E2F-EB0D377154A9}" srcOrd="4" destOrd="0" presId="urn:microsoft.com/office/officeart/2005/8/layout/list1#3"/>
+    <dgm:cxn modelId="{C51134F4-5AFE-4F11-AA75-438AD37ECFEF}" type="presParOf" srcId="{8F5F2D4D-299E-4368-9E2F-EB0D377154A9}" destId="{13D58B28-9F17-4705-9BF3-DE18DE000FE7}" srcOrd="0" destOrd="0" presId="urn:microsoft.com/office/officeart/2005/8/layout/list1#3"/>
+    <dgm:cxn modelId="{5CDE5796-2A65-45D1-9D75-028B3F78DB84}" type="presParOf" srcId="{8F5F2D4D-299E-4368-9E2F-EB0D377154A9}" destId="{8B506BA3-7AFD-42F1-9FDB-09E2D28CD1B3}" srcOrd="1" destOrd="0" presId="urn:microsoft.com/office/officeart/2005/8/layout/list1#3"/>
+    <dgm:cxn modelId="{D9950C2E-531B-477E-B443-3EA9A65D90DF}" type="presParOf" srcId="{1B69445C-FCCA-4F08-B434-D39670A1E09E}" destId="{E5E1930F-C89B-486E-A68F-68D6B2B145A7}" srcOrd="5" destOrd="0" presId="urn:microsoft.com/office/officeart/2005/8/layout/list1#3"/>
+    <dgm:cxn modelId="{BBF33A95-AAEA-41CF-B9CB-328B30C0E491}" type="presParOf" srcId="{1B69445C-FCCA-4F08-B434-D39670A1E09E}" destId="{E84E58D1-4F0C-4C14-A211-6757851BEED2}" srcOrd="6" destOrd="0" presId="urn:microsoft.com/office/officeart/2005/8/layout/list1#3"/>
+    <dgm:cxn modelId="{C187A6F9-79FD-4AAE-8DDE-878B7D64DF96}" type="presParOf" srcId="{1B69445C-FCCA-4F08-B434-D39670A1E09E}" destId="{B5800A3A-16C1-4674-9FD6-F5D89E0FD523}" srcOrd="7" destOrd="0" presId="urn:microsoft.com/office/officeart/2005/8/layout/list1#3"/>
+    <dgm:cxn modelId="{6F7DA596-0605-4F93-97B8-AA877D1519E7}" type="presParOf" srcId="{1B69445C-FCCA-4F08-B434-D39670A1E09E}" destId="{21C3668E-6BA8-4926-B42D-C73D34F34E43}" srcOrd="8" destOrd="0" presId="urn:microsoft.com/office/officeart/2005/8/layout/list1#3"/>
+    <dgm:cxn modelId="{05D73F3A-9105-4E15-A985-59F6D0EBE598}" type="presParOf" srcId="{21C3668E-6BA8-4926-B42D-C73D34F34E43}" destId="{884A413B-24D2-4E1A-9ABE-318356860437}" srcOrd="0" destOrd="0" presId="urn:microsoft.com/office/officeart/2005/8/layout/list1#3"/>
+    <dgm:cxn modelId="{AB2F454B-64AB-4515-BB16-659B1B734B96}" type="presParOf" srcId="{21C3668E-6BA8-4926-B42D-C73D34F34E43}" destId="{1F558355-42AC-4422-84BF-F1D42B9D39AE}" srcOrd="1" destOrd="0" presId="urn:microsoft.com/office/officeart/2005/8/layout/list1#3"/>
+    <dgm:cxn modelId="{BCF26131-3773-4AC6-9D3D-39606C2BE5B0}" type="presParOf" srcId="{1B69445C-FCCA-4F08-B434-D39670A1E09E}" destId="{5546BDA8-01F8-434A-93C3-F7911BC3321B}" srcOrd="9" destOrd="0" presId="urn:microsoft.com/office/officeart/2005/8/layout/list1#3"/>
+    <dgm:cxn modelId="{84ECB127-06B7-40AD-A5A4-5A62A88B93FA}" type="presParOf" srcId="{1B69445C-FCCA-4F08-B434-D39670A1E09E}" destId="{9588E1C3-02F9-4B12-9F69-6E6853F65AF8}" srcOrd="10" destOrd="0" presId="urn:microsoft.com/office/officeart/2005/8/layout/list1#3"/>
   </dgm:cxnLst>
   <dgm:bg/>
   <dgm:whole/>
   <dgm:extLst>
     <a:ext uri="http://schemas.microsoft.com/office/drawing/2008/diagram">
-      <dsp:dataModelExt xmlns:dsp="http://schemas.microsoft.com/office/drawing/2008/diagram" relId="rId5" minVer="http://schemas.openxmlformats.org/drawingml/2006/diagram"/>
+      <dsp:dataModelExt xmlns:dsp="http://schemas.microsoft.com/office/drawing/2008/diagram" relId="rId7" minVer="http://schemas.openxmlformats.org/drawingml/2006/diagram"/>
     </a:ext>
   </dgm:extLst>
 </dgm:dataModel>
@@ -4002,7 +4010,7 @@
 <dgm:dataModel xmlns:dgm="http://schemas.openxmlformats.org/drawingml/2006/diagram" xmlns:a="http://schemas.openxmlformats.org/drawingml/2006/main">
   <dgm:ptLst>
     <dgm:pt modelId="{36D9A9CA-AA04-4164-A129-2BFF049F6365}" type="doc">
-      <dgm:prSet loTypeId="urn:microsoft.com/office/officeart/2005/8/layout/cycle2" loCatId="cycle" qsTypeId="urn:microsoft.com/office/officeart/2005/8/quickstyle/3d3" qsCatId="3D" csTypeId="urn:microsoft.com/office/officeart/2005/8/colors/accent1_1" csCatId="accent1" phldr="1"/>
+      <dgm:prSet loTypeId="urn:microsoft.com/office/officeart/2005/8/layout/cycle2" loCatId="cycle" qsTypeId="urn:microsoft.com/office/officeart/2005/8/quickstyle/3d3#1" qsCatId="3D" csTypeId="urn:microsoft.com/office/officeart/2005/8/colors/accent1_1#1" csCatId="accent1" phldr="1"/>
       <dgm:spPr/>
       <dgm:t>
         <a:bodyPr/>
@@ -4026,7 +4034,7 @@
         </a:p>
       </dgm:t>
     </dgm:pt>
-    <dgm:pt modelId="{28D51E35-1290-4856-9D0C-187B059F83F8}" cxnId="{2C7A82FE-FEE6-4C96-B1A6-CA12352ACA6C}" type="parTrans">
+    <dgm:pt modelId="{28D51E35-1290-4856-9D0C-187B059F83F8}" type="parTrans" cxnId="{2C7A82FE-FEE6-4C96-B1A6-CA12352ACA6C}">
       <dgm:prSet/>
       <dgm:spPr/>
       <dgm:t>
@@ -4037,7 +4045,7 @@
         </a:p>
       </dgm:t>
     </dgm:pt>
-    <dgm:pt modelId="{BA8B9CA5-6FA4-49D2-88D0-C1D098DF4511}" cxnId="{2C7A82FE-FEE6-4C96-B1A6-CA12352ACA6C}" type="sibTrans">
+    <dgm:pt modelId="{BA8B9CA5-6FA4-49D2-88D0-C1D098DF4511}" type="sibTrans" cxnId="{2C7A82FE-FEE6-4C96-B1A6-CA12352ACA6C}">
       <dgm:prSet/>
       <dgm:spPr/>
       <dgm:t>
@@ -4062,7 +4070,7 @@
         </a:p>
       </dgm:t>
     </dgm:pt>
-    <dgm:pt modelId="{CC885AE0-090C-4E1F-B811-88DA6B072397}" cxnId="{14CC6AAB-AC31-47E3-8B4E-3C52B7130147}" type="parTrans">
+    <dgm:pt modelId="{CC885AE0-090C-4E1F-B811-88DA6B072397}" type="parTrans" cxnId="{14CC6AAB-AC31-47E3-8B4E-3C52B7130147}">
       <dgm:prSet/>
       <dgm:spPr/>
       <dgm:t>
@@ -4073,7 +4081,7 @@
         </a:p>
       </dgm:t>
     </dgm:pt>
-    <dgm:pt modelId="{9EF1DE20-5DA5-44C9-88A7-27E312B20B95}" cxnId="{14CC6AAB-AC31-47E3-8B4E-3C52B7130147}" type="sibTrans">
+    <dgm:pt modelId="{9EF1DE20-5DA5-44C9-88A7-27E312B20B95}" type="sibTrans" cxnId="{14CC6AAB-AC31-47E3-8B4E-3C52B7130147}">
       <dgm:prSet/>
       <dgm:spPr/>
       <dgm:t>
@@ -4098,7 +4106,7 @@
         </a:p>
       </dgm:t>
     </dgm:pt>
-    <dgm:pt modelId="{9D3B4FC9-17AE-4D66-AABA-8DDE1C6F6775}" cxnId="{76EFA206-B664-4622-97B1-D644BAC8F35F}" type="parTrans">
+    <dgm:pt modelId="{9D3B4FC9-17AE-4D66-AABA-8DDE1C6F6775}" type="parTrans" cxnId="{76EFA206-B664-4622-97B1-D644BAC8F35F}">
       <dgm:prSet/>
       <dgm:spPr/>
       <dgm:t>
@@ -4109,7 +4117,7 @@
         </a:p>
       </dgm:t>
     </dgm:pt>
-    <dgm:pt modelId="{D99A7830-4EBF-4C09-85FD-EA5550FFF673}" cxnId="{76EFA206-B664-4622-97B1-D644BAC8F35F}" type="sibTrans">
+    <dgm:pt modelId="{D99A7830-4EBF-4C09-85FD-EA5550FFF673}" type="sibTrans" cxnId="{76EFA206-B664-4622-97B1-D644BAC8F35F}">
       <dgm:prSet/>
       <dgm:spPr/>
       <dgm:t>
@@ -4206,115 +4214,143 @@
   <dgm:whole/>
   <dgm:extLst>
     <a:ext uri="http://schemas.microsoft.com/office/drawing/2008/diagram">
-      <dsp:dataModelExt xmlns:dsp="http://schemas.microsoft.com/office/drawing/2008/diagram" relId="rId6" minVer="http://schemas.openxmlformats.org/drawingml/2006/diagram"/>
+      <dsp:dataModelExt xmlns:dsp="http://schemas.microsoft.com/office/drawing/2008/diagram" relId="rId8" minVer="http://schemas.openxmlformats.org/drawingml/2006/diagram"/>
     </a:ext>
   </dgm:extLst>
 </dgm:dataModel>
 </file>
 
 <file path=ppt/diagrams/drawing1.xml><?xml version="1.0" encoding="utf-8"?>
-<dsp:drawing xmlns:dgm="http://schemas.openxmlformats.org/drawingml/2006/diagram" xmlns:dsp="http://schemas.microsoft.com/office/drawing/2008/diagram" xmlns:a="http://schemas.openxmlformats.org/drawingml/2006/main" xmlns:r="http://schemas.openxmlformats.org/officeDocument/2006/relationships">
+<dsp:drawing xmlns:dgm="http://schemas.openxmlformats.org/drawingml/2006/diagram" xmlns:dsp="http://schemas.microsoft.com/office/drawing/2008/diagram" xmlns:a="http://schemas.openxmlformats.org/drawingml/2006/main">
   <dsp:spTree>
     <dsp:nvGrpSpPr>
-      <dsp:cNvPr id="2" name="组合 1"/>
+      <dsp:cNvPr id="0" name=""/>
       <dsp:cNvGrpSpPr/>
     </dsp:nvGrpSpPr>
-    <dsp:grpSpPr>
-      <a:xfrm>
-        <a:off x="0" y="0"/>
-        <a:ext cx="7061907" cy="4707781"/>
-        <a:chOff x="0" y="0"/>
-        <a:chExt cx="7061907" cy="4707781"/>
-      </a:xfrm>
-    </dsp:grpSpPr>
+    <dsp:grpSpPr/>
     <dsp:sp modelId="{2D0CB04D-5CB6-4815-854A-40ACE4626BC0}">
       <dsp:nvSpPr>
-        <dsp:cNvPr id="5" name="矩形 4"/>
+        <dsp:cNvPr id="0" name=""/>
         <dsp:cNvSpPr/>
       </dsp:nvSpPr>
-      <dsp:spPr bwMode="white">
+      <dsp:spPr>
         <a:xfrm>
-          <a:off x="0" y="887071"/>
+          <a:off x="0" y="887070"/>
           <a:ext cx="7061907" cy="730800"/>
         </a:xfrm>
         <a:prstGeom prst="rect">
           <a:avLst/>
         </a:prstGeom>
+        <a:solidFill>
+          <a:schemeClr val="lt1">
+            <a:alpha val="90000"/>
+            <a:hueOff val="0"/>
+            <a:satOff val="0"/>
+            <a:lumOff val="0"/>
+            <a:alphaOff val="0"/>
+          </a:schemeClr>
+        </a:solidFill>
+        <a:ln w="10000" cap="flat" cmpd="sng" algn="ctr">
+          <a:solidFill>
+            <a:schemeClr val="accent1">
+              <a:hueOff val="0"/>
+              <a:satOff val="0"/>
+              <a:lumOff val="0"/>
+              <a:alphaOff val="0"/>
+            </a:schemeClr>
+          </a:solidFill>
+          <a:prstDash val="solid"/>
+        </a:ln>
+        <a:effectLst>
+          <a:outerShdw blurRad="38100" dist="25400" dir="5400000" rotWithShape="0">
+            <a:srgbClr val="000000">
+              <a:alpha val="45000"/>
+            </a:srgbClr>
+          </a:outerShdw>
+        </a:effectLst>
+        <a:scene3d>
+          <a:camera prst="orthographicFront"/>
+          <a:lightRig rig="flat" dir="t"/>
+        </a:scene3d>
         <a:sp3d z="190500" extrusionH="12700" prstMaterial="plastic">
           <a:bevelT w="50800" h="50800"/>
         </a:sp3d>
       </dsp:spPr>
       <dsp:style>
         <a:lnRef idx="1">
-          <a:schemeClr val="accent1"/>
+          <a:scrgbClr r="0" g="0" b="0"/>
         </a:lnRef>
         <a:fillRef idx="1">
-          <a:schemeClr val="lt1">
-            <a:alpha val="90000"/>
-          </a:schemeClr>
+          <a:scrgbClr r="0" g="0" b="0"/>
         </a:fillRef>
         <a:effectRef idx="2">
           <a:scrgbClr r="0" g="0" b="0"/>
         </a:effectRef>
         <a:fontRef idx="minor"/>
       </dsp:style>
-      <dsp:txBody>
-        <a:bodyPr lIns="548082" tIns="562355" rIns="548082" bIns="192024" anchor="t"/>
-        <a:lstStyle>
-          <a:lvl1pPr algn="l">
-            <a:defRPr sz="2700"/>
-          </a:lvl1pPr>
-          <a:lvl2pPr marL="228600" indent="-228600" algn="l">
-            <a:defRPr sz="2700"/>
-          </a:lvl2pPr>
-          <a:lvl3pPr marL="457200" indent="-228600" algn="l">
-            <a:defRPr sz="2700"/>
-          </a:lvl3pPr>
-          <a:lvl4pPr marL="685800" indent="-228600" algn="l">
-            <a:defRPr sz="2700"/>
-          </a:lvl4pPr>
-          <a:lvl5pPr marL="914400" indent="-228600" algn="l">
-            <a:defRPr sz="2700"/>
-          </a:lvl5pPr>
-          <a:lvl6pPr marL="1143000" indent="-228600" algn="l">
-            <a:defRPr sz="2700"/>
-          </a:lvl6pPr>
-          <a:lvl7pPr marL="1371600" indent="-228600" algn="l">
-            <a:defRPr sz="2700"/>
-          </a:lvl7pPr>
-          <a:lvl8pPr marL="1600200" indent="-228600" algn="l">
-            <a:defRPr sz="2700"/>
-          </a:lvl8pPr>
-          <a:lvl9pPr marL="1828800" indent="-228600" algn="l">
-            <a:defRPr sz="2700"/>
-          </a:lvl9pPr>
-        </a:lstStyle>
-        <a:p>
-          <a:endParaRPr>
-            <a:solidFill>
-              <a:schemeClr val="dk1"/>
-            </a:solidFill>
-          </a:endParaRPr>
-        </a:p>
-      </dsp:txBody>
-      <dsp:txXfrm>
-        <a:off x="0" y="887071"/>
-        <a:ext cx="7061907" cy="730800"/>
-      </dsp:txXfrm>
     </dsp:sp>
     <dsp:sp modelId="{DDD969E0-2058-4643-8E47-93160C0DD783}">
       <dsp:nvSpPr>
-        <dsp:cNvPr id="4" name="圆角矩形 3"/>
+        <dsp:cNvPr id="0" name=""/>
         <dsp:cNvSpPr/>
       </dsp:nvSpPr>
-      <dsp:spPr bwMode="white">
+      <dsp:spPr>
         <a:xfrm>
-          <a:off x="353095" y="459031"/>
-          <a:ext cx="4943335" cy="856080"/>
+          <a:off x="353095" y="459030"/>
+          <a:ext cx="4943334" cy="856080"/>
         </a:xfrm>
         <a:prstGeom prst="roundRect">
           <a:avLst/>
         </a:prstGeom>
+        <a:gradFill rotWithShape="0">
+          <a:gsLst>
+            <a:gs pos="0">
+              <a:schemeClr val="accent1">
+                <a:hueOff val="0"/>
+                <a:satOff val="0"/>
+                <a:lumOff val="0"/>
+                <a:alphaOff val="0"/>
+              </a:schemeClr>
+            </a:gs>
+            <a:gs pos="90000">
+              <a:schemeClr val="accent1">
+                <a:hueOff val="0"/>
+                <a:satOff val="0"/>
+                <a:lumOff val="0"/>
+                <a:alphaOff val="0"/>
+                <a:shade val="100000"/>
+                <a:satMod val="105000"/>
+              </a:schemeClr>
+            </a:gs>
+            <a:gs pos="100000">
+              <a:schemeClr val="accent1">
+                <a:hueOff val="0"/>
+                <a:satOff val="0"/>
+                <a:lumOff val="0"/>
+                <a:alphaOff val="0"/>
+                <a:shade val="80000"/>
+                <a:satMod val="120000"/>
+              </a:schemeClr>
+            </a:gs>
+          </a:gsLst>
+          <a:path path="circle">
+            <a:fillToRect l="100000" t="100000" r="100000" b="100000"/>
+          </a:path>
+        </a:gradFill>
+        <a:ln>
+          <a:noFill/>
+        </a:ln>
+        <a:effectLst>
+          <a:outerShdw blurRad="38100" dist="25400" dir="5400000" rotWithShape="0">
+            <a:srgbClr val="000000">
+              <a:alpha val="45000"/>
+            </a:srgbClr>
+          </a:outerShdw>
+        </a:effectLst>
+        <a:scene3d>
+          <a:camera prst="orthographicFront"/>
+          <a:lightRig rig="flat" dir="t"/>
+        </a:scene3d>
         <a:sp3d prstMaterial="plastic">
           <a:bevelT w="120900" h="88900"/>
           <a:bevelB w="88900" h="31750" prst="angle"/>
@@ -4322,10 +4358,10 @@
       </dsp:spPr>
       <dsp:style>
         <a:lnRef idx="0">
-          <a:schemeClr val="lt1"/>
+          <a:scrgbClr r="0" g="0" b="0"/>
         </a:lnRef>
         <a:fillRef idx="3">
-          <a:schemeClr val="accent1"/>
+          <a:scrgbClr r="0" g="0" b="0"/>
         </a:fillRef>
         <a:effectRef idx="2">
           <a:scrgbClr r="0" g="0" b="0"/>
@@ -4335,40 +4371,14 @@
         </a:fontRef>
       </dsp:style>
       <dsp:txBody>
-        <a:bodyPr lIns="186846" tIns="0" rIns="186846" bIns="0" anchor="ctr"/>
-        <a:lstStyle>
-          <a:lvl1pPr algn="l">
-            <a:defRPr sz="2700"/>
-          </a:lvl1pPr>
-          <a:lvl2pPr marL="228600" indent="-228600" algn="l">
-            <a:defRPr sz="2100"/>
-          </a:lvl2pPr>
-          <a:lvl3pPr marL="457200" indent="-228600" algn="l">
-            <a:defRPr sz="2100"/>
-          </a:lvl3pPr>
-          <a:lvl4pPr marL="685800" indent="-228600" algn="l">
-            <a:defRPr sz="2100"/>
-          </a:lvl4pPr>
-          <a:lvl5pPr marL="914400" indent="-228600" algn="l">
-            <a:defRPr sz="2100"/>
-          </a:lvl5pPr>
-          <a:lvl6pPr marL="1143000" indent="-228600" algn="l">
-            <a:defRPr sz="2100"/>
-          </a:lvl6pPr>
-          <a:lvl7pPr marL="1371600" indent="-228600" algn="l">
-            <a:defRPr sz="2100"/>
-          </a:lvl7pPr>
-          <a:lvl8pPr marL="1600200" indent="-228600" algn="l">
-            <a:defRPr sz="2100"/>
-          </a:lvl8pPr>
-          <a:lvl9pPr marL="1828800" indent="-228600" algn="l">
-            <a:defRPr sz="2100"/>
-          </a:lvl9pPr>
-        </a:lstStyle>
+        <a:bodyPr spcFirstLastPara="0" vert="horz" wrap="square" lIns="186846" tIns="0" rIns="186846" bIns="0" numCol="1" spcCol="1270" anchor="ctr" anchorCtr="0">
+          <a:noAutofit/>
+        </a:bodyPr>
+        <a:lstStyle/>
         <a:p>
-          <a:pPr lvl="0">
+          <a:pPr marL="0" lvl="0" indent="0" algn="l" defTabSz="1289050">
             <a:lnSpc>
-              <a:spcPct val="100000"/>
+              <a:spcPct val="90000"/>
             </a:lnSpc>
             <a:spcBef>
               <a:spcPct val="0"/>
@@ -4376,106 +4386,142 @@
             <a:spcAft>
               <a:spcPct val="35000"/>
             </a:spcAft>
+            <a:buNone/>
           </a:pPr>
           <a:r>
-            <a:rPr lang="zh-CN" altLang="en-US" dirty="0"/>
+            <a:rPr lang="zh-CN" altLang="en-US" sz="2900" kern="1200" dirty="0"/>
             <a:t>一、大语言模型是什么？</a:t>
           </a:r>
         </a:p>
       </dsp:txBody>
       <dsp:txXfrm>
-        <a:off x="353095" y="459031"/>
-        <a:ext cx="4943335" cy="856080"/>
+        <a:off x="394885" y="500820"/>
+        <a:ext cx="4859754" cy="772500"/>
       </dsp:txXfrm>
     </dsp:sp>
     <dsp:sp modelId="{E84E58D1-4F0C-4C14-A211-6757851BEED2}">
       <dsp:nvSpPr>
-        <dsp:cNvPr id="8" name="矩形 7"/>
+        <dsp:cNvPr id="0" name=""/>
         <dsp:cNvSpPr/>
       </dsp:nvSpPr>
-      <dsp:spPr bwMode="white">
+      <dsp:spPr>
         <a:xfrm>
-          <a:off x="0" y="2202511"/>
+          <a:off x="0" y="2202510"/>
           <a:ext cx="7061907" cy="730800"/>
         </a:xfrm>
         <a:prstGeom prst="rect">
           <a:avLst/>
         </a:prstGeom>
+        <a:solidFill>
+          <a:schemeClr val="lt1">
+            <a:alpha val="90000"/>
+            <a:hueOff val="0"/>
+            <a:satOff val="0"/>
+            <a:lumOff val="0"/>
+            <a:alphaOff val="0"/>
+          </a:schemeClr>
+        </a:solidFill>
+        <a:ln w="10000" cap="flat" cmpd="sng" algn="ctr">
+          <a:solidFill>
+            <a:schemeClr val="accent1">
+              <a:hueOff val="0"/>
+              <a:satOff val="0"/>
+              <a:lumOff val="0"/>
+              <a:alphaOff val="0"/>
+            </a:schemeClr>
+          </a:solidFill>
+          <a:prstDash val="solid"/>
+        </a:ln>
+        <a:effectLst>
+          <a:outerShdw blurRad="38100" dist="25400" dir="5400000" rotWithShape="0">
+            <a:srgbClr val="000000">
+              <a:alpha val="45000"/>
+            </a:srgbClr>
+          </a:outerShdw>
+        </a:effectLst>
+        <a:scene3d>
+          <a:camera prst="orthographicFront"/>
+          <a:lightRig rig="flat" dir="t"/>
+        </a:scene3d>
         <a:sp3d z="190500" extrusionH="12700" prstMaterial="plastic">
           <a:bevelT w="50800" h="50800"/>
         </a:sp3d>
       </dsp:spPr>
       <dsp:style>
         <a:lnRef idx="1">
-          <a:schemeClr val="accent1"/>
+          <a:scrgbClr r="0" g="0" b="0"/>
         </a:lnRef>
         <a:fillRef idx="1">
-          <a:schemeClr val="lt1">
-            <a:alpha val="90000"/>
-          </a:schemeClr>
+          <a:scrgbClr r="0" g="0" b="0"/>
         </a:fillRef>
         <a:effectRef idx="2">
           <a:scrgbClr r="0" g="0" b="0"/>
         </a:effectRef>
         <a:fontRef idx="minor"/>
       </dsp:style>
-      <dsp:txBody>
-        <a:bodyPr lIns="548082" tIns="562355" rIns="548082" bIns="192024" anchor="t"/>
-        <a:lstStyle>
-          <a:lvl1pPr algn="l">
-            <a:defRPr sz="2700"/>
-          </a:lvl1pPr>
-          <a:lvl2pPr marL="228600" indent="-228600" algn="l">
-            <a:defRPr sz="2700"/>
-          </a:lvl2pPr>
-          <a:lvl3pPr marL="457200" indent="-228600" algn="l">
-            <a:defRPr sz="2700"/>
-          </a:lvl3pPr>
-          <a:lvl4pPr marL="685800" indent="-228600" algn="l">
-            <a:defRPr sz="2700"/>
-          </a:lvl4pPr>
-          <a:lvl5pPr marL="914400" indent="-228600" algn="l">
-            <a:defRPr sz="2700"/>
-          </a:lvl5pPr>
-          <a:lvl6pPr marL="1143000" indent="-228600" algn="l">
-            <a:defRPr sz="2700"/>
-          </a:lvl6pPr>
-          <a:lvl7pPr marL="1371600" indent="-228600" algn="l">
-            <a:defRPr sz="2700"/>
-          </a:lvl7pPr>
-          <a:lvl8pPr marL="1600200" indent="-228600" algn="l">
-            <a:defRPr sz="2700"/>
-          </a:lvl8pPr>
-          <a:lvl9pPr marL="1828800" indent="-228600" algn="l">
-            <a:defRPr sz="2700"/>
-          </a:lvl9pPr>
-        </a:lstStyle>
-        <a:p>
-          <a:endParaRPr>
-            <a:solidFill>
-              <a:schemeClr val="dk1"/>
-            </a:solidFill>
-          </a:endParaRPr>
-        </a:p>
-      </dsp:txBody>
-      <dsp:txXfrm>
-        <a:off x="0" y="2202511"/>
-        <a:ext cx="7061907" cy="730800"/>
-      </dsp:txXfrm>
     </dsp:sp>
     <dsp:sp modelId="{8B506BA3-7AFD-42F1-9FDB-09E2D28CD1B3}">
       <dsp:nvSpPr>
-        <dsp:cNvPr id="7" name="圆角矩形 6"/>
+        <dsp:cNvPr id="0" name=""/>
         <dsp:cNvSpPr/>
       </dsp:nvSpPr>
-      <dsp:spPr bwMode="white">
+      <dsp:spPr>
         <a:xfrm>
-          <a:off x="353095" y="1774471"/>
-          <a:ext cx="4943335" cy="856080"/>
+          <a:off x="353095" y="1774470"/>
+          <a:ext cx="4943334" cy="856080"/>
         </a:xfrm>
         <a:prstGeom prst="roundRect">
           <a:avLst/>
         </a:prstGeom>
+        <a:gradFill rotWithShape="0">
+          <a:gsLst>
+            <a:gs pos="0">
+              <a:schemeClr val="accent1">
+                <a:hueOff val="0"/>
+                <a:satOff val="0"/>
+                <a:lumOff val="0"/>
+                <a:alphaOff val="0"/>
+              </a:schemeClr>
+            </a:gs>
+            <a:gs pos="90000">
+              <a:schemeClr val="accent1">
+                <a:hueOff val="0"/>
+                <a:satOff val="0"/>
+                <a:lumOff val="0"/>
+                <a:alphaOff val="0"/>
+                <a:shade val="100000"/>
+                <a:satMod val="105000"/>
+              </a:schemeClr>
+            </a:gs>
+            <a:gs pos="100000">
+              <a:schemeClr val="accent1">
+                <a:hueOff val="0"/>
+                <a:satOff val="0"/>
+                <a:lumOff val="0"/>
+                <a:alphaOff val="0"/>
+                <a:shade val="80000"/>
+                <a:satMod val="120000"/>
+              </a:schemeClr>
+            </a:gs>
+          </a:gsLst>
+          <a:path path="circle">
+            <a:fillToRect l="100000" t="100000" r="100000" b="100000"/>
+          </a:path>
+        </a:gradFill>
+        <a:ln>
+          <a:noFill/>
+        </a:ln>
+        <a:effectLst>
+          <a:outerShdw blurRad="38100" dist="25400" dir="5400000" rotWithShape="0">
+            <a:srgbClr val="000000">
+              <a:alpha val="45000"/>
+            </a:srgbClr>
+          </a:outerShdw>
+        </a:effectLst>
+        <a:scene3d>
+          <a:camera prst="orthographicFront"/>
+          <a:lightRig rig="flat" dir="t"/>
+        </a:scene3d>
         <a:sp3d prstMaterial="plastic">
           <a:bevelT w="120900" h="88900"/>
           <a:bevelB w="88900" h="31750" prst="angle"/>
@@ -4483,10 +4529,10 @@
       </dsp:spPr>
       <dsp:style>
         <a:lnRef idx="0">
-          <a:schemeClr val="lt1"/>
+          <a:scrgbClr r="0" g="0" b="0"/>
         </a:lnRef>
         <a:fillRef idx="3">
-          <a:schemeClr val="accent1"/>
+          <a:scrgbClr r="0" g="0" b="0"/>
         </a:fillRef>
         <a:effectRef idx="2">
           <a:scrgbClr r="0" g="0" b="0"/>
@@ -4496,40 +4542,14 @@
         </a:fontRef>
       </dsp:style>
       <dsp:txBody>
-        <a:bodyPr lIns="186846" tIns="0" rIns="186846" bIns="0" anchor="ctr"/>
-        <a:lstStyle>
-          <a:lvl1pPr algn="l">
-            <a:defRPr sz="2700"/>
-          </a:lvl1pPr>
-          <a:lvl2pPr marL="228600" indent="-228600" algn="l">
-            <a:defRPr sz="2100"/>
-          </a:lvl2pPr>
-          <a:lvl3pPr marL="457200" indent="-228600" algn="l">
-            <a:defRPr sz="2100"/>
-          </a:lvl3pPr>
-          <a:lvl4pPr marL="685800" indent="-228600" algn="l">
-            <a:defRPr sz="2100"/>
-          </a:lvl4pPr>
-          <a:lvl5pPr marL="914400" indent="-228600" algn="l">
-            <a:defRPr sz="2100"/>
-          </a:lvl5pPr>
-          <a:lvl6pPr marL="1143000" indent="-228600" algn="l">
-            <a:defRPr sz="2100"/>
-          </a:lvl6pPr>
-          <a:lvl7pPr marL="1371600" indent="-228600" algn="l">
-            <a:defRPr sz="2100"/>
-          </a:lvl7pPr>
-          <a:lvl8pPr marL="1600200" indent="-228600" algn="l">
-            <a:defRPr sz="2100"/>
-          </a:lvl8pPr>
-          <a:lvl9pPr marL="1828800" indent="-228600" algn="l">
-            <a:defRPr sz="2100"/>
-          </a:lvl9pPr>
-        </a:lstStyle>
+        <a:bodyPr spcFirstLastPara="0" vert="horz" wrap="square" lIns="186846" tIns="0" rIns="186846" bIns="0" numCol="1" spcCol="1270" anchor="ctr" anchorCtr="0">
+          <a:noAutofit/>
+        </a:bodyPr>
+        <a:lstStyle/>
         <a:p>
-          <a:pPr lvl="0">
+          <a:pPr marL="0" lvl="0" indent="0" algn="l" defTabSz="1289050">
             <a:lnSpc>
-              <a:spcPct val="100000"/>
+              <a:spcPct val="90000"/>
             </a:lnSpc>
             <a:spcBef>
               <a:spcPct val="0"/>
@@ -4537,24 +4557,25 @@
             <a:spcAft>
               <a:spcPct val="35000"/>
             </a:spcAft>
+            <a:buNone/>
           </a:pPr>
           <a:r>
-            <a:rPr lang="zh-CN" altLang="en-US" dirty="0"/>
+            <a:rPr lang="zh-CN" altLang="en-US" sz="2900" kern="1200" dirty="0"/>
             <a:t>二、如何与大语言模型聊天？</a:t>
           </a:r>
         </a:p>
       </dsp:txBody>
       <dsp:txXfrm>
-        <a:off x="353095" y="1774471"/>
-        <a:ext cx="4943335" cy="856080"/>
+        <a:off x="394885" y="1816260"/>
+        <a:ext cx="4859754" cy="772500"/>
       </dsp:txXfrm>
     </dsp:sp>
     <dsp:sp modelId="{F9A34577-9B52-421D-AEE4-8FFE291E362C}">
       <dsp:nvSpPr>
-        <dsp:cNvPr id="11" name="矩形 10"/>
+        <dsp:cNvPr id="0" name=""/>
         <dsp:cNvSpPr/>
       </dsp:nvSpPr>
-      <dsp:spPr bwMode="white">
+      <dsp:spPr>
         <a:xfrm>
           <a:off x="0" y="3549518"/>
           <a:ext cx="7061907" cy="730800"/>
@@ -4562,81 +4583,116 @@
         <a:prstGeom prst="rect">
           <a:avLst/>
         </a:prstGeom>
+        <a:solidFill>
+          <a:schemeClr val="lt1">
+            <a:alpha val="90000"/>
+            <a:hueOff val="0"/>
+            <a:satOff val="0"/>
+            <a:lumOff val="0"/>
+            <a:alphaOff val="0"/>
+          </a:schemeClr>
+        </a:solidFill>
+        <a:ln w="10000" cap="flat" cmpd="sng" algn="ctr">
+          <a:solidFill>
+            <a:schemeClr val="accent1">
+              <a:hueOff val="0"/>
+              <a:satOff val="0"/>
+              <a:lumOff val="0"/>
+              <a:alphaOff val="0"/>
+            </a:schemeClr>
+          </a:solidFill>
+          <a:prstDash val="solid"/>
+        </a:ln>
+        <a:effectLst>
+          <a:outerShdw blurRad="38100" dist="25400" dir="5400000" rotWithShape="0">
+            <a:srgbClr val="000000">
+              <a:alpha val="45000"/>
+            </a:srgbClr>
+          </a:outerShdw>
+        </a:effectLst>
+        <a:scene3d>
+          <a:camera prst="orthographicFront"/>
+          <a:lightRig rig="flat" dir="t"/>
+        </a:scene3d>
         <a:sp3d z="190500" extrusionH="12700" prstMaterial="plastic">
           <a:bevelT w="50800" h="50800"/>
         </a:sp3d>
       </dsp:spPr>
       <dsp:style>
         <a:lnRef idx="1">
-          <a:schemeClr val="accent1"/>
+          <a:scrgbClr r="0" g="0" b="0"/>
         </a:lnRef>
         <a:fillRef idx="1">
-          <a:schemeClr val="lt1">
-            <a:alpha val="90000"/>
-          </a:schemeClr>
+          <a:scrgbClr r="0" g="0" b="0"/>
         </a:fillRef>
         <a:effectRef idx="2">
           <a:scrgbClr r="0" g="0" b="0"/>
         </a:effectRef>
         <a:fontRef idx="minor"/>
       </dsp:style>
-      <dsp:txBody>
-        <a:bodyPr lIns="548082" tIns="562355" rIns="548082" bIns="192024" anchor="t"/>
-        <a:lstStyle>
-          <a:lvl1pPr algn="l">
-            <a:defRPr sz="2700"/>
-          </a:lvl1pPr>
-          <a:lvl2pPr marL="228600" indent="-228600" algn="l">
-            <a:defRPr sz="2700"/>
-          </a:lvl2pPr>
-          <a:lvl3pPr marL="457200" indent="-228600" algn="l">
-            <a:defRPr sz="2700"/>
-          </a:lvl3pPr>
-          <a:lvl4pPr marL="685800" indent="-228600" algn="l">
-            <a:defRPr sz="2700"/>
-          </a:lvl4pPr>
-          <a:lvl5pPr marL="914400" indent="-228600" algn="l">
-            <a:defRPr sz="2700"/>
-          </a:lvl5pPr>
-          <a:lvl6pPr marL="1143000" indent="-228600" algn="l">
-            <a:defRPr sz="2700"/>
-          </a:lvl6pPr>
-          <a:lvl7pPr marL="1371600" indent="-228600" algn="l">
-            <a:defRPr sz="2700"/>
-          </a:lvl7pPr>
-          <a:lvl8pPr marL="1600200" indent="-228600" algn="l">
-            <a:defRPr sz="2700"/>
-          </a:lvl8pPr>
-          <a:lvl9pPr marL="1828800" indent="-228600" algn="l">
-            <a:defRPr sz="2700"/>
-          </a:lvl9pPr>
-        </a:lstStyle>
-        <a:p>
-          <a:endParaRPr>
-            <a:solidFill>
-              <a:schemeClr val="dk1"/>
-            </a:solidFill>
-          </a:endParaRPr>
-        </a:p>
-      </dsp:txBody>
-      <dsp:txXfrm>
-        <a:off x="0" y="3549518"/>
-        <a:ext cx="7061907" cy="730800"/>
-      </dsp:txXfrm>
     </dsp:sp>
     <dsp:sp modelId="{9F2DA9FA-1B93-4163-A851-474C9D045232}">
       <dsp:nvSpPr>
-        <dsp:cNvPr id="10" name="圆角矩形 9"/>
+        <dsp:cNvPr id="0" name=""/>
         <dsp:cNvSpPr/>
       </dsp:nvSpPr>
-      <dsp:spPr bwMode="white">
+      <dsp:spPr>
         <a:xfrm>
-          <a:off x="353095" y="3089911"/>
-          <a:ext cx="4943335" cy="856080"/>
+          <a:off x="353095" y="3089910"/>
+          <a:ext cx="4943334" cy="856080"/>
         </a:xfrm>
         <a:prstGeom prst="roundRect">
           <a:avLst/>
         </a:prstGeom>
+        <a:gradFill rotWithShape="0">
+          <a:gsLst>
+            <a:gs pos="0">
+              <a:schemeClr val="accent1">
+                <a:hueOff val="0"/>
+                <a:satOff val="0"/>
+                <a:lumOff val="0"/>
+                <a:alphaOff val="0"/>
+              </a:schemeClr>
+            </a:gs>
+            <a:gs pos="90000">
+              <a:schemeClr val="accent1">
+                <a:hueOff val="0"/>
+                <a:satOff val="0"/>
+                <a:lumOff val="0"/>
+                <a:alphaOff val="0"/>
+                <a:shade val="100000"/>
+                <a:satMod val="105000"/>
+              </a:schemeClr>
+            </a:gs>
+            <a:gs pos="100000">
+              <a:schemeClr val="accent1">
+                <a:hueOff val="0"/>
+                <a:satOff val="0"/>
+                <a:lumOff val="0"/>
+                <a:alphaOff val="0"/>
+                <a:shade val="80000"/>
+                <a:satMod val="120000"/>
+              </a:schemeClr>
+            </a:gs>
+          </a:gsLst>
+          <a:path path="circle">
+            <a:fillToRect l="100000" t="100000" r="100000" b="100000"/>
+          </a:path>
+        </a:gradFill>
+        <a:ln>
+          <a:noFill/>
+        </a:ln>
+        <a:effectLst>
+          <a:outerShdw blurRad="38100" dist="25400" dir="5400000" rotWithShape="0">
+            <a:srgbClr val="000000">
+              <a:alpha val="45000"/>
+            </a:srgbClr>
+          </a:outerShdw>
+        </a:effectLst>
+        <a:scene3d>
+          <a:camera prst="orthographicFront"/>
+          <a:lightRig rig="flat" dir="t"/>
+        </a:scene3d>
         <a:sp3d prstMaterial="plastic">
           <a:bevelT w="120900" h="88900"/>
           <a:bevelB w="88900" h="31750" prst="angle"/>
@@ -4644,10 +4700,10 @@
       </dsp:spPr>
       <dsp:style>
         <a:lnRef idx="0">
-          <a:schemeClr val="lt1"/>
+          <a:scrgbClr r="0" g="0" b="0"/>
         </a:lnRef>
         <a:fillRef idx="3">
-          <a:schemeClr val="accent1"/>
+          <a:scrgbClr r="0" g="0" b="0"/>
         </a:fillRef>
         <a:effectRef idx="2">
           <a:scrgbClr r="0" g="0" b="0"/>
@@ -4657,40 +4713,14 @@
         </a:fontRef>
       </dsp:style>
       <dsp:txBody>
-        <a:bodyPr lIns="186846" tIns="0" rIns="186846" bIns="0" anchor="ctr"/>
-        <a:lstStyle>
-          <a:lvl1pPr algn="l">
-            <a:defRPr sz="2700"/>
-          </a:lvl1pPr>
-          <a:lvl2pPr marL="228600" indent="-228600" algn="l">
-            <a:defRPr sz="2100"/>
-          </a:lvl2pPr>
-          <a:lvl3pPr marL="457200" indent="-228600" algn="l">
-            <a:defRPr sz="2100"/>
-          </a:lvl3pPr>
-          <a:lvl4pPr marL="685800" indent="-228600" algn="l">
-            <a:defRPr sz="2100"/>
-          </a:lvl4pPr>
-          <a:lvl5pPr marL="914400" indent="-228600" algn="l">
-            <a:defRPr sz="2100"/>
-          </a:lvl5pPr>
-          <a:lvl6pPr marL="1143000" indent="-228600" algn="l">
-            <a:defRPr sz="2100"/>
-          </a:lvl6pPr>
-          <a:lvl7pPr marL="1371600" indent="-228600" algn="l">
-            <a:defRPr sz="2100"/>
-          </a:lvl7pPr>
-          <a:lvl8pPr marL="1600200" indent="-228600" algn="l">
-            <a:defRPr sz="2100"/>
-          </a:lvl8pPr>
-          <a:lvl9pPr marL="1828800" indent="-228600" algn="l">
-            <a:defRPr sz="2100"/>
-          </a:lvl9pPr>
-        </a:lstStyle>
+        <a:bodyPr spcFirstLastPara="0" vert="horz" wrap="square" lIns="186846" tIns="0" rIns="186846" bIns="0" numCol="1" spcCol="1270" anchor="ctr" anchorCtr="0">
+          <a:noAutofit/>
+        </a:bodyPr>
+        <a:lstStyle/>
         <a:p>
-          <a:pPr lvl="0">
+          <a:pPr marL="0" lvl="0" indent="0" algn="l" defTabSz="1289050">
             <a:lnSpc>
-              <a:spcPct val="100000"/>
+              <a:spcPct val="90000"/>
             </a:lnSpc>
             <a:spcBef>
               <a:spcPct val="0"/>
@@ -4698,73 +4728,17 @@
             <a:spcAft>
               <a:spcPct val="35000"/>
             </a:spcAft>
+            <a:buNone/>
           </a:pPr>
           <a:r>
-            <a:rPr lang="zh-CN" altLang="en-US" sz="2900" dirty="0"/>
+            <a:rPr lang="zh-CN" altLang="en-US" sz="2900" kern="1200" dirty="0"/>
             <a:t>三、主流大语言模型</a:t>
           </a:r>
         </a:p>
       </dsp:txBody>
       <dsp:txXfrm>
-        <a:off x="353095" y="3089911"/>
-        <a:ext cx="4943335" cy="856080"/>
-      </dsp:txXfrm>
-    </dsp:sp>
-    <dsp:sp modelId="{1A140897-50D6-40FE-9F26-98E5C7F3814B}">
-      <dsp:nvSpPr>
-        <dsp:cNvPr id="3" name="矩形 2" hidden="1"/>
-        <dsp:cNvSpPr/>
-      </dsp:nvSpPr>
-      <dsp:spPr>
-        <a:xfrm>
-          <a:off x="0" y="459031"/>
-          <a:ext cx="353095" cy="856080"/>
-        </a:xfrm>
-        <a:prstGeom prst="rect">
-          <a:avLst/>
-        </a:prstGeom>
-      </dsp:spPr>
-      <dsp:txXfrm>
-        <a:off x="0" y="459031"/>
-        <a:ext cx="353095" cy="856080"/>
-      </dsp:txXfrm>
-    </dsp:sp>
-    <dsp:sp modelId="{13D58B28-9F17-4705-9BF3-DE18DE000FE7}">
-      <dsp:nvSpPr>
-        <dsp:cNvPr id="6" name="矩形 5" hidden="1"/>
-        <dsp:cNvSpPr/>
-      </dsp:nvSpPr>
-      <dsp:spPr>
-        <a:xfrm>
-          <a:off x="0" y="1774471"/>
-          <a:ext cx="353095" cy="856080"/>
-        </a:xfrm>
-        <a:prstGeom prst="rect">
-          <a:avLst/>
-        </a:prstGeom>
-      </dsp:spPr>
-      <dsp:txXfrm>
-        <a:off x="0" y="1774471"/>
-        <a:ext cx="353095" cy="856080"/>
-      </dsp:txXfrm>
-    </dsp:sp>
-    <dsp:sp modelId="{7D71F013-EC45-44FA-9F88-0D192739EEA3}">
-      <dsp:nvSpPr>
-        <dsp:cNvPr id="9" name="矩形 8" hidden="1"/>
-        <dsp:cNvSpPr/>
-      </dsp:nvSpPr>
-      <dsp:spPr>
-        <a:xfrm>
-          <a:off x="0" y="3089911"/>
-          <a:ext cx="353095" cy="856080"/>
-        </a:xfrm>
-        <a:prstGeom prst="rect">
-          <a:avLst/>
-        </a:prstGeom>
-      </dsp:spPr>
-      <dsp:txXfrm>
-        <a:off x="0" y="3089911"/>
-        <a:ext cx="353095" cy="856080"/>
+        <a:off x="394885" y="3131700"/>
+        <a:ext cx="4859754" cy="772500"/>
       </dsp:txXfrm>
     </dsp:sp>
   </dsp:spTree>
@@ -4772,108 +4746,136 @@
 </file>
 
 <file path=ppt/diagrams/drawing2.xml><?xml version="1.0" encoding="utf-8"?>
-<dsp:drawing xmlns:dgm="http://schemas.openxmlformats.org/drawingml/2006/diagram" xmlns:dsp="http://schemas.microsoft.com/office/drawing/2008/diagram" xmlns:a="http://schemas.openxmlformats.org/drawingml/2006/main" xmlns:r="http://schemas.openxmlformats.org/officeDocument/2006/relationships">
+<dsp:drawing xmlns:dgm="http://schemas.openxmlformats.org/drawingml/2006/diagram" xmlns:dsp="http://schemas.microsoft.com/office/drawing/2008/diagram" xmlns:a="http://schemas.openxmlformats.org/drawingml/2006/main">
   <dsp:spTree>
     <dsp:nvGrpSpPr>
-      <dsp:cNvPr id="2" name="组合 1"/>
+      <dsp:cNvPr id="0" name=""/>
       <dsp:cNvGrpSpPr/>
     </dsp:nvGrpSpPr>
-    <dsp:grpSpPr>
-      <a:xfrm>
-        <a:off x="0" y="0"/>
-        <a:ext cx="7061907" cy="4707781"/>
-        <a:chOff x="0" y="0"/>
-        <a:chExt cx="7061907" cy="4707781"/>
-      </a:xfrm>
-    </dsp:grpSpPr>
+    <dsp:grpSpPr/>
     <dsp:sp modelId="{2D0CB04D-5CB6-4815-854A-40ACE4626BC0}">
       <dsp:nvSpPr>
-        <dsp:cNvPr id="5" name="矩形 4"/>
+        <dsp:cNvPr id="0" name=""/>
         <dsp:cNvSpPr/>
       </dsp:nvSpPr>
-      <dsp:spPr bwMode="white">
+      <dsp:spPr>
         <a:xfrm>
-          <a:off x="0" y="1293691"/>
+          <a:off x="0" y="1293690"/>
           <a:ext cx="7061907" cy="957600"/>
         </a:xfrm>
         <a:prstGeom prst="rect">
           <a:avLst/>
         </a:prstGeom>
+        <a:solidFill>
+          <a:schemeClr val="lt1">
+            <a:alpha val="90000"/>
+            <a:hueOff val="0"/>
+            <a:satOff val="0"/>
+            <a:lumOff val="0"/>
+            <a:alphaOff val="0"/>
+          </a:schemeClr>
+        </a:solidFill>
+        <a:ln w="10000" cap="flat" cmpd="sng" algn="ctr">
+          <a:solidFill>
+            <a:schemeClr val="accent1">
+              <a:hueOff val="0"/>
+              <a:satOff val="0"/>
+              <a:lumOff val="0"/>
+              <a:alphaOff val="0"/>
+            </a:schemeClr>
+          </a:solidFill>
+          <a:prstDash val="solid"/>
+        </a:ln>
+        <a:effectLst>
+          <a:outerShdw blurRad="38100" dist="25400" dir="5400000" rotWithShape="0">
+            <a:srgbClr val="000000">
+              <a:alpha val="45000"/>
+            </a:srgbClr>
+          </a:outerShdw>
+        </a:effectLst>
+        <a:scene3d>
+          <a:camera prst="orthographicFront"/>
+          <a:lightRig rig="flat" dir="t"/>
+        </a:scene3d>
         <a:sp3d z="190500" extrusionH="12700" prstMaterial="plastic">
           <a:bevelT w="50800" h="50800"/>
         </a:sp3d>
       </dsp:spPr>
       <dsp:style>
         <a:lnRef idx="1">
-          <a:schemeClr val="accent1"/>
+          <a:scrgbClr r="0" g="0" b="0"/>
         </a:lnRef>
         <a:fillRef idx="1">
-          <a:schemeClr val="lt1">
-            <a:alpha val="90000"/>
-          </a:schemeClr>
+          <a:scrgbClr r="0" g="0" b="0"/>
         </a:fillRef>
         <a:effectRef idx="2">
           <a:scrgbClr r="0" g="0" b="0"/>
         </a:effectRef>
         <a:fontRef idx="minor"/>
       </dsp:style>
-      <dsp:txBody>
-        <a:bodyPr lIns="548082" tIns="791463" rIns="548082" bIns="270256" anchor="t"/>
-        <a:lstStyle>
-          <a:lvl1pPr algn="l">
-            <a:defRPr sz="3800"/>
-          </a:lvl1pPr>
-          <a:lvl2pPr marL="285750" indent="-285750" algn="l">
-            <a:defRPr sz="3800"/>
-          </a:lvl2pPr>
-          <a:lvl3pPr marL="571500" indent="-285750" algn="l">
-            <a:defRPr sz="3800"/>
-          </a:lvl3pPr>
-          <a:lvl4pPr marL="857250" indent="-285750" algn="l">
-            <a:defRPr sz="3800"/>
-          </a:lvl4pPr>
-          <a:lvl5pPr marL="1143000" indent="-285750" algn="l">
-            <a:defRPr sz="3800"/>
-          </a:lvl5pPr>
-          <a:lvl6pPr marL="1428750" indent="-285750" algn="l">
-            <a:defRPr sz="3800"/>
-          </a:lvl6pPr>
-          <a:lvl7pPr marL="1714500" indent="-285750" algn="l">
-            <a:defRPr sz="3800"/>
-          </a:lvl7pPr>
-          <a:lvl8pPr marL="2000250" indent="-285750" algn="l">
-            <a:defRPr sz="3800"/>
-          </a:lvl8pPr>
-          <a:lvl9pPr marL="2286000" indent="-285750" algn="l">
-            <a:defRPr sz="3800"/>
-          </a:lvl9pPr>
-        </a:lstStyle>
-        <a:p>
-          <a:endParaRPr>
-            <a:solidFill>
-              <a:schemeClr val="dk1"/>
-            </a:solidFill>
-          </a:endParaRPr>
-        </a:p>
-      </dsp:txBody>
-      <dsp:txXfrm>
-        <a:off x="0" y="1293691"/>
-        <a:ext cx="7061907" cy="957600"/>
-      </dsp:txXfrm>
     </dsp:sp>
     <dsp:sp modelId="{DDD969E0-2058-4643-8E47-93160C0DD783}">
       <dsp:nvSpPr>
-        <dsp:cNvPr id="4" name="圆角矩形 3"/>
+        <dsp:cNvPr id="0" name=""/>
         <dsp:cNvSpPr/>
       </dsp:nvSpPr>
-      <dsp:spPr bwMode="white">
+      <dsp:spPr>
         <a:xfrm>
           <a:off x="353095" y="732810"/>
-          <a:ext cx="4943335" cy="1121760"/>
+          <a:ext cx="4943334" cy="1121760"/>
         </a:xfrm>
         <a:prstGeom prst="roundRect">
           <a:avLst/>
         </a:prstGeom>
+        <a:gradFill rotWithShape="0">
+          <a:gsLst>
+            <a:gs pos="0">
+              <a:schemeClr val="accent1">
+                <a:hueOff val="0"/>
+                <a:satOff val="0"/>
+                <a:lumOff val="0"/>
+                <a:alphaOff val="0"/>
+              </a:schemeClr>
+            </a:gs>
+            <a:gs pos="90000">
+              <a:schemeClr val="accent1">
+                <a:hueOff val="0"/>
+                <a:satOff val="0"/>
+                <a:lumOff val="0"/>
+                <a:alphaOff val="0"/>
+                <a:shade val="100000"/>
+                <a:satMod val="105000"/>
+              </a:schemeClr>
+            </a:gs>
+            <a:gs pos="100000">
+              <a:schemeClr val="accent1">
+                <a:hueOff val="0"/>
+                <a:satOff val="0"/>
+                <a:lumOff val="0"/>
+                <a:alphaOff val="0"/>
+                <a:shade val="80000"/>
+                <a:satMod val="120000"/>
+              </a:schemeClr>
+            </a:gs>
+          </a:gsLst>
+          <a:path path="circle">
+            <a:fillToRect l="100000" t="100000" r="100000" b="100000"/>
+          </a:path>
+        </a:gradFill>
+        <a:ln>
+          <a:noFill/>
+        </a:ln>
+        <a:effectLst>
+          <a:outerShdw blurRad="38100" dist="25400" dir="5400000" rotWithShape="0">
+            <a:srgbClr val="000000">
+              <a:alpha val="45000"/>
+            </a:srgbClr>
+          </a:outerShdw>
+        </a:effectLst>
+        <a:scene3d>
+          <a:camera prst="orthographicFront"/>
+          <a:lightRig rig="flat" dir="t"/>
+        </a:scene3d>
         <a:sp3d prstMaterial="plastic">
           <a:bevelT w="120900" h="88900"/>
           <a:bevelB w="88900" h="31750" prst="angle"/>
@@ -4881,10 +4883,10 @@
       </dsp:spPr>
       <dsp:style>
         <a:lnRef idx="0">
-          <a:schemeClr val="lt1"/>
+          <a:scrgbClr r="0" g="0" b="0"/>
         </a:lnRef>
         <a:fillRef idx="3">
-          <a:schemeClr val="accent1"/>
+          <a:scrgbClr r="0" g="0" b="0"/>
         </a:fillRef>
         <a:effectRef idx="2">
           <a:scrgbClr r="0" g="0" b="0"/>
@@ -4894,40 +4896,14 @@
         </a:fontRef>
       </dsp:style>
       <dsp:txBody>
-        <a:bodyPr lIns="186846" tIns="0" rIns="186846" bIns="0" anchor="ctr"/>
-        <a:lstStyle>
-          <a:lvl1pPr algn="l">
-            <a:defRPr sz="3800"/>
-          </a:lvl1pPr>
-          <a:lvl2pPr marL="285750" indent="-285750" algn="l">
-            <a:defRPr sz="2900"/>
-          </a:lvl2pPr>
-          <a:lvl3pPr marL="571500" indent="-285750" algn="l">
-            <a:defRPr sz="2900"/>
-          </a:lvl3pPr>
-          <a:lvl4pPr marL="857250" indent="-285750" algn="l">
-            <a:defRPr sz="2900"/>
-          </a:lvl4pPr>
-          <a:lvl5pPr marL="1143000" indent="-285750" algn="l">
-            <a:defRPr sz="2900"/>
-          </a:lvl5pPr>
-          <a:lvl6pPr marL="1428750" indent="-285750" algn="l">
-            <a:defRPr sz="2900"/>
-          </a:lvl6pPr>
-          <a:lvl7pPr marL="1714500" indent="-285750" algn="l">
-            <a:defRPr sz="2900"/>
-          </a:lvl7pPr>
-          <a:lvl8pPr marL="2000250" indent="-285750" algn="l">
-            <a:defRPr sz="2900"/>
-          </a:lvl8pPr>
-          <a:lvl9pPr marL="2286000" indent="-285750" algn="l">
-            <a:defRPr sz="2900"/>
-          </a:lvl9pPr>
-        </a:lstStyle>
+        <a:bodyPr spcFirstLastPara="0" vert="horz" wrap="square" lIns="186846" tIns="0" rIns="186846" bIns="0" numCol="1" spcCol="1270" anchor="ctr" anchorCtr="0">
+          <a:noAutofit/>
+        </a:bodyPr>
+        <a:lstStyle/>
         <a:p>
-          <a:pPr lvl="0">
+          <a:pPr marL="0" lvl="0" indent="0" algn="l" defTabSz="1689100">
             <a:lnSpc>
-              <a:spcPct val="100000"/>
+              <a:spcPct val="90000"/>
             </a:lnSpc>
             <a:spcBef>
               <a:spcPct val="0"/>
@@ -4935,106 +4911,142 @@
             <a:spcAft>
               <a:spcPct val="35000"/>
             </a:spcAft>
+            <a:buNone/>
           </a:pPr>
           <a:r>
-            <a:rPr lang="zh-CN" altLang="en-US" dirty="0"/>
+            <a:rPr lang="zh-CN" altLang="en-US" sz="3800" kern="1200" dirty="0"/>
             <a:t>一、知识库是什么？</a:t>
           </a:r>
         </a:p>
       </dsp:txBody>
       <dsp:txXfrm>
-        <a:off x="353095" y="732810"/>
-        <a:ext cx="4943335" cy="1121760"/>
+        <a:off x="407855" y="787570"/>
+        <a:ext cx="4833814" cy="1012240"/>
       </dsp:txXfrm>
     </dsp:sp>
     <dsp:sp modelId="{E84E58D1-4F0C-4C14-A211-6757851BEED2}">
       <dsp:nvSpPr>
-        <dsp:cNvPr id="8" name="矩形 7"/>
+        <dsp:cNvPr id="0" name=""/>
         <dsp:cNvSpPr/>
       </dsp:nvSpPr>
-      <dsp:spPr bwMode="white">
+      <dsp:spPr>
         <a:xfrm>
-          <a:off x="0" y="3017371"/>
+          <a:off x="0" y="3017370"/>
           <a:ext cx="7061907" cy="957600"/>
         </a:xfrm>
         <a:prstGeom prst="rect">
           <a:avLst/>
         </a:prstGeom>
+        <a:solidFill>
+          <a:schemeClr val="lt1">
+            <a:alpha val="90000"/>
+            <a:hueOff val="0"/>
+            <a:satOff val="0"/>
+            <a:lumOff val="0"/>
+            <a:alphaOff val="0"/>
+          </a:schemeClr>
+        </a:solidFill>
+        <a:ln w="10000" cap="flat" cmpd="sng" algn="ctr">
+          <a:solidFill>
+            <a:schemeClr val="accent1">
+              <a:hueOff val="0"/>
+              <a:satOff val="0"/>
+              <a:lumOff val="0"/>
+              <a:alphaOff val="0"/>
+            </a:schemeClr>
+          </a:solidFill>
+          <a:prstDash val="solid"/>
+        </a:ln>
+        <a:effectLst>
+          <a:outerShdw blurRad="38100" dist="25400" dir="5400000" rotWithShape="0">
+            <a:srgbClr val="000000">
+              <a:alpha val="45000"/>
+            </a:srgbClr>
+          </a:outerShdw>
+        </a:effectLst>
+        <a:scene3d>
+          <a:camera prst="orthographicFront"/>
+          <a:lightRig rig="flat" dir="t"/>
+        </a:scene3d>
         <a:sp3d z="190500" extrusionH="12700" prstMaterial="plastic">
           <a:bevelT w="50800" h="50800"/>
         </a:sp3d>
       </dsp:spPr>
       <dsp:style>
         <a:lnRef idx="1">
-          <a:schemeClr val="accent1"/>
+          <a:scrgbClr r="0" g="0" b="0"/>
         </a:lnRef>
         <a:fillRef idx="1">
-          <a:schemeClr val="lt1">
-            <a:alpha val="90000"/>
-          </a:schemeClr>
+          <a:scrgbClr r="0" g="0" b="0"/>
         </a:fillRef>
         <a:effectRef idx="2">
           <a:scrgbClr r="0" g="0" b="0"/>
         </a:effectRef>
         <a:fontRef idx="minor"/>
       </dsp:style>
-      <dsp:txBody>
-        <a:bodyPr lIns="548082" tIns="791463" rIns="548082" bIns="270256" anchor="t"/>
-        <a:lstStyle>
-          <a:lvl1pPr algn="l">
-            <a:defRPr sz="3800"/>
-          </a:lvl1pPr>
-          <a:lvl2pPr marL="285750" indent="-285750" algn="l">
-            <a:defRPr sz="3800"/>
-          </a:lvl2pPr>
-          <a:lvl3pPr marL="571500" indent="-285750" algn="l">
-            <a:defRPr sz="3800"/>
-          </a:lvl3pPr>
-          <a:lvl4pPr marL="857250" indent="-285750" algn="l">
-            <a:defRPr sz="3800"/>
-          </a:lvl4pPr>
-          <a:lvl5pPr marL="1143000" indent="-285750" algn="l">
-            <a:defRPr sz="3800"/>
-          </a:lvl5pPr>
-          <a:lvl6pPr marL="1428750" indent="-285750" algn="l">
-            <a:defRPr sz="3800"/>
-          </a:lvl6pPr>
-          <a:lvl7pPr marL="1714500" indent="-285750" algn="l">
-            <a:defRPr sz="3800"/>
-          </a:lvl7pPr>
-          <a:lvl8pPr marL="2000250" indent="-285750" algn="l">
-            <a:defRPr sz="3800"/>
-          </a:lvl8pPr>
-          <a:lvl9pPr marL="2286000" indent="-285750" algn="l">
-            <a:defRPr sz="3800"/>
-          </a:lvl9pPr>
-        </a:lstStyle>
-        <a:p>
-          <a:endParaRPr>
-            <a:solidFill>
-              <a:schemeClr val="dk1"/>
-            </a:solidFill>
-          </a:endParaRPr>
-        </a:p>
-      </dsp:txBody>
-      <dsp:txXfrm>
-        <a:off x="0" y="3017371"/>
-        <a:ext cx="7061907" cy="957600"/>
-      </dsp:txXfrm>
     </dsp:sp>
     <dsp:sp modelId="{8B506BA3-7AFD-42F1-9FDB-09E2D28CD1B3}">
       <dsp:nvSpPr>
-        <dsp:cNvPr id="7" name="圆角矩形 6"/>
+        <dsp:cNvPr id="0" name=""/>
         <dsp:cNvSpPr/>
       </dsp:nvSpPr>
-      <dsp:spPr bwMode="white">
+      <dsp:spPr>
         <a:xfrm>
-          <a:off x="353095" y="2456491"/>
-          <a:ext cx="4943335" cy="1121760"/>
+          <a:off x="353095" y="2456490"/>
+          <a:ext cx="4943334" cy="1121760"/>
         </a:xfrm>
         <a:prstGeom prst="roundRect">
           <a:avLst/>
         </a:prstGeom>
+        <a:gradFill rotWithShape="0">
+          <a:gsLst>
+            <a:gs pos="0">
+              <a:schemeClr val="accent1">
+                <a:hueOff val="0"/>
+                <a:satOff val="0"/>
+                <a:lumOff val="0"/>
+                <a:alphaOff val="0"/>
+              </a:schemeClr>
+            </a:gs>
+            <a:gs pos="90000">
+              <a:schemeClr val="accent1">
+                <a:hueOff val="0"/>
+                <a:satOff val="0"/>
+                <a:lumOff val="0"/>
+                <a:alphaOff val="0"/>
+                <a:shade val="100000"/>
+                <a:satMod val="105000"/>
+              </a:schemeClr>
+            </a:gs>
+            <a:gs pos="100000">
+              <a:schemeClr val="accent1">
+                <a:hueOff val="0"/>
+                <a:satOff val="0"/>
+                <a:lumOff val="0"/>
+                <a:alphaOff val="0"/>
+                <a:shade val="80000"/>
+                <a:satMod val="120000"/>
+              </a:schemeClr>
+            </a:gs>
+          </a:gsLst>
+          <a:path path="circle">
+            <a:fillToRect l="100000" t="100000" r="100000" b="100000"/>
+          </a:path>
+        </a:gradFill>
+        <a:ln>
+          <a:noFill/>
+        </a:ln>
+        <a:effectLst>
+          <a:outerShdw blurRad="38100" dist="25400" dir="5400000" rotWithShape="0">
+            <a:srgbClr val="000000">
+              <a:alpha val="45000"/>
+            </a:srgbClr>
+          </a:outerShdw>
+        </a:effectLst>
+        <a:scene3d>
+          <a:camera prst="orthographicFront"/>
+          <a:lightRig rig="flat" dir="t"/>
+        </a:scene3d>
         <a:sp3d prstMaterial="plastic">
           <a:bevelT w="120900" h="88900"/>
           <a:bevelB w="88900" h="31750" prst="angle"/>
@@ -5042,10 +5054,10 @@
       </dsp:spPr>
       <dsp:style>
         <a:lnRef idx="0">
-          <a:schemeClr val="lt1"/>
+          <a:scrgbClr r="0" g="0" b="0"/>
         </a:lnRef>
         <a:fillRef idx="3">
-          <a:schemeClr val="accent1"/>
+          <a:scrgbClr r="0" g="0" b="0"/>
         </a:fillRef>
         <a:effectRef idx="2">
           <a:scrgbClr r="0" g="0" b="0"/>
@@ -5055,40 +5067,14 @@
         </a:fontRef>
       </dsp:style>
       <dsp:txBody>
-        <a:bodyPr lIns="186846" tIns="0" rIns="186846" bIns="0" anchor="ctr"/>
-        <a:lstStyle>
-          <a:lvl1pPr algn="l">
-            <a:defRPr sz="3800"/>
-          </a:lvl1pPr>
-          <a:lvl2pPr marL="285750" indent="-285750" algn="l">
-            <a:defRPr sz="2900"/>
-          </a:lvl2pPr>
-          <a:lvl3pPr marL="571500" indent="-285750" algn="l">
-            <a:defRPr sz="2900"/>
-          </a:lvl3pPr>
-          <a:lvl4pPr marL="857250" indent="-285750" algn="l">
-            <a:defRPr sz="2900"/>
-          </a:lvl4pPr>
-          <a:lvl5pPr marL="1143000" indent="-285750" algn="l">
-            <a:defRPr sz="2900"/>
-          </a:lvl5pPr>
-          <a:lvl6pPr marL="1428750" indent="-285750" algn="l">
-            <a:defRPr sz="2900"/>
-          </a:lvl6pPr>
-          <a:lvl7pPr marL="1714500" indent="-285750" algn="l">
-            <a:defRPr sz="2900"/>
-          </a:lvl7pPr>
-          <a:lvl8pPr marL="2000250" indent="-285750" algn="l">
-            <a:defRPr sz="2900"/>
-          </a:lvl8pPr>
-          <a:lvl9pPr marL="2286000" indent="-285750" algn="l">
-            <a:defRPr sz="2900"/>
-          </a:lvl9pPr>
-        </a:lstStyle>
+        <a:bodyPr spcFirstLastPara="0" vert="horz" wrap="square" lIns="186846" tIns="0" rIns="186846" bIns="0" numCol="1" spcCol="1270" anchor="ctr" anchorCtr="0">
+          <a:noAutofit/>
+        </a:bodyPr>
+        <a:lstStyle/>
         <a:p>
-          <a:pPr lvl="0">
+          <a:pPr marL="0" lvl="0" indent="0" algn="l" defTabSz="1689100">
             <a:lnSpc>
-              <a:spcPct val="100000"/>
+              <a:spcPct val="90000"/>
             </a:lnSpc>
             <a:spcBef>
               <a:spcPct val="0"/>
@@ -5096,54 +5082,17 @@
             <a:spcAft>
               <a:spcPct val="35000"/>
             </a:spcAft>
+            <a:buNone/>
           </a:pPr>
           <a:r>
-            <a:rPr lang="zh-CN" altLang="en-US" dirty="0"/>
+            <a:rPr lang="zh-CN" altLang="en-US" sz="3800" kern="1200" dirty="0"/>
             <a:t>二、知识库问答流程</a:t>
           </a:r>
         </a:p>
       </dsp:txBody>
       <dsp:txXfrm>
-        <a:off x="353095" y="2456491"/>
-        <a:ext cx="4943335" cy="1121760"/>
-      </dsp:txXfrm>
-    </dsp:sp>
-    <dsp:sp modelId="{1A140897-50D6-40FE-9F26-98E5C7F3814B}">
-      <dsp:nvSpPr>
-        <dsp:cNvPr id="3" name="矩形 2" hidden="1"/>
-        <dsp:cNvSpPr/>
-      </dsp:nvSpPr>
-      <dsp:spPr>
-        <a:xfrm>
-          <a:off x="0" y="732810"/>
-          <a:ext cx="353095" cy="1121760"/>
-        </a:xfrm>
-        <a:prstGeom prst="rect">
-          <a:avLst/>
-        </a:prstGeom>
-      </dsp:spPr>
-      <dsp:txXfrm>
-        <a:off x="0" y="732810"/>
-        <a:ext cx="353095" cy="1121760"/>
-      </dsp:txXfrm>
-    </dsp:sp>
-    <dsp:sp modelId="{13D58B28-9F17-4705-9BF3-DE18DE000FE7}">
-      <dsp:nvSpPr>
-        <dsp:cNvPr id="6" name="矩形 5" hidden="1"/>
-        <dsp:cNvSpPr/>
-      </dsp:nvSpPr>
-      <dsp:spPr>
-        <a:xfrm>
-          <a:off x="0" y="2456491"/>
-          <a:ext cx="353095" cy="1121760"/>
-        </a:xfrm>
-        <a:prstGeom prst="rect">
-          <a:avLst/>
-        </a:prstGeom>
-      </dsp:spPr>
-      <dsp:txXfrm>
-        <a:off x="0" y="2456491"/>
-        <a:ext cx="353095" cy="1121760"/>
+        <a:off x="407855" y="2511250"/>
+        <a:ext cx="4833814" cy="1012240"/>
       </dsp:txXfrm>
     </dsp:sp>
   </dsp:spTree>
@@ -5151,26 +5100,19 @@
 </file>
 
 <file path=ppt/diagrams/drawing3.xml><?xml version="1.0" encoding="utf-8"?>
-<dsp:drawing xmlns:dgm="http://schemas.openxmlformats.org/drawingml/2006/diagram" xmlns:dsp="http://schemas.microsoft.com/office/drawing/2008/diagram" xmlns:a="http://schemas.openxmlformats.org/drawingml/2006/main" xmlns:r="http://schemas.openxmlformats.org/officeDocument/2006/relationships">
+<dsp:drawing xmlns:dgm="http://schemas.openxmlformats.org/drawingml/2006/diagram" xmlns:dsp="http://schemas.microsoft.com/office/drawing/2008/diagram" xmlns:a="http://schemas.openxmlformats.org/drawingml/2006/main">
   <dsp:spTree>
     <dsp:nvGrpSpPr>
-      <dsp:cNvPr id="2" name="组合 1"/>
+      <dsp:cNvPr id="0" name=""/>
       <dsp:cNvGrpSpPr/>
     </dsp:nvGrpSpPr>
-    <dsp:grpSpPr>
-      <a:xfrm>
-        <a:off x="0" y="0"/>
-        <a:ext cx="7061907" cy="4707781"/>
-        <a:chOff x="0" y="0"/>
-        <a:chExt cx="7061907" cy="4707781"/>
-      </a:xfrm>
-    </dsp:grpSpPr>
+    <dsp:grpSpPr/>
     <dsp:sp modelId="{2D0CB04D-5CB6-4815-854A-40ACE4626BC0}">
       <dsp:nvSpPr>
-        <dsp:cNvPr id="5" name="矩形 4"/>
+        <dsp:cNvPr id="0" name=""/>
         <dsp:cNvSpPr/>
       </dsp:nvSpPr>
-      <dsp:spPr bwMode="white">
+      <dsp:spPr>
         <a:xfrm>
           <a:off x="0" y="583590"/>
           <a:ext cx="7061907" cy="882000"/>
@@ -5178,81 +5120,116 @@
         <a:prstGeom prst="rect">
           <a:avLst/>
         </a:prstGeom>
+        <a:solidFill>
+          <a:schemeClr val="lt1">
+            <a:alpha val="90000"/>
+            <a:hueOff val="0"/>
+            <a:satOff val="0"/>
+            <a:lumOff val="0"/>
+            <a:alphaOff val="0"/>
+          </a:schemeClr>
+        </a:solidFill>
+        <a:ln w="10000" cap="flat" cmpd="sng" algn="ctr">
+          <a:solidFill>
+            <a:schemeClr val="accent1">
+              <a:hueOff val="0"/>
+              <a:satOff val="0"/>
+              <a:lumOff val="0"/>
+              <a:alphaOff val="0"/>
+            </a:schemeClr>
+          </a:solidFill>
+          <a:prstDash val="solid"/>
+        </a:ln>
+        <a:effectLst>
+          <a:outerShdw blurRad="38100" dist="25400" dir="5400000" rotWithShape="0">
+            <a:srgbClr val="000000">
+              <a:alpha val="45000"/>
+            </a:srgbClr>
+          </a:outerShdw>
+        </a:effectLst>
+        <a:scene3d>
+          <a:camera prst="orthographicFront"/>
+          <a:lightRig rig="flat" dir="t"/>
+        </a:scene3d>
         <a:sp3d z="190500" extrusionH="12700" prstMaterial="plastic">
           <a:bevelT w="50800" h="50800"/>
         </a:sp3d>
       </dsp:spPr>
       <dsp:style>
         <a:lnRef idx="1">
-          <a:schemeClr val="accent1"/>
+          <a:scrgbClr r="0" g="0" b="0"/>
         </a:lnRef>
         <a:fillRef idx="1">
-          <a:schemeClr val="lt1">
-            <a:alpha val="90000"/>
-          </a:schemeClr>
+          <a:scrgbClr r="0" g="0" b="0"/>
         </a:fillRef>
         <a:effectRef idx="2">
           <a:scrgbClr r="0" g="0" b="0"/>
         </a:effectRef>
         <a:fontRef idx="minor"/>
       </dsp:style>
-      <dsp:txBody>
-        <a:bodyPr lIns="548082" tIns="645668" rIns="548082" bIns="220472" anchor="t"/>
-        <a:lstStyle>
-          <a:lvl1pPr algn="l">
-            <a:defRPr sz="3100"/>
-          </a:lvl1pPr>
-          <a:lvl2pPr marL="285750" indent="-285750" algn="l">
-            <a:defRPr sz="3100"/>
-          </a:lvl2pPr>
-          <a:lvl3pPr marL="571500" indent="-285750" algn="l">
-            <a:defRPr sz="3100"/>
-          </a:lvl3pPr>
-          <a:lvl4pPr marL="857250" indent="-285750" algn="l">
-            <a:defRPr sz="3100"/>
-          </a:lvl4pPr>
-          <a:lvl5pPr marL="1143000" indent="-285750" algn="l">
-            <a:defRPr sz="3100"/>
-          </a:lvl5pPr>
-          <a:lvl6pPr marL="1428750" indent="-285750" algn="l">
-            <a:defRPr sz="3100"/>
-          </a:lvl6pPr>
-          <a:lvl7pPr marL="1714500" indent="-285750" algn="l">
-            <a:defRPr sz="3100"/>
-          </a:lvl7pPr>
-          <a:lvl8pPr marL="2000250" indent="-285750" algn="l">
-            <a:defRPr sz="3100"/>
-          </a:lvl8pPr>
-          <a:lvl9pPr marL="2286000" indent="-285750" algn="l">
-            <a:defRPr sz="3100"/>
-          </a:lvl9pPr>
-        </a:lstStyle>
-        <a:p>
-          <a:endParaRPr>
-            <a:solidFill>
-              <a:schemeClr val="dk1"/>
-            </a:solidFill>
-          </a:endParaRPr>
-        </a:p>
-      </dsp:txBody>
-      <dsp:txXfrm>
-        <a:off x="0" y="583590"/>
-        <a:ext cx="7061907" cy="882000"/>
-      </dsp:txXfrm>
     </dsp:sp>
     <dsp:sp modelId="{DDD969E0-2058-4643-8E47-93160C0DD783}">
       <dsp:nvSpPr>
-        <dsp:cNvPr id="4" name="圆角矩形 3"/>
+        <dsp:cNvPr id="0" name=""/>
         <dsp:cNvSpPr/>
       </dsp:nvSpPr>
-      <dsp:spPr bwMode="white">
+      <dsp:spPr>
         <a:xfrm>
           <a:off x="353095" y="66990"/>
-          <a:ext cx="4943335" cy="1033200"/>
+          <a:ext cx="4943334" cy="1033200"/>
         </a:xfrm>
         <a:prstGeom prst="roundRect">
           <a:avLst/>
         </a:prstGeom>
+        <a:gradFill rotWithShape="0">
+          <a:gsLst>
+            <a:gs pos="0">
+              <a:schemeClr val="accent1">
+                <a:hueOff val="0"/>
+                <a:satOff val="0"/>
+                <a:lumOff val="0"/>
+                <a:alphaOff val="0"/>
+              </a:schemeClr>
+            </a:gs>
+            <a:gs pos="90000">
+              <a:schemeClr val="accent1">
+                <a:hueOff val="0"/>
+                <a:satOff val="0"/>
+                <a:lumOff val="0"/>
+                <a:alphaOff val="0"/>
+                <a:shade val="100000"/>
+                <a:satMod val="105000"/>
+              </a:schemeClr>
+            </a:gs>
+            <a:gs pos="100000">
+              <a:schemeClr val="accent1">
+                <a:hueOff val="0"/>
+                <a:satOff val="0"/>
+                <a:lumOff val="0"/>
+                <a:alphaOff val="0"/>
+                <a:shade val="80000"/>
+                <a:satMod val="120000"/>
+              </a:schemeClr>
+            </a:gs>
+          </a:gsLst>
+          <a:path path="circle">
+            <a:fillToRect l="100000" t="100000" r="100000" b="100000"/>
+          </a:path>
+        </a:gradFill>
+        <a:ln>
+          <a:noFill/>
+        </a:ln>
+        <a:effectLst>
+          <a:outerShdw blurRad="38100" dist="25400" dir="5400000" rotWithShape="0">
+            <a:srgbClr val="000000">
+              <a:alpha val="45000"/>
+            </a:srgbClr>
+          </a:outerShdw>
+        </a:effectLst>
+        <a:scene3d>
+          <a:camera prst="orthographicFront"/>
+          <a:lightRig rig="flat" dir="t"/>
+        </a:scene3d>
         <a:sp3d prstMaterial="plastic">
           <a:bevelT w="120900" h="88900"/>
           <a:bevelB w="88900" h="31750" prst="angle"/>
@@ -5260,10 +5237,10 @@
       </dsp:spPr>
       <dsp:style>
         <a:lnRef idx="0">
-          <a:schemeClr val="lt1"/>
+          <a:scrgbClr r="0" g="0" b="0"/>
         </a:lnRef>
         <a:fillRef idx="3">
-          <a:schemeClr val="accent1"/>
+          <a:scrgbClr r="0" g="0" b="0"/>
         </a:fillRef>
         <a:effectRef idx="2">
           <a:scrgbClr r="0" g="0" b="0"/>
@@ -5273,40 +5250,14 @@
         </a:fontRef>
       </dsp:style>
       <dsp:txBody>
-        <a:bodyPr lIns="186846" tIns="0" rIns="186846" bIns="0" anchor="ctr"/>
-        <a:lstStyle>
-          <a:lvl1pPr algn="l">
-            <a:defRPr sz="3100"/>
-          </a:lvl1pPr>
-          <a:lvl2pPr marL="228600" indent="-228600" algn="l">
-            <a:defRPr sz="2400"/>
-          </a:lvl2pPr>
-          <a:lvl3pPr marL="457200" indent="-228600" algn="l">
-            <a:defRPr sz="2400"/>
-          </a:lvl3pPr>
-          <a:lvl4pPr marL="685800" indent="-228600" algn="l">
-            <a:defRPr sz="2400"/>
-          </a:lvl4pPr>
-          <a:lvl5pPr marL="914400" indent="-228600" algn="l">
-            <a:defRPr sz="2400"/>
-          </a:lvl5pPr>
-          <a:lvl6pPr marL="1143000" indent="-228600" algn="l">
-            <a:defRPr sz="2400"/>
-          </a:lvl6pPr>
-          <a:lvl7pPr marL="1371600" indent="-228600" algn="l">
-            <a:defRPr sz="2400"/>
-          </a:lvl7pPr>
-          <a:lvl8pPr marL="1600200" indent="-228600" algn="l">
-            <a:defRPr sz="2400"/>
-          </a:lvl8pPr>
-          <a:lvl9pPr marL="1828800" indent="-228600" algn="l">
-            <a:defRPr sz="2400"/>
-          </a:lvl9pPr>
-        </a:lstStyle>
+        <a:bodyPr spcFirstLastPara="0" vert="horz" wrap="square" lIns="186846" tIns="0" rIns="186846" bIns="0" numCol="1" spcCol="1270" anchor="ctr" anchorCtr="0">
+          <a:noAutofit/>
+        </a:bodyPr>
+        <a:lstStyle/>
         <a:p>
-          <a:pPr lvl="0">
+          <a:pPr marL="0" lvl="0" indent="0" algn="l" defTabSz="1555750">
             <a:lnSpc>
-              <a:spcPct val="100000"/>
+              <a:spcPct val="90000"/>
             </a:lnSpc>
             <a:spcBef>
               <a:spcPct val="0"/>
@@ -5314,106 +5265,142 @@
             <a:spcAft>
               <a:spcPct val="35000"/>
             </a:spcAft>
+            <a:buNone/>
           </a:pPr>
           <a:r>
-            <a:rPr lang="zh-CN" altLang="en-US" dirty="0"/>
+            <a:rPr lang="zh-CN" altLang="en-US" sz="3500" kern="1200" dirty="0"/>
             <a:t>一、智能体的定义</a:t>
           </a:r>
         </a:p>
       </dsp:txBody>
       <dsp:txXfrm>
-        <a:off x="353095" y="66990"/>
-        <a:ext cx="4943335" cy="1033200"/>
+        <a:off x="403532" y="117427"/>
+        <a:ext cx="4842460" cy="932326"/>
       </dsp:txXfrm>
     </dsp:sp>
     <dsp:sp modelId="{E84E58D1-4F0C-4C14-A211-6757851BEED2}">
       <dsp:nvSpPr>
-        <dsp:cNvPr id="8" name="矩形 7"/>
+        <dsp:cNvPr id="0" name=""/>
         <dsp:cNvSpPr/>
       </dsp:nvSpPr>
-      <dsp:spPr bwMode="white">
+      <dsp:spPr>
         <a:xfrm>
-          <a:off x="0" y="2171191"/>
+          <a:off x="0" y="2171190"/>
           <a:ext cx="7061907" cy="882000"/>
         </a:xfrm>
         <a:prstGeom prst="rect">
           <a:avLst/>
         </a:prstGeom>
+        <a:solidFill>
+          <a:schemeClr val="lt1">
+            <a:alpha val="90000"/>
+            <a:hueOff val="0"/>
+            <a:satOff val="0"/>
+            <a:lumOff val="0"/>
+            <a:alphaOff val="0"/>
+          </a:schemeClr>
+        </a:solidFill>
+        <a:ln w="10000" cap="flat" cmpd="sng" algn="ctr">
+          <a:solidFill>
+            <a:schemeClr val="accent1">
+              <a:hueOff val="0"/>
+              <a:satOff val="0"/>
+              <a:lumOff val="0"/>
+              <a:alphaOff val="0"/>
+            </a:schemeClr>
+          </a:solidFill>
+          <a:prstDash val="solid"/>
+        </a:ln>
+        <a:effectLst>
+          <a:outerShdw blurRad="38100" dist="25400" dir="5400000" rotWithShape="0">
+            <a:srgbClr val="000000">
+              <a:alpha val="45000"/>
+            </a:srgbClr>
+          </a:outerShdw>
+        </a:effectLst>
+        <a:scene3d>
+          <a:camera prst="orthographicFront"/>
+          <a:lightRig rig="flat" dir="t"/>
+        </a:scene3d>
         <a:sp3d z="190500" extrusionH="12700" prstMaterial="plastic">
           <a:bevelT w="50800" h="50800"/>
         </a:sp3d>
       </dsp:spPr>
       <dsp:style>
         <a:lnRef idx="1">
-          <a:schemeClr val="accent1"/>
+          <a:scrgbClr r="0" g="0" b="0"/>
         </a:lnRef>
         <a:fillRef idx="1">
-          <a:schemeClr val="lt1">
-            <a:alpha val="90000"/>
-          </a:schemeClr>
+          <a:scrgbClr r="0" g="0" b="0"/>
         </a:fillRef>
         <a:effectRef idx="2">
           <a:scrgbClr r="0" g="0" b="0"/>
         </a:effectRef>
         <a:fontRef idx="minor"/>
       </dsp:style>
-      <dsp:txBody>
-        <a:bodyPr lIns="548082" tIns="645668" rIns="548082" bIns="220472" anchor="t"/>
-        <a:lstStyle>
-          <a:lvl1pPr algn="l">
-            <a:defRPr sz="3100"/>
-          </a:lvl1pPr>
-          <a:lvl2pPr marL="285750" indent="-285750" algn="l">
-            <a:defRPr sz="3100"/>
-          </a:lvl2pPr>
-          <a:lvl3pPr marL="571500" indent="-285750" algn="l">
-            <a:defRPr sz="3100"/>
-          </a:lvl3pPr>
-          <a:lvl4pPr marL="857250" indent="-285750" algn="l">
-            <a:defRPr sz="3100"/>
-          </a:lvl4pPr>
-          <a:lvl5pPr marL="1143000" indent="-285750" algn="l">
-            <a:defRPr sz="3100"/>
-          </a:lvl5pPr>
-          <a:lvl6pPr marL="1428750" indent="-285750" algn="l">
-            <a:defRPr sz="3100"/>
-          </a:lvl6pPr>
-          <a:lvl7pPr marL="1714500" indent="-285750" algn="l">
-            <a:defRPr sz="3100"/>
-          </a:lvl7pPr>
-          <a:lvl8pPr marL="2000250" indent="-285750" algn="l">
-            <a:defRPr sz="3100"/>
-          </a:lvl8pPr>
-          <a:lvl9pPr marL="2286000" indent="-285750" algn="l">
-            <a:defRPr sz="3100"/>
-          </a:lvl9pPr>
-        </a:lstStyle>
-        <a:p>
-          <a:endParaRPr>
-            <a:solidFill>
-              <a:schemeClr val="dk1"/>
-            </a:solidFill>
-          </a:endParaRPr>
-        </a:p>
-      </dsp:txBody>
-      <dsp:txXfrm>
-        <a:off x="0" y="2171191"/>
-        <a:ext cx="7061907" cy="882000"/>
-      </dsp:txXfrm>
     </dsp:sp>
     <dsp:sp modelId="{8B506BA3-7AFD-42F1-9FDB-09E2D28CD1B3}">
       <dsp:nvSpPr>
-        <dsp:cNvPr id="7" name="圆角矩形 6"/>
+        <dsp:cNvPr id="0" name=""/>
         <dsp:cNvSpPr/>
       </dsp:nvSpPr>
-      <dsp:spPr bwMode="white">
+      <dsp:spPr>
         <a:xfrm>
-          <a:off x="353095" y="1654591"/>
-          <a:ext cx="4943335" cy="1033200"/>
+          <a:off x="353095" y="1654590"/>
+          <a:ext cx="4943334" cy="1033200"/>
         </a:xfrm>
         <a:prstGeom prst="roundRect">
           <a:avLst/>
         </a:prstGeom>
+        <a:gradFill rotWithShape="0">
+          <a:gsLst>
+            <a:gs pos="0">
+              <a:schemeClr val="accent1">
+                <a:hueOff val="0"/>
+                <a:satOff val="0"/>
+                <a:lumOff val="0"/>
+                <a:alphaOff val="0"/>
+              </a:schemeClr>
+            </a:gs>
+            <a:gs pos="90000">
+              <a:schemeClr val="accent1">
+                <a:hueOff val="0"/>
+                <a:satOff val="0"/>
+                <a:lumOff val="0"/>
+                <a:alphaOff val="0"/>
+                <a:shade val="100000"/>
+                <a:satMod val="105000"/>
+              </a:schemeClr>
+            </a:gs>
+            <a:gs pos="100000">
+              <a:schemeClr val="accent1">
+                <a:hueOff val="0"/>
+                <a:satOff val="0"/>
+                <a:lumOff val="0"/>
+                <a:alphaOff val="0"/>
+                <a:shade val="80000"/>
+                <a:satMod val="120000"/>
+              </a:schemeClr>
+            </a:gs>
+          </a:gsLst>
+          <a:path path="circle">
+            <a:fillToRect l="100000" t="100000" r="100000" b="100000"/>
+          </a:path>
+        </a:gradFill>
+        <a:ln>
+          <a:noFill/>
+        </a:ln>
+        <a:effectLst>
+          <a:outerShdw blurRad="38100" dist="25400" dir="5400000" rotWithShape="0">
+            <a:srgbClr val="000000">
+              <a:alpha val="45000"/>
+            </a:srgbClr>
+          </a:outerShdw>
+        </a:effectLst>
+        <a:scene3d>
+          <a:camera prst="orthographicFront"/>
+          <a:lightRig rig="flat" dir="t"/>
+        </a:scene3d>
         <a:sp3d prstMaterial="plastic">
           <a:bevelT w="120900" h="88900"/>
           <a:bevelB w="88900" h="31750" prst="angle"/>
@@ -5421,10 +5408,10 @@
       </dsp:spPr>
       <dsp:style>
         <a:lnRef idx="0">
-          <a:schemeClr val="lt1"/>
+          <a:scrgbClr r="0" g="0" b="0"/>
         </a:lnRef>
         <a:fillRef idx="3">
-          <a:schemeClr val="accent1"/>
+          <a:scrgbClr r="0" g="0" b="0"/>
         </a:fillRef>
         <a:effectRef idx="2">
           <a:scrgbClr r="0" g="0" b="0"/>
@@ -5434,40 +5421,14 @@
         </a:fontRef>
       </dsp:style>
       <dsp:txBody>
-        <a:bodyPr lIns="186846" tIns="0" rIns="186846" bIns="0" anchor="ctr"/>
-        <a:lstStyle>
-          <a:lvl1pPr algn="l">
-            <a:defRPr sz="3100"/>
-          </a:lvl1pPr>
-          <a:lvl2pPr marL="228600" indent="-228600" algn="l">
-            <a:defRPr sz="2400"/>
-          </a:lvl2pPr>
-          <a:lvl3pPr marL="457200" indent="-228600" algn="l">
-            <a:defRPr sz="2400"/>
-          </a:lvl3pPr>
-          <a:lvl4pPr marL="685800" indent="-228600" algn="l">
-            <a:defRPr sz="2400"/>
-          </a:lvl4pPr>
-          <a:lvl5pPr marL="914400" indent="-228600" algn="l">
-            <a:defRPr sz="2400"/>
-          </a:lvl5pPr>
-          <a:lvl6pPr marL="1143000" indent="-228600" algn="l">
-            <a:defRPr sz="2400"/>
-          </a:lvl6pPr>
-          <a:lvl7pPr marL="1371600" indent="-228600" algn="l">
-            <a:defRPr sz="2400"/>
-          </a:lvl7pPr>
-          <a:lvl8pPr marL="1600200" indent="-228600" algn="l">
-            <a:defRPr sz="2400"/>
-          </a:lvl8pPr>
-          <a:lvl9pPr marL="1828800" indent="-228600" algn="l">
-            <a:defRPr sz="2400"/>
-          </a:lvl9pPr>
-        </a:lstStyle>
+        <a:bodyPr spcFirstLastPara="0" vert="horz" wrap="square" lIns="186846" tIns="0" rIns="186846" bIns="0" numCol="1" spcCol="1270" anchor="ctr" anchorCtr="0">
+          <a:noAutofit/>
+        </a:bodyPr>
+        <a:lstStyle/>
         <a:p>
-          <a:pPr lvl="0">
+          <a:pPr marL="0" lvl="0" indent="0" algn="l" defTabSz="1555750">
             <a:lnSpc>
-              <a:spcPct val="100000"/>
+              <a:spcPct val="90000"/>
             </a:lnSpc>
             <a:spcBef>
               <a:spcPct val="0"/>
@@ -5475,24 +5436,25 @@
             <a:spcAft>
               <a:spcPct val="35000"/>
             </a:spcAft>
+            <a:buNone/>
           </a:pPr>
           <a:r>
-            <a:rPr lang="zh-CN" altLang="en-US" dirty="0"/>
+            <a:rPr lang="zh-CN" altLang="en-US" sz="3500" kern="1200" dirty="0"/>
             <a:t>二、如何与现实交互？</a:t>
           </a:r>
         </a:p>
       </dsp:txBody>
       <dsp:txXfrm>
-        <a:off x="353095" y="1654591"/>
-        <a:ext cx="4943335" cy="1033200"/>
+        <a:off x="403532" y="1705027"/>
+        <a:ext cx="4842460" cy="932326"/>
       </dsp:txXfrm>
     </dsp:sp>
     <dsp:sp modelId="{9588E1C3-02F9-4B12-9F69-6E6853F65AF8}">
       <dsp:nvSpPr>
-        <dsp:cNvPr id="11" name="矩形 10"/>
+        <dsp:cNvPr id="0" name=""/>
         <dsp:cNvSpPr/>
       </dsp:nvSpPr>
-      <dsp:spPr bwMode="white">
+      <dsp:spPr>
         <a:xfrm>
           <a:off x="0" y="3758790"/>
           <a:ext cx="7061907" cy="882000"/>
@@ -5500,81 +5462,116 @@
         <a:prstGeom prst="rect">
           <a:avLst/>
         </a:prstGeom>
+        <a:solidFill>
+          <a:schemeClr val="lt1">
+            <a:alpha val="90000"/>
+            <a:hueOff val="0"/>
+            <a:satOff val="0"/>
+            <a:lumOff val="0"/>
+            <a:alphaOff val="0"/>
+          </a:schemeClr>
+        </a:solidFill>
+        <a:ln w="10000" cap="flat" cmpd="sng" algn="ctr">
+          <a:solidFill>
+            <a:schemeClr val="accent1">
+              <a:hueOff val="0"/>
+              <a:satOff val="0"/>
+              <a:lumOff val="0"/>
+              <a:alphaOff val="0"/>
+            </a:schemeClr>
+          </a:solidFill>
+          <a:prstDash val="solid"/>
+        </a:ln>
+        <a:effectLst>
+          <a:outerShdw blurRad="38100" dist="25400" dir="5400000" rotWithShape="0">
+            <a:srgbClr val="000000">
+              <a:alpha val="45000"/>
+            </a:srgbClr>
+          </a:outerShdw>
+        </a:effectLst>
+        <a:scene3d>
+          <a:camera prst="orthographicFront"/>
+          <a:lightRig rig="flat" dir="t"/>
+        </a:scene3d>
         <a:sp3d z="190500" extrusionH="12700" prstMaterial="plastic">
           <a:bevelT w="50800" h="50800"/>
         </a:sp3d>
       </dsp:spPr>
       <dsp:style>
         <a:lnRef idx="1">
-          <a:schemeClr val="accent1"/>
+          <a:scrgbClr r="0" g="0" b="0"/>
         </a:lnRef>
         <a:fillRef idx="1">
-          <a:schemeClr val="lt1">
-            <a:alpha val="90000"/>
-          </a:schemeClr>
+          <a:scrgbClr r="0" g="0" b="0"/>
         </a:fillRef>
         <a:effectRef idx="2">
           <a:scrgbClr r="0" g="0" b="0"/>
         </a:effectRef>
         <a:fontRef idx="minor"/>
       </dsp:style>
-      <dsp:txBody>
-        <a:bodyPr lIns="548082" tIns="645668" rIns="548082" bIns="220472" anchor="t"/>
-        <a:lstStyle>
-          <a:lvl1pPr algn="l">
-            <a:defRPr sz="3100"/>
-          </a:lvl1pPr>
-          <a:lvl2pPr marL="285750" indent="-285750" algn="l">
-            <a:defRPr sz="3100"/>
-          </a:lvl2pPr>
-          <a:lvl3pPr marL="571500" indent="-285750" algn="l">
-            <a:defRPr sz="3100"/>
-          </a:lvl3pPr>
-          <a:lvl4pPr marL="857250" indent="-285750" algn="l">
-            <a:defRPr sz="3100"/>
-          </a:lvl4pPr>
-          <a:lvl5pPr marL="1143000" indent="-285750" algn="l">
-            <a:defRPr sz="3100"/>
-          </a:lvl5pPr>
-          <a:lvl6pPr marL="1428750" indent="-285750" algn="l">
-            <a:defRPr sz="3100"/>
-          </a:lvl6pPr>
-          <a:lvl7pPr marL="1714500" indent="-285750" algn="l">
-            <a:defRPr sz="3100"/>
-          </a:lvl7pPr>
-          <a:lvl8pPr marL="2000250" indent="-285750" algn="l">
-            <a:defRPr sz="3100"/>
-          </a:lvl8pPr>
-          <a:lvl9pPr marL="2286000" indent="-285750" algn="l">
-            <a:defRPr sz="3100"/>
-          </a:lvl9pPr>
-        </a:lstStyle>
-        <a:p>
-          <a:endParaRPr>
-            <a:solidFill>
-              <a:schemeClr val="dk1"/>
-            </a:solidFill>
-          </a:endParaRPr>
-        </a:p>
-      </dsp:txBody>
-      <dsp:txXfrm>
-        <a:off x="0" y="3758790"/>
-        <a:ext cx="7061907" cy="882000"/>
-      </dsp:txXfrm>
     </dsp:sp>
     <dsp:sp modelId="{1F558355-42AC-4422-84BF-F1D42B9D39AE}">
       <dsp:nvSpPr>
-        <dsp:cNvPr id="10" name="圆角矩形 9"/>
+        <dsp:cNvPr id="0" name=""/>
         <dsp:cNvSpPr/>
       </dsp:nvSpPr>
-      <dsp:spPr bwMode="white">
+      <dsp:spPr>
         <a:xfrm>
-          <a:off x="353095" y="3242191"/>
-          <a:ext cx="4943335" cy="1033200"/>
+          <a:off x="353095" y="3242190"/>
+          <a:ext cx="4943334" cy="1033200"/>
         </a:xfrm>
         <a:prstGeom prst="roundRect">
           <a:avLst/>
         </a:prstGeom>
+        <a:gradFill rotWithShape="0">
+          <a:gsLst>
+            <a:gs pos="0">
+              <a:schemeClr val="accent1">
+                <a:hueOff val="0"/>
+                <a:satOff val="0"/>
+                <a:lumOff val="0"/>
+                <a:alphaOff val="0"/>
+              </a:schemeClr>
+            </a:gs>
+            <a:gs pos="90000">
+              <a:schemeClr val="accent1">
+                <a:hueOff val="0"/>
+                <a:satOff val="0"/>
+                <a:lumOff val="0"/>
+                <a:alphaOff val="0"/>
+                <a:shade val="100000"/>
+                <a:satMod val="105000"/>
+              </a:schemeClr>
+            </a:gs>
+            <a:gs pos="100000">
+              <a:schemeClr val="accent1">
+                <a:hueOff val="0"/>
+                <a:satOff val="0"/>
+                <a:lumOff val="0"/>
+                <a:alphaOff val="0"/>
+                <a:shade val="80000"/>
+                <a:satMod val="120000"/>
+              </a:schemeClr>
+            </a:gs>
+          </a:gsLst>
+          <a:path path="circle">
+            <a:fillToRect l="100000" t="100000" r="100000" b="100000"/>
+          </a:path>
+        </a:gradFill>
+        <a:ln>
+          <a:noFill/>
+        </a:ln>
+        <a:effectLst>
+          <a:outerShdw blurRad="38100" dist="25400" dir="5400000" rotWithShape="0">
+            <a:srgbClr val="000000">
+              <a:alpha val="45000"/>
+            </a:srgbClr>
+          </a:outerShdw>
+        </a:effectLst>
+        <a:scene3d>
+          <a:camera prst="orthographicFront"/>
+          <a:lightRig rig="flat" dir="t"/>
+        </a:scene3d>
         <a:sp3d prstMaterial="plastic">
           <a:bevelT w="120900" h="88900"/>
           <a:bevelB w="88900" h="31750" prst="angle"/>
@@ -5582,10 +5579,10 @@
       </dsp:spPr>
       <dsp:style>
         <a:lnRef idx="0">
-          <a:schemeClr val="lt1"/>
+          <a:scrgbClr r="0" g="0" b="0"/>
         </a:lnRef>
         <a:fillRef idx="3">
-          <a:schemeClr val="accent1"/>
+          <a:scrgbClr r="0" g="0" b="0"/>
         </a:fillRef>
         <a:effectRef idx="2">
           <a:scrgbClr r="0" g="0" b="0"/>
@@ -5595,40 +5592,14 @@
         </a:fontRef>
       </dsp:style>
       <dsp:txBody>
-        <a:bodyPr lIns="186846" tIns="0" rIns="186846" bIns="0" anchor="ctr"/>
-        <a:lstStyle>
-          <a:lvl1pPr algn="l">
-            <a:defRPr sz="3100"/>
-          </a:lvl1pPr>
-          <a:lvl2pPr marL="228600" indent="-228600" algn="l">
-            <a:defRPr sz="2400"/>
-          </a:lvl2pPr>
-          <a:lvl3pPr marL="457200" indent="-228600" algn="l">
-            <a:defRPr sz="2400"/>
-          </a:lvl3pPr>
-          <a:lvl4pPr marL="685800" indent="-228600" algn="l">
-            <a:defRPr sz="2400"/>
-          </a:lvl4pPr>
-          <a:lvl5pPr marL="914400" indent="-228600" algn="l">
-            <a:defRPr sz="2400"/>
-          </a:lvl5pPr>
-          <a:lvl6pPr marL="1143000" indent="-228600" algn="l">
-            <a:defRPr sz="2400"/>
-          </a:lvl6pPr>
-          <a:lvl7pPr marL="1371600" indent="-228600" algn="l">
-            <a:defRPr sz="2400"/>
-          </a:lvl7pPr>
-          <a:lvl8pPr marL="1600200" indent="-228600" algn="l">
-            <a:defRPr sz="2400"/>
-          </a:lvl8pPr>
-          <a:lvl9pPr marL="1828800" indent="-228600" algn="l">
-            <a:defRPr sz="2400"/>
-          </a:lvl9pPr>
-        </a:lstStyle>
+        <a:bodyPr spcFirstLastPara="0" vert="horz" wrap="square" lIns="186846" tIns="0" rIns="186846" bIns="0" numCol="1" spcCol="1270" anchor="ctr" anchorCtr="0">
+          <a:noAutofit/>
+        </a:bodyPr>
+        <a:lstStyle/>
         <a:p>
-          <a:pPr lvl="0">
+          <a:pPr marL="0" lvl="0" indent="0" algn="l" defTabSz="1555750">
             <a:lnSpc>
-              <a:spcPct val="100000"/>
+              <a:spcPct val="90000"/>
             </a:lnSpc>
             <a:spcBef>
               <a:spcPct val="0"/>
@@ -5636,73 +5607,17 @@
             <a:spcAft>
               <a:spcPct val="35000"/>
             </a:spcAft>
+            <a:buNone/>
           </a:pPr>
           <a:r>
-            <a:rPr lang="zh-CN" altLang="en-US" dirty="0"/>
+            <a:rPr lang="zh-CN" altLang="en-US" sz="3500" kern="1200" dirty="0"/>
             <a:t>三、如何完成复杂任务？</a:t>
           </a:r>
         </a:p>
       </dsp:txBody>
       <dsp:txXfrm>
-        <a:off x="353095" y="3242191"/>
-        <a:ext cx="4943335" cy="1033200"/>
-      </dsp:txXfrm>
-    </dsp:sp>
-    <dsp:sp modelId="{1A140897-50D6-40FE-9F26-98E5C7F3814B}">
-      <dsp:nvSpPr>
-        <dsp:cNvPr id="3" name="矩形 2" hidden="1"/>
-        <dsp:cNvSpPr/>
-      </dsp:nvSpPr>
-      <dsp:spPr>
-        <a:xfrm>
-          <a:off x="0" y="66990"/>
-          <a:ext cx="353095" cy="1033200"/>
-        </a:xfrm>
-        <a:prstGeom prst="rect">
-          <a:avLst/>
-        </a:prstGeom>
-      </dsp:spPr>
-      <dsp:txXfrm>
-        <a:off x="0" y="66990"/>
-        <a:ext cx="353095" cy="1033200"/>
-      </dsp:txXfrm>
-    </dsp:sp>
-    <dsp:sp modelId="{13D58B28-9F17-4705-9BF3-DE18DE000FE7}">
-      <dsp:nvSpPr>
-        <dsp:cNvPr id="6" name="矩形 5" hidden="1"/>
-        <dsp:cNvSpPr/>
-      </dsp:nvSpPr>
-      <dsp:spPr>
-        <a:xfrm>
-          <a:off x="0" y="1654591"/>
-          <a:ext cx="353095" cy="1033200"/>
-        </a:xfrm>
-        <a:prstGeom prst="rect">
-          <a:avLst/>
-        </a:prstGeom>
-      </dsp:spPr>
-      <dsp:txXfrm>
-        <a:off x="0" y="1654591"/>
-        <a:ext cx="353095" cy="1033200"/>
-      </dsp:txXfrm>
-    </dsp:sp>
-    <dsp:sp modelId="{884A413B-24D2-4E1A-9ABE-318356860437}">
-      <dsp:nvSpPr>
-        <dsp:cNvPr id="9" name="矩形 8" hidden="1"/>
-        <dsp:cNvSpPr/>
-      </dsp:nvSpPr>
-      <dsp:spPr>
-        <a:xfrm>
-          <a:off x="0" y="3242191"/>
-          <a:ext cx="353095" cy="1033200"/>
-        </a:xfrm>
-        <a:prstGeom prst="rect">
-          <a:avLst/>
-        </a:prstGeom>
-      </dsp:spPr>
-      <dsp:txXfrm>
-        <a:off x="0" y="3242191"/>
-        <a:ext cx="353095" cy="1033200"/>
+        <a:off x="403532" y="3292627"/>
+        <a:ext cx="4842460" cy="932326"/>
       </dsp:txXfrm>
     </dsp:sp>
   </dsp:spTree>
@@ -5710,33 +5625,52 @@
 </file>
 
 <file path=ppt/diagrams/drawing4.xml><?xml version="1.0" encoding="utf-8"?>
-<dsp:drawing xmlns:dgm="http://schemas.openxmlformats.org/drawingml/2006/diagram" xmlns:dsp="http://schemas.microsoft.com/office/drawing/2008/diagram" xmlns:a="http://schemas.openxmlformats.org/drawingml/2006/main" xmlns:r="http://schemas.openxmlformats.org/officeDocument/2006/relationships">
+<dsp:drawing xmlns:dgm="http://schemas.openxmlformats.org/drawingml/2006/diagram" xmlns:dsp="http://schemas.microsoft.com/office/drawing/2008/diagram" xmlns:a="http://schemas.openxmlformats.org/drawingml/2006/main">
   <dsp:spTree>
     <dsp:nvGrpSpPr>
-      <dsp:cNvPr id="2" name="组合 1"/>
+      <dsp:cNvPr id="0" name=""/>
       <dsp:cNvGrpSpPr/>
     </dsp:nvGrpSpPr>
-    <dsp:grpSpPr>
-      <a:xfrm>
-        <a:off x="0" y="0"/>
-        <a:ext cx="3193142" cy="2546048"/>
-        <a:chOff x="0" y="0"/>
-        <a:chExt cx="3193142" cy="2546048"/>
-      </a:xfrm>
-    </dsp:grpSpPr>
+    <dsp:grpSpPr/>
     <dsp:sp modelId="{7D83FEF3-E1AA-4D58-9BDC-96CD3166FF6D}">
       <dsp:nvSpPr>
-        <dsp:cNvPr id="3" name="椭圆 2"/>
+        <dsp:cNvPr id="0" name=""/>
         <dsp:cNvSpPr/>
       </dsp:nvSpPr>
-      <dsp:spPr bwMode="white">
+      <dsp:spPr>
         <a:xfrm>
-          <a:off x="1042851" y="0"/>
-          <a:ext cx="1107441" cy="1107441"/>
+          <a:off x="1043851" y="590"/>
+          <a:ext cx="1105438" cy="1105438"/>
         </a:xfrm>
         <a:prstGeom prst="ellipse">
           <a:avLst/>
         </a:prstGeom>
+        <a:solidFill>
+          <a:schemeClr val="lt1">
+            <a:hueOff val="0"/>
+            <a:satOff val="0"/>
+            <a:lumOff val="0"/>
+            <a:alphaOff val="0"/>
+          </a:schemeClr>
+        </a:solidFill>
+        <a:ln>
+          <a:noFill/>
+        </a:ln>
+        <a:effectLst>
+          <a:outerShdw blurRad="38100" dist="25400" dir="5400000" rotWithShape="0">
+            <a:srgbClr val="000000">
+              <a:alpha val="45000"/>
+            </a:srgbClr>
+          </a:outerShdw>
+        </a:effectLst>
+        <a:scene3d>
+          <a:camera prst="orthographicFront">
+            <a:rot lat="0" lon="0" rev="0"/>
+          </a:camera>
+          <a:lightRig rig="contrasting" dir="t">
+            <a:rot lat="0" lon="0" rev="1200000"/>
+          </a:lightRig>
+        </a:scene3d>
         <a:sp3d contourW="19050" prstMaterial="metal">
           <a:bevelT w="88900" h="203200"/>
           <a:bevelB w="165100" h="254000"/>
@@ -5744,12 +5678,10 @@
       </dsp:spPr>
       <dsp:style>
         <a:lnRef idx="0">
-          <a:schemeClr val="accent1">
-            <a:shade val="80000"/>
-          </a:schemeClr>
+          <a:scrgbClr r="0" g="0" b="0"/>
         </a:lnRef>
         <a:fillRef idx="1">
-          <a:schemeClr val="lt1"/>
+          <a:scrgbClr r="0" g="0" b="0"/>
         </a:fillRef>
         <a:effectRef idx="2">
           <a:scrgbClr r="0" g="0" b="0"/>
@@ -5759,40 +5691,14 @@
         </a:fontRef>
       </dsp:style>
       <dsp:txBody>
-        <a:bodyPr lIns="35560" tIns="35560" rIns="35560" bIns="35560" anchor="ctr"/>
-        <a:lstStyle>
-          <a:lvl1pPr algn="ctr">
-            <a:defRPr sz="2800"/>
-          </a:lvl1pPr>
-          <a:lvl2pPr marL="228600" indent="-228600" algn="ctr">
-            <a:defRPr sz="2100"/>
-          </a:lvl2pPr>
-          <a:lvl3pPr marL="457200" indent="-228600" algn="ctr">
-            <a:defRPr sz="2100"/>
-          </a:lvl3pPr>
-          <a:lvl4pPr marL="685800" indent="-228600" algn="ctr">
-            <a:defRPr sz="2100"/>
-          </a:lvl4pPr>
-          <a:lvl5pPr marL="914400" indent="-228600" algn="ctr">
-            <a:defRPr sz="2100"/>
-          </a:lvl5pPr>
-          <a:lvl6pPr marL="1143000" indent="-228600" algn="ctr">
-            <a:defRPr sz="2100"/>
-          </a:lvl6pPr>
-          <a:lvl7pPr marL="1371600" indent="-228600" algn="ctr">
-            <a:defRPr sz="2100"/>
-          </a:lvl7pPr>
-          <a:lvl8pPr marL="1600200" indent="-228600" algn="ctr">
-            <a:defRPr sz="2100"/>
-          </a:lvl8pPr>
-          <a:lvl9pPr marL="1828800" indent="-228600" algn="ctr">
-            <a:defRPr sz="2100"/>
-          </a:lvl9pPr>
-        </a:lstStyle>
+        <a:bodyPr spcFirstLastPara="0" vert="horz" wrap="square" lIns="34290" tIns="34290" rIns="34290" bIns="34290" numCol="1" spcCol="1270" anchor="ctr" anchorCtr="0">
+          <a:noAutofit/>
+        </a:bodyPr>
+        <a:lstStyle/>
         <a:p>
-          <a:pPr lvl="0">
+          <a:pPr marL="0" lvl="0" indent="0" algn="ctr" defTabSz="1200150">
             <a:lnSpc>
-              <a:spcPct val="100000"/>
+              <a:spcPct val="90000"/>
             </a:lnSpc>
             <a:spcBef>
               <a:spcPct val="0"/>
@@ -5800,36 +5706,28 @@
             <a:spcAft>
               <a:spcPct val="35000"/>
             </a:spcAft>
+            <a:buNone/>
           </a:pPr>
           <a:r>
-            <a:rPr lang="zh-CN" altLang="en-US" dirty="0">
-              <a:solidFill>
-                <a:schemeClr val="dk1"/>
-              </a:solidFill>
-            </a:rPr>
+            <a:rPr lang="zh-CN" altLang="en-US" sz="2700" kern="1200" dirty="0"/>
             <a:t>思考</a:t>
           </a:r>
-          <a:endParaRPr>
-            <a:solidFill>
-              <a:schemeClr val="dk1"/>
-            </a:solidFill>
-          </a:endParaRPr>
         </a:p>
       </dsp:txBody>
       <dsp:txXfrm>
-        <a:off x="1042851" y="0"/>
-        <a:ext cx="1107441" cy="1107441"/>
+        <a:off x="1205739" y="162478"/>
+        <a:ext cx="781662" cy="781662"/>
       </dsp:txXfrm>
     </dsp:sp>
     <dsp:sp modelId="{3204269D-5CF1-4117-8D82-C47829859922}">
       <dsp:nvSpPr>
-        <dsp:cNvPr id="4" name="右箭头 3"/>
+        <dsp:cNvPr id="0" name=""/>
         <dsp:cNvSpPr/>
       </dsp:nvSpPr>
-      <dsp:spPr bwMode="white">
-        <a:xfrm rot="3599999">
-          <a:off x="1865125" y="1086143"/>
-          <a:ext cx="293472" cy="373761"/>
+      <dsp:spPr>
+        <a:xfrm rot="3600000">
+          <a:off x="1860405" y="1079249"/>
+          <a:ext cx="295035" cy="373085"/>
         </a:xfrm>
         <a:prstGeom prst="rightArrow">
           <a:avLst>
@@ -5837,6 +5735,27 @@
             <a:gd name="adj2" fmla="val 50000"/>
           </a:avLst>
         </a:prstGeom>
+        <a:solidFill>
+          <a:schemeClr val="accent1">
+            <a:tint val="60000"/>
+            <a:hueOff val="0"/>
+            <a:satOff val="0"/>
+            <a:lumOff val="0"/>
+            <a:alphaOff val="0"/>
+          </a:schemeClr>
+        </a:solidFill>
+        <a:ln>
+          <a:noFill/>
+        </a:ln>
+        <a:effectLst/>
+        <a:scene3d>
+          <a:camera prst="orthographicFront">
+            <a:rot lat="0" lon="0" rev="0"/>
+          </a:camera>
+          <a:lightRig rig="contrasting" dir="t">
+            <a:rot lat="0" lon="0" rev="1200000"/>
+          </a:lightRig>
+        </a:scene3d>
         <a:sp3d z="-182000" contourW="19050" prstMaterial="metal">
           <a:bevelT w="88900" h="203200"/>
           <a:bevelB w="165100" h="254000"/>
@@ -5844,14 +5763,10 @@
       </dsp:spPr>
       <dsp:style>
         <a:lnRef idx="0">
-          <a:schemeClr val="accent1">
-            <a:tint val="60000"/>
-          </a:schemeClr>
+          <a:scrgbClr r="0" g="0" b="0"/>
         </a:lnRef>
         <a:fillRef idx="1">
-          <a:schemeClr val="accent1">
-            <a:tint val="60000"/>
-          </a:schemeClr>
+          <a:scrgbClr r="0" g="0" b="0"/>
         </a:fillRef>
         <a:effectRef idx="0">
           <a:scrgbClr r="0" g="0" b="0"/>
@@ -5861,40 +5776,14 @@
         </a:fontRef>
       </dsp:style>
       <dsp:txBody>
-        <a:bodyPr lIns="0" tIns="0" rIns="0" bIns="0" anchor="ctr"/>
-        <a:lstStyle>
-          <a:lvl1pPr algn="ctr">
-            <a:defRPr sz="1400"/>
-          </a:lvl1pPr>
-          <a:lvl2pPr marL="57150" indent="-57150" algn="ctr">
-            <a:defRPr sz="1100"/>
-          </a:lvl2pPr>
-          <a:lvl3pPr marL="114300" indent="-57150" algn="ctr">
-            <a:defRPr sz="1100"/>
-          </a:lvl3pPr>
-          <a:lvl4pPr marL="171450" indent="-57150" algn="ctr">
-            <a:defRPr sz="1100"/>
-          </a:lvl4pPr>
-          <a:lvl5pPr marL="228600" indent="-57150" algn="ctr">
-            <a:defRPr sz="1100"/>
-          </a:lvl5pPr>
-          <a:lvl6pPr marL="285750" indent="-57150" algn="ctr">
-            <a:defRPr sz="1100"/>
-          </a:lvl6pPr>
-          <a:lvl7pPr marL="342900" indent="-57150" algn="ctr">
-            <a:defRPr sz="1100"/>
-          </a:lvl7pPr>
-          <a:lvl8pPr marL="400050" indent="-57150" algn="ctr">
-            <a:defRPr sz="1100"/>
-          </a:lvl8pPr>
-          <a:lvl9pPr marL="457200" indent="-57150" algn="ctr">
-            <a:defRPr sz="1100"/>
-          </a:lvl9pPr>
-        </a:lstStyle>
+        <a:bodyPr spcFirstLastPara="0" vert="horz" wrap="square" lIns="0" tIns="0" rIns="0" bIns="0" numCol="1" spcCol="1270" anchor="ctr" anchorCtr="0">
+          <a:noAutofit/>
+        </a:bodyPr>
+        <a:lstStyle/>
         <a:p>
-          <a:pPr lvl="0">
+          <a:pPr marL="0" lvl="0" indent="0" algn="ctr" defTabSz="711200">
             <a:lnSpc>
-              <a:spcPct val="100000"/>
+              <a:spcPct val="90000"/>
             </a:lnSpc>
             <a:spcBef>
               <a:spcPct val="0"/>
@@ -5902,32 +5791,55 @@
             <a:spcAft>
               <a:spcPct val="35000"/>
             </a:spcAft>
+            <a:buNone/>
           </a:pPr>
-          <a:endParaRPr lang="zh-CN" altLang="en-US">
-            <a:solidFill>
-              <a:schemeClr val="dk1"/>
-            </a:solidFill>
-          </a:endParaRPr>
+          <a:endParaRPr lang="zh-CN" altLang="en-US" sz="1600" kern="1200"/>
         </a:p>
       </dsp:txBody>
-      <dsp:txXfrm rot="3599999">
-        <a:off x="1865125" y="1086143"/>
-        <a:ext cx="293472" cy="373761"/>
+      <dsp:txXfrm>
+        <a:off x="1882533" y="1115540"/>
+        <a:ext cx="206525" cy="223851"/>
       </dsp:txXfrm>
     </dsp:sp>
     <dsp:sp modelId="{A6B519CE-CFF7-4F7C-8B0A-23A21872B28E}">
       <dsp:nvSpPr>
-        <dsp:cNvPr id="5" name="椭圆 4"/>
+        <dsp:cNvPr id="0" name=""/>
         <dsp:cNvSpPr/>
       </dsp:nvSpPr>
-      <dsp:spPr bwMode="white">
+      <dsp:spPr>
         <a:xfrm>
-          <a:off x="1873431" y="1438607"/>
-          <a:ext cx="1107441" cy="1107441"/>
+          <a:off x="1874906" y="1440019"/>
+          <a:ext cx="1105438" cy="1105438"/>
         </a:xfrm>
         <a:prstGeom prst="ellipse">
           <a:avLst/>
         </a:prstGeom>
+        <a:solidFill>
+          <a:schemeClr val="lt1">
+            <a:hueOff val="0"/>
+            <a:satOff val="0"/>
+            <a:lumOff val="0"/>
+            <a:alphaOff val="0"/>
+          </a:schemeClr>
+        </a:solidFill>
+        <a:ln>
+          <a:noFill/>
+        </a:ln>
+        <a:effectLst>
+          <a:outerShdw blurRad="38100" dist="25400" dir="5400000" rotWithShape="0">
+            <a:srgbClr val="000000">
+              <a:alpha val="45000"/>
+            </a:srgbClr>
+          </a:outerShdw>
+        </a:effectLst>
+        <a:scene3d>
+          <a:camera prst="orthographicFront">
+            <a:rot lat="0" lon="0" rev="0"/>
+          </a:camera>
+          <a:lightRig rig="contrasting" dir="t">
+            <a:rot lat="0" lon="0" rev="1200000"/>
+          </a:lightRig>
+        </a:scene3d>
         <a:sp3d contourW="19050" prstMaterial="metal">
           <a:bevelT w="88900" h="203200"/>
           <a:bevelB w="165100" h="254000"/>
@@ -5935,12 +5847,10 @@
       </dsp:spPr>
       <dsp:style>
         <a:lnRef idx="0">
-          <a:schemeClr val="accent1">
-            <a:shade val="80000"/>
-          </a:schemeClr>
+          <a:scrgbClr r="0" g="0" b="0"/>
         </a:lnRef>
         <a:fillRef idx="1">
-          <a:schemeClr val="lt1"/>
+          <a:scrgbClr r="0" g="0" b="0"/>
         </a:fillRef>
         <a:effectRef idx="2">
           <a:scrgbClr r="0" g="0" b="0"/>
@@ -5950,40 +5860,14 @@
         </a:fontRef>
       </dsp:style>
       <dsp:txBody>
-        <a:bodyPr lIns="35560" tIns="35560" rIns="35560" bIns="35560" anchor="ctr"/>
-        <a:lstStyle>
-          <a:lvl1pPr algn="ctr">
-            <a:defRPr sz="2800"/>
-          </a:lvl1pPr>
-          <a:lvl2pPr marL="228600" indent="-228600" algn="ctr">
-            <a:defRPr sz="2100"/>
-          </a:lvl2pPr>
-          <a:lvl3pPr marL="457200" indent="-228600" algn="ctr">
-            <a:defRPr sz="2100"/>
-          </a:lvl3pPr>
-          <a:lvl4pPr marL="685800" indent="-228600" algn="ctr">
-            <a:defRPr sz="2100"/>
-          </a:lvl4pPr>
-          <a:lvl5pPr marL="914400" indent="-228600" algn="ctr">
-            <a:defRPr sz="2100"/>
-          </a:lvl5pPr>
-          <a:lvl6pPr marL="1143000" indent="-228600" algn="ctr">
-            <a:defRPr sz="2100"/>
-          </a:lvl6pPr>
-          <a:lvl7pPr marL="1371600" indent="-228600" algn="ctr">
-            <a:defRPr sz="2100"/>
-          </a:lvl7pPr>
-          <a:lvl8pPr marL="1600200" indent="-228600" algn="ctr">
-            <a:defRPr sz="2100"/>
-          </a:lvl8pPr>
-          <a:lvl9pPr marL="1828800" indent="-228600" algn="ctr">
-            <a:defRPr sz="2100"/>
-          </a:lvl9pPr>
-        </a:lstStyle>
+        <a:bodyPr spcFirstLastPara="0" vert="horz" wrap="square" lIns="34290" tIns="34290" rIns="34290" bIns="34290" numCol="1" spcCol="1270" anchor="ctr" anchorCtr="0">
+          <a:noAutofit/>
+        </a:bodyPr>
+        <a:lstStyle/>
         <a:p>
-          <a:pPr lvl="0">
+          <a:pPr marL="0" lvl="0" indent="0" algn="ctr" defTabSz="1200150">
             <a:lnSpc>
-              <a:spcPct val="100000"/>
+              <a:spcPct val="90000"/>
             </a:lnSpc>
             <a:spcBef>
               <a:spcPct val="0"/>
@@ -5991,36 +5875,28 @@
             <a:spcAft>
               <a:spcPct val="35000"/>
             </a:spcAft>
+            <a:buNone/>
           </a:pPr>
           <a:r>
-            <a:rPr lang="zh-CN" altLang="en-US" dirty="0">
-              <a:solidFill>
-                <a:schemeClr val="dk1"/>
-              </a:solidFill>
-            </a:rPr>
+            <a:rPr lang="zh-CN" altLang="en-US" sz="2700" kern="1200" dirty="0"/>
             <a:t>行动</a:t>
           </a:r>
-          <a:endParaRPr>
-            <a:solidFill>
-              <a:schemeClr val="dk1"/>
-            </a:solidFill>
-          </a:endParaRPr>
         </a:p>
       </dsp:txBody>
       <dsp:txXfrm>
-        <a:off x="1873431" y="1438607"/>
-        <a:ext cx="1107441" cy="1107441"/>
+        <a:off x="2036794" y="1601907"/>
+        <a:ext cx="781662" cy="781662"/>
       </dsp:txXfrm>
     </dsp:sp>
     <dsp:sp modelId="{6A59FBF0-3AD2-4BB9-885C-19F01F04275C}">
       <dsp:nvSpPr>
-        <dsp:cNvPr id="6" name="右箭头 5"/>
+        <dsp:cNvPr id="0" name=""/>
         <dsp:cNvSpPr/>
       </dsp:nvSpPr>
-      <dsp:spPr bwMode="white">
+      <dsp:spPr>
         <a:xfrm rot="10800000">
-          <a:off x="1449835" y="1805447"/>
-          <a:ext cx="293472" cy="373761"/>
+          <a:off x="1457403" y="1806195"/>
+          <a:ext cx="295035" cy="373085"/>
         </a:xfrm>
         <a:prstGeom prst="rightArrow">
           <a:avLst>
@@ -6028,6 +5904,27 @@
             <a:gd name="adj2" fmla="val 50000"/>
           </a:avLst>
         </a:prstGeom>
+        <a:solidFill>
+          <a:schemeClr val="accent1">
+            <a:tint val="60000"/>
+            <a:hueOff val="0"/>
+            <a:satOff val="0"/>
+            <a:lumOff val="0"/>
+            <a:alphaOff val="0"/>
+          </a:schemeClr>
+        </a:solidFill>
+        <a:ln>
+          <a:noFill/>
+        </a:ln>
+        <a:effectLst/>
+        <a:scene3d>
+          <a:camera prst="orthographicFront">
+            <a:rot lat="0" lon="0" rev="0"/>
+          </a:camera>
+          <a:lightRig rig="contrasting" dir="t">
+            <a:rot lat="0" lon="0" rev="1200000"/>
+          </a:lightRig>
+        </a:scene3d>
         <a:sp3d z="-182000" contourW="19050" prstMaterial="metal">
           <a:bevelT w="88900" h="203200"/>
           <a:bevelB w="165100" h="254000"/>
@@ -6035,14 +5932,10 @@
       </dsp:spPr>
       <dsp:style>
         <a:lnRef idx="0">
-          <a:schemeClr val="accent1">
-            <a:tint val="60000"/>
-          </a:schemeClr>
+          <a:scrgbClr r="0" g="0" b="0"/>
         </a:lnRef>
         <a:fillRef idx="1">
-          <a:schemeClr val="accent1">
-            <a:tint val="60000"/>
-          </a:schemeClr>
+          <a:scrgbClr r="0" g="0" b="0"/>
         </a:fillRef>
         <a:effectRef idx="0">
           <a:scrgbClr r="0" g="0" b="0"/>
@@ -6052,40 +5945,14 @@
         </a:fontRef>
       </dsp:style>
       <dsp:txBody>
-        <a:bodyPr rot="10800000" lIns="0" tIns="0" rIns="0" bIns="0" anchor="ctr"/>
-        <a:lstStyle>
-          <a:lvl1pPr algn="ctr">
-            <a:defRPr sz="1400"/>
-          </a:lvl1pPr>
-          <a:lvl2pPr marL="57150" indent="-57150" algn="ctr">
-            <a:defRPr sz="1100"/>
-          </a:lvl2pPr>
-          <a:lvl3pPr marL="114300" indent="-57150" algn="ctr">
-            <a:defRPr sz="1100"/>
-          </a:lvl3pPr>
-          <a:lvl4pPr marL="171450" indent="-57150" algn="ctr">
-            <a:defRPr sz="1100"/>
-          </a:lvl4pPr>
-          <a:lvl5pPr marL="228600" indent="-57150" algn="ctr">
-            <a:defRPr sz="1100"/>
-          </a:lvl5pPr>
-          <a:lvl6pPr marL="285750" indent="-57150" algn="ctr">
-            <a:defRPr sz="1100"/>
-          </a:lvl6pPr>
-          <a:lvl7pPr marL="342900" indent="-57150" algn="ctr">
-            <a:defRPr sz="1100"/>
-          </a:lvl7pPr>
-          <a:lvl8pPr marL="400050" indent="-57150" algn="ctr">
-            <a:defRPr sz="1100"/>
-          </a:lvl8pPr>
-          <a:lvl9pPr marL="457200" indent="-57150" algn="ctr">
-            <a:defRPr sz="1100"/>
-          </a:lvl9pPr>
-        </a:lstStyle>
+        <a:bodyPr spcFirstLastPara="0" vert="horz" wrap="square" lIns="0" tIns="0" rIns="0" bIns="0" numCol="1" spcCol="1270" anchor="ctr" anchorCtr="0">
+          <a:noAutofit/>
+        </a:bodyPr>
+        <a:lstStyle/>
         <a:p>
-          <a:pPr lvl="0">
+          <a:pPr marL="0" lvl="0" indent="0" algn="ctr" defTabSz="711200">
             <a:lnSpc>
-              <a:spcPct val="100000"/>
+              <a:spcPct val="90000"/>
             </a:lnSpc>
             <a:spcBef>
               <a:spcPct val="0"/>
@@ -6093,32 +5960,55 @@
             <a:spcAft>
               <a:spcPct val="35000"/>
             </a:spcAft>
+            <a:buNone/>
           </a:pPr>
-          <a:endParaRPr lang="zh-CN" altLang="en-US">
-            <a:solidFill>
-              <a:schemeClr val="dk1"/>
-            </a:solidFill>
-          </a:endParaRPr>
+          <a:endParaRPr lang="zh-CN" altLang="en-US" sz="1600" kern="1200"/>
         </a:p>
       </dsp:txBody>
       <dsp:txXfrm rot="10800000">
-        <a:off x="1449835" y="1805447"/>
-        <a:ext cx="293472" cy="373761"/>
+        <a:off x="1545913" y="1880812"/>
+        <a:ext cx="206525" cy="223851"/>
       </dsp:txXfrm>
     </dsp:sp>
     <dsp:sp modelId="{C1986ACA-3332-49EE-9536-4647495B6913}">
       <dsp:nvSpPr>
-        <dsp:cNvPr id="7" name="椭圆 6"/>
+        <dsp:cNvPr id="0" name=""/>
         <dsp:cNvSpPr/>
       </dsp:nvSpPr>
-      <dsp:spPr bwMode="white">
+      <dsp:spPr>
         <a:xfrm>
-          <a:off x="212270" y="1438607"/>
-          <a:ext cx="1107441" cy="1107441"/>
+          <a:off x="212797" y="1440019"/>
+          <a:ext cx="1105438" cy="1105438"/>
         </a:xfrm>
         <a:prstGeom prst="ellipse">
           <a:avLst/>
         </a:prstGeom>
+        <a:solidFill>
+          <a:schemeClr val="lt1">
+            <a:hueOff val="0"/>
+            <a:satOff val="0"/>
+            <a:lumOff val="0"/>
+            <a:alphaOff val="0"/>
+          </a:schemeClr>
+        </a:solidFill>
+        <a:ln>
+          <a:noFill/>
+        </a:ln>
+        <a:effectLst>
+          <a:outerShdw blurRad="38100" dist="25400" dir="5400000" rotWithShape="0">
+            <a:srgbClr val="000000">
+              <a:alpha val="45000"/>
+            </a:srgbClr>
+          </a:outerShdw>
+        </a:effectLst>
+        <a:scene3d>
+          <a:camera prst="orthographicFront">
+            <a:rot lat="0" lon="0" rev="0"/>
+          </a:camera>
+          <a:lightRig rig="contrasting" dir="t">
+            <a:rot lat="0" lon="0" rev="1200000"/>
+          </a:lightRig>
+        </a:scene3d>
         <a:sp3d contourW="19050" prstMaterial="metal">
           <a:bevelT w="88900" h="203200"/>
           <a:bevelB w="165100" h="254000"/>
@@ -6126,12 +6016,10 @@
       </dsp:spPr>
       <dsp:style>
         <a:lnRef idx="0">
-          <a:schemeClr val="accent1">
-            <a:shade val="80000"/>
-          </a:schemeClr>
+          <a:scrgbClr r="0" g="0" b="0"/>
         </a:lnRef>
         <a:fillRef idx="1">
-          <a:schemeClr val="lt1"/>
+          <a:scrgbClr r="0" g="0" b="0"/>
         </a:fillRef>
         <a:effectRef idx="2">
           <a:scrgbClr r="0" g="0" b="0"/>
@@ -6141,40 +6029,14 @@
         </a:fontRef>
       </dsp:style>
       <dsp:txBody>
-        <a:bodyPr lIns="35560" tIns="35560" rIns="35560" bIns="35560" anchor="ctr"/>
-        <a:lstStyle>
-          <a:lvl1pPr algn="ctr">
-            <a:defRPr sz="2800"/>
-          </a:lvl1pPr>
-          <a:lvl2pPr marL="228600" indent="-228600" algn="ctr">
-            <a:defRPr sz="2100"/>
-          </a:lvl2pPr>
-          <a:lvl3pPr marL="457200" indent="-228600" algn="ctr">
-            <a:defRPr sz="2100"/>
-          </a:lvl3pPr>
-          <a:lvl4pPr marL="685800" indent="-228600" algn="ctr">
-            <a:defRPr sz="2100"/>
-          </a:lvl4pPr>
-          <a:lvl5pPr marL="914400" indent="-228600" algn="ctr">
-            <a:defRPr sz="2100"/>
-          </a:lvl5pPr>
-          <a:lvl6pPr marL="1143000" indent="-228600" algn="ctr">
-            <a:defRPr sz="2100"/>
-          </a:lvl6pPr>
-          <a:lvl7pPr marL="1371600" indent="-228600" algn="ctr">
-            <a:defRPr sz="2100"/>
-          </a:lvl7pPr>
-          <a:lvl8pPr marL="1600200" indent="-228600" algn="ctr">
-            <a:defRPr sz="2100"/>
-          </a:lvl8pPr>
-          <a:lvl9pPr marL="1828800" indent="-228600" algn="ctr">
-            <a:defRPr sz="2100"/>
-          </a:lvl9pPr>
-        </a:lstStyle>
+        <a:bodyPr spcFirstLastPara="0" vert="horz" wrap="square" lIns="34290" tIns="34290" rIns="34290" bIns="34290" numCol="1" spcCol="1270" anchor="ctr" anchorCtr="0">
+          <a:noAutofit/>
+        </a:bodyPr>
+        <a:lstStyle/>
         <a:p>
-          <a:pPr lvl="0">
+          <a:pPr marL="0" lvl="0" indent="0" algn="ctr" defTabSz="1200150">
             <a:lnSpc>
-              <a:spcPct val="100000"/>
+              <a:spcPct val="90000"/>
             </a:lnSpc>
             <a:spcBef>
               <a:spcPct val="0"/>
@@ -6182,36 +6044,28 @@
             <a:spcAft>
               <a:spcPct val="35000"/>
             </a:spcAft>
+            <a:buNone/>
           </a:pPr>
           <a:r>
-            <a:rPr lang="zh-CN" altLang="en-US" dirty="0">
-              <a:solidFill>
-                <a:schemeClr val="dk1"/>
-              </a:solidFill>
-            </a:rPr>
+            <a:rPr lang="zh-CN" altLang="en-US" sz="2700" kern="1200" dirty="0"/>
             <a:t>观察</a:t>
           </a:r>
-          <a:endParaRPr>
-            <a:solidFill>
-              <a:schemeClr val="dk1"/>
-            </a:solidFill>
-          </a:endParaRPr>
         </a:p>
       </dsp:txBody>
       <dsp:txXfrm>
-        <a:off x="212270" y="1438607"/>
-        <a:ext cx="1107441" cy="1107441"/>
+        <a:off x="374685" y="1601907"/>
+        <a:ext cx="781662" cy="781662"/>
       </dsp:txXfrm>
     </dsp:sp>
     <dsp:sp modelId="{CCDD7A97-2D60-4785-986B-2D7BC49D2073}">
       <dsp:nvSpPr>
-        <dsp:cNvPr id="8" name="右箭头 7"/>
+        <dsp:cNvPr id="0" name=""/>
         <dsp:cNvSpPr/>
       </dsp:nvSpPr>
-      <dsp:spPr bwMode="white">
-        <a:xfrm rot="-3599999">
-          <a:off x="1034545" y="1086143"/>
-          <a:ext cx="293472" cy="373761"/>
+      <dsp:spPr>
+        <a:xfrm rot="18000000">
+          <a:off x="1029350" y="1093712"/>
+          <a:ext cx="295035" cy="373085"/>
         </a:xfrm>
         <a:prstGeom prst="rightArrow">
           <a:avLst>
@@ -6219,6 +6073,27 @@
             <a:gd name="adj2" fmla="val 50000"/>
           </a:avLst>
         </a:prstGeom>
+        <a:solidFill>
+          <a:schemeClr val="accent1">
+            <a:tint val="60000"/>
+            <a:hueOff val="0"/>
+            <a:satOff val="0"/>
+            <a:lumOff val="0"/>
+            <a:alphaOff val="0"/>
+          </a:schemeClr>
+        </a:solidFill>
+        <a:ln>
+          <a:noFill/>
+        </a:ln>
+        <a:effectLst/>
+        <a:scene3d>
+          <a:camera prst="orthographicFront">
+            <a:rot lat="0" lon="0" rev="0"/>
+          </a:camera>
+          <a:lightRig rig="contrasting" dir="t">
+            <a:rot lat="0" lon="0" rev="1200000"/>
+          </a:lightRig>
+        </a:scene3d>
         <a:sp3d z="-182000" contourW="19050" prstMaterial="metal">
           <a:bevelT w="88900" h="203200"/>
           <a:bevelB w="165100" h="254000"/>
@@ -6226,14 +6101,10 @@
       </dsp:spPr>
       <dsp:style>
         <a:lnRef idx="0">
-          <a:schemeClr val="accent1">
-            <a:tint val="60000"/>
-          </a:schemeClr>
+          <a:scrgbClr r="0" g="0" b="0"/>
         </a:lnRef>
         <a:fillRef idx="1">
-          <a:schemeClr val="accent1">
-            <a:tint val="60000"/>
-          </a:schemeClr>
+          <a:scrgbClr r="0" g="0" b="0"/>
         </a:fillRef>
         <a:effectRef idx="0">
           <a:scrgbClr r="0" g="0" b="0"/>
@@ -6243,40 +6114,14 @@
         </a:fontRef>
       </dsp:style>
       <dsp:txBody>
-        <a:bodyPr lIns="0" tIns="0" rIns="0" bIns="0" anchor="ctr"/>
-        <a:lstStyle>
-          <a:lvl1pPr algn="ctr">
-            <a:defRPr sz="1400"/>
-          </a:lvl1pPr>
-          <a:lvl2pPr marL="57150" indent="-57150" algn="ctr">
-            <a:defRPr sz="1100"/>
-          </a:lvl2pPr>
-          <a:lvl3pPr marL="114300" indent="-57150" algn="ctr">
-            <a:defRPr sz="1100"/>
-          </a:lvl3pPr>
-          <a:lvl4pPr marL="171450" indent="-57150" algn="ctr">
-            <a:defRPr sz="1100"/>
-          </a:lvl4pPr>
-          <a:lvl5pPr marL="228600" indent="-57150" algn="ctr">
-            <a:defRPr sz="1100"/>
-          </a:lvl5pPr>
-          <a:lvl6pPr marL="285750" indent="-57150" algn="ctr">
-            <a:defRPr sz="1100"/>
-          </a:lvl6pPr>
-          <a:lvl7pPr marL="342900" indent="-57150" algn="ctr">
-            <a:defRPr sz="1100"/>
-          </a:lvl7pPr>
-          <a:lvl8pPr marL="400050" indent="-57150" algn="ctr">
-            <a:defRPr sz="1100"/>
-          </a:lvl8pPr>
-          <a:lvl9pPr marL="457200" indent="-57150" algn="ctr">
-            <a:defRPr sz="1100"/>
-          </a:lvl9pPr>
-        </a:lstStyle>
+        <a:bodyPr spcFirstLastPara="0" vert="horz" wrap="square" lIns="0" tIns="0" rIns="0" bIns="0" numCol="1" spcCol="1270" anchor="ctr" anchorCtr="0">
+          <a:noAutofit/>
+        </a:bodyPr>
+        <a:lstStyle/>
         <a:p>
-          <a:pPr lvl="0">
+          <a:pPr marL="0" lvl="0" indent="0" algn="ctr" defTabSz="711200">
             <a:lnSpc>
-              <a:spcPct val="100000"/>
+              <a:spcPct val="90000"/>
             </a:lnSpc>
             <a:spcBef>
               <a:spcPct val="0"/>
@@ -6284,17 +6129,14 @@
             <a:spcAft>
               <a:spcPct val="35000"/>
             </a:spcAft>
+            <a:buNone/>
           </a:pPr>
-          <a:endParaRPr lang="zh-CN" altLang="en-US">
-            <a:solidFill>
-              <a:schemeClr val="dk1"/>
-            </a:solidFill>
-          </a:endParaRPr>
+          <a:endParaRPr lang="zh-CN" altLang="en-US" sz="1600" kern="1200"/>
         </a:p>
       </dsp:txBody>
-      <dsp:txXfrm rot="-3599999">
-        <a:off x="1034545" y="1086143"/>
-        <a:ext cx="293472" cy="373761"/>
+      <dsp:txXfrm>
+        <a:off x="1051478" y="1206655"/>
+        <a:ext cx="206525" cy="223851"/>
       </dsp:txXfrm>
     </dsp:sp>
   </dsp:spTree>
@@ -6302,7 +6144,7 @@
 </file>
 
 <file path=ppt/diagrams/layout1.xml><?xml version="1.0" encoding="utf-8"?>
-<dgm:layoutDef xmlns:dgm="http://schemas.openxmlformats.org/drawingml/2006/diagram" xmlns:a="http://schemas.openxmlformats.org/drawingml/2006/main" uniqueId="urn:microsoft.com/office/officeart/2005/8/layout/list1">
+<dgm:layoutDef xmlns:dgm="http://schemas.openxmlformats.org/drawingml/2006/diagram" xmlns:a="http://schemas.openxmlformats.org/drawingml/2006/main" uniqueId="urn:microsoft.com/office/officeart/2005/8/layout/list1#1">
   <dgm:title val=""/>
   <dgm:desc val=""/>
   <dgm:catLst>
@@ -6527,7 +6369,7 @@
 </file>
 
 <file path=ppt/diagrams/layout2.xml><?xml version="1.0" encoding="utf-8"?>
-<dgm:layoutDef xmlns:dgm="http://schemas.openxmlformats.org/drawingml/2006/diagram" xmlns:a="http://schemas.openxmlformats.org/drawingml/2006/main" uniqueId="urn:microsoft.com/office/officeart/2005/8/layout/list1">
+<dgm:layoutDef xmlns:dgm="http://schemas.openxmlformats.org/drawingml/2006/diagram" xmlns:a="http://schemas.openxmlformats.org/drawingml/2006/main" uniqueId="urn:microsoft.com/office/officeart/2005/8/layout/list1#2">
   <dgm:title val=""/>
   <dgm:desc val=""/>
   <dgm:catLst>
@@ -6752,7 +6594,7 @@
 </file>
 
 <file path=ppt/diagrams/layout3.xml><?xml version="1.0" encoding="utf-8"?>
-<dgm:layoutDef xmlns:dgm="http://schemas.openxmlformats.org/drawingml/2006/diagram" xmlns:a="http://schemas.openxmlformats.org/drawingml/2006/main" uniqueId="urn:microsoft.com/office/officeart/2005/8/layout/list1">
+<dgm:layoutDef xmlns:dgm="http://schemas.openxmlformats.org/drawingml/2006/diagram" xmlns:a="http://schemas.openxmlformats.org/drawingml/2006/main" uniqueId="urn:microsoft.com/office/officeart/2005/8/layout/list1#3">
   <dgm:title val=""/>
   <dgm:desc val=""/>
   <dgm:catLst>
@@ -7188,7 +7030,7 @@
 </file>
 
 <file path=ppt/diagrams/quickStyle1.xml><?xml version="1.0" encoding="utf-8"?>
-<dgm:styleDef xmlns:dgm="http://schemas.openxmlformats.org/drawingml/2006/diagram" xmlns:a="http://schemas.openxmlformats.org/drawingml/2006/main" uniqueId="urn:microsoft.com/office/officeart/2005/8/quickstyle/3d1">
+<dgm:styleDef xmlns:dgm="http://schemas.openxmlformats.org/drawingml/2006/diagram" xmlns:a="http://schemas.openxmlformats.org/drawingml/2006/main" uniqueId="urn:microsoft.com/office/officeart/2005/8/quickstyle/3d1#1">
   <dgm:title val=""/>
   <dgm:desc val=""/>
   <dgm:catLst>
@@ -8108,6 +7950,7 @@
       <a:camera prst="orthographicFront"/>
       <a:lightRig rig="threePt" dir="t"/>
     </dgm:scene3d>
+    <dgm:sp3d/>
     <dgm:txPr/>
     <dgm:style>
       <a:lnRef idx="0">
@@ -8304,7 +8147,7 @@
 </file>
 
 <file path=ppt/diagrams/quickStyle2.xml><?xml version="1.0" encoding="utf-8"?>
-<dgm:styleDef xmlns:dgm="http://schemas.openxmlformats.org/drawingml/2006/diagram" xmlns:a="http://schemas.openxmlformats.org/drawingml/2006/main" uniqueId="urn:microsoft.com/office/officeart/2005/8/quickstyle/3d1">
+<dgm:styleDef xmlns:dgm="http://schemas.openxmlformats.org/drawingml/2006/diagram" xmlns:a="http://schemas.openxmlformats.org/drawingml/2006/main" uniqueId="urn:microsoft.com/office/officeart/2005/8/quickstyle/3d1#2">
   <dgm:title val=""/>
   <dgm:desc val=""/>
   <dgm:catLst>
@@ -9224,6 +9067,7 @@
       <a:camera prst="orthographicFront"/>
       <a:lightRig rig="threePt" dir="t"/>
     </dgm:scene3d>
+    <dgm:sp3d/>
     <dgm:txPr/>
     <dgm:style>
       <a:lnRef idx="0">
@@ -9420,7 +9264,7 @@
 </file>
 
 <file path=ppt/diagrams/quickStyle3.xml><?xml version="1.0" encoding="utf-8"?>
-<dgm:styleDef xmlns:dgm="http://schemas.openxmlformats.org/drawingml/2006/diagram" xmlns:a="http://schemas.openxmlformats.org/drawingml/2006/main" uniqueId="urn:microsoft.com/office/officeart/2005/8/quickstyle/3d1">
+<dgm:styleDef xmlns:dgm="http://schemas.openxmlformats.org/drawingml/2006/diagram" xmlns:a="http://schemas.openxmlformats.org/drawingml/2006/main" uniqueId="urn:microsoft.com/office/officeart/2005/8/quickstyle/3d1#3">
   <dgm:title val=""/>
   <dgm:desc val=""/>
   <dgm:catLst>
@@ -10340,6 +10184,7 @@
       <a:camera prst="orthographicFront"/>
       <a:lightRig rig="threePt" dir="t"/>
     </dgm:scene3d>
+    <dgm:sp3d/>
     <dgm:txPr/>
     <dgm:style>
       <a:lnRef idx="0">
@@ -10536,7 +10381,7 @@
 </file>
 
 <file path=ppt/diagrams/quickStyle4.xml><?xml version="1.0" encoding="utf-8"?>
-<dgm:styleDef xmlns:dgm="http://schemas.openxmlformats.org/drawingml/2006/diagram" xmlns:a="http://schemas.openxmlformats.org/drawingml/2006/main" uniqueId="urn:microsoft.com/office/officeart/2005/8/quickstyle/3d3">
+<dgm:styleDef xmlns:dgm="http://schemas.openxmlformats.org/drawingml/2006/diagram" xmlns:a="http://schemas.openxmlformats.org/drawingml/2006/main" uniqueId="urn:microsoft.com/office/officeart/2005/8/quickstyle/3d3#1">
   <dgm:title val=""/>
   <dgm:desc val=""/>
   <dgm:catLst>
@@ -11633,6 +11478,7 @@
       <a:camera prst="orthographicFront"/>
       <a:lightRig rig="threePt" dir="t"/>
     </dgm:scene3d>
+    <dgm:sp3d/>
     <dgm:txPr/>
     <dgm:style>
       <a:lnRef idx="1">
@@ -11946,6 +11792,7 @@
           <a:p>
             <a:fld id="{285264BB-8F8A-4D4A-88A3-0640162C694A}" type="datetimeFigureOut">
               <a:rPr lang="zh-CN" altLang="en-US" smtClean="0"/>
+              <a:t>2025/3/27</a:t>
             </a:fld>
             <a:endParaRPr lang="zh-CN" altLang="en-US"/>
           </a:p>
@@ -12011,12 +11858,18 @@
           <a:p>
             <a:fld id="{77C4C300-FA31-4E9D-9A8C-27CF7639F7FE}" type="slidenum">
               <a:rPr lang="zh-CN" altLang="en-US" smtClean="0"/>
+              <a:t>‹#›</a:t>
             </a:fld>
             <a:endParaRPr lang="zh-CN" altLang="en-US"/>
           </a:p>
         </p:txBody>
       </p:sp>
     </p:spTree>
+    <p:extLst>
+      <p:ext uri="{BB962C8B-B14F-4D97-AF65-F5344CB8AC3E}">
+        <p14:creationId xmlns:p14="http://schemas.microsoft.com/office/powerpoint/2010/main" val="1"/>
+      </p:ext>
+    </p:extLst>
   </p:cSld>
   <p:clrMap bg1="lt1" tx1="dk1" bg2="lt2" tx2="dk2" accent1="accent1" accent2="accent2" accent3="accent3" accent4="accent4" accent5="accent5" accent6="accent6" hlink="hlink" folHlink="folHlink"/>
 </p:handoutMaster>
@@ -12104,6 +11957,7 @@
           <a:p>
             <a:fld id="{C3C1C5A8-D213-43C4-B748-86D822F1E0AF}" type="datetimeFigureOut">
               <a:rPr lang="zh-CN" altLang="en-US" smtClean="0"/>
+              <a:t>2025/3/27</a:t>
             </a:fld>
             <a:endParaRPr lang="zh-CN" altLang="en-US"/>
           </a:p>
@@ -12170,7 +12024,6 @@
               <a:rPr lang="zh-CN" altLang="en-US"/>
               <a:t>单击此处编辑母版文本样式</a:t>
             </a:r>
-            <a:endParaRPr lang="zh-CN" altLang="en-US"/>
           </a:p>
           <a:p>
             <a:pPr lvl="1"/>
@@ -12178,7 +12031,6 @@
               <a:rPr lang="zh-CN" altLang="en-US"/>
               <a:t>二级</a:t>
             </a:r>
-            <a:endParaRPr lang="zh-CN" altLang="en-US"/>
           </a:p>
           <a:p>
             <a:pPr lvl="2"/>
@@ -12186,7 +12038,6 @@
               <a:rPr lang="zh-CN" altLang="en-US"/>
               <a:t>三级</a:t>
             </a:r>
-            <a:endParaRPr lang="zh-CN" altLang="en-US"/>
           </a:p>
           <a:p>
             <a:pPr lvl="3"/>
@@ -12194,7 +12045,6 @@
               <a:rPr lang="zh-CN" altLang="en-US"/>
               <a:t>四级</a:t>
             </a:r>
-            <a:endParaRPr lang="zh-CN" altLang="en-US"/>
           </a:p>
           <a:p>
             <a:pPr lvl="4"/>
@@ -12202,7 +12052,6 @@
               <a:rPr lang="zh-CN" altLang="en-US"/>
               <a:t>五级</a:t>
             </a:r>
-            <a:endParaRPr lang="zh-CN" altLang="en-US"/>
           </a:p>
         </p:txBody>
       </p:sp>
@@ -12266,6 +12115,7 @@
           <a:p>
             <a:fld id="{5DE12CCA-7540-48DB-8E56-327F4EA06BC9}" type="slidenum">
               <a:rPr lang="zh-CN" altLang="en-US" smtClean="0"/>
+              <a:t>‹#›</a:t>
             </a:fld>
             <a:endParaRPr lang="zh-CN" altLang="en-US"/>
           </a:p>
@@ -12433,7 +12283,6 @@
               <a:rPr lang="zh-CN" altLang="en-US" dirty="0"/>
               <a:t>说一下定位，实际上就是一个前端</a:t>
             </a:r>
-            <a:endParaRPr lang="zh-CN" altLang="en-US" dirty="0"/>
           </a:p>
           <a:p>
             <a:r>
@@ -12463,7 +12312,6 @@
               <a:rPr lang="zh-CN" altLang="en-US" dirty="0"/>
               <a:t>换三次模型演示</a:t>
             </a:r>
-            <a:endParaRPr lang="zh-CN" altLang="en-US" dirty="0"/>
           </a:p>
         </p:txBody>
       </p:sp>
@@ -12484,6 +12332,7 @@
           <a:p>
             <a:fld id="{5DE12CCA-7540-48DB-8E56-327F4EA06BC9}" type="slidenum">
               <a:rPr lang="zh-CN" altLang="en-US" smtClean="0"/>
+              <a:t>1</a:t>
             </a:fld>
             <a:endParaRPr lang="zh-CN" altLang="en-US"/>
           </a:p>
@@ -12562,6 +12411,7 @@
           <a:p>
             <a:fld id="{5DE12CCA-7540-48DB-8E56-327F4EA06BC9}" type="slidenum">
               <a:rPr lang="zh-CN" altLang="en-US" smtClean="0"/>
+              <a:t>10</a:t>
             </a:fld>
             <a:endParaRPr lang="zh-CN" altLang="en-US"/>
           </a:p>
@@ -12640,6 +12490,7 @@
           <a:p>
             <a:fld id="{5DE12CCA-7540-48DB-8E56-327F4EA06BC9}" type="slidenum">
               <a:rPr lang="zh-CN" altLang="en-US" smtClean="0"/>
+              <a:t>11</a:t>
             </a:fld>
             <a:endParaRPr lang="zh-CN" altLang="en-US"/>
           </a:p>
@@ -12734,6 +12585,7 @@
           <a:p>
             <a:fld id="{5DE12CCA-7540-48DB-8E56-327F4EA06BC9}" type="slidenum">
               <a:rPr lang="zh-CN" altLang="en-US" smtClean="0"/>
+              <a:t>12</a:t>
             </a:fld>
             <a:endParaRPr lang="zh-CN" altLang="en-US"/>
           </a:p>
@@ -12795,7 +12647,6 @@
               <a:rPr lang="zh-CN" altLang="en-US" dirty="0"/>
               <a:t>重开演示一下模型词表什么的</a:t>
             </a:r>
-            <a:endParaRPr lang="zh-CN" altLang="en-US" dirty="0"/>
           </a:p>
         </p:txBody>
       </p:sp>
@@ -12816,6 +12667,7 @@
           <a:p>
             <a:fld id="{5DE12CCA-7540-48DB-8E56-327F4EA06BC9}" type="slidenum">
               <a:rPr lang="zh-CN" altLang="en-US" smtClean="0"/>
+              <a:t>13</a:t>
             </a:fld>
             <a:endParaRPr lang="zh-CN" altLang="en-US"/>
           </a:p>
@@ -12877,7 +12729,6 @@
               <a:rPr lang="zh-CN" altLang="en-US" dirty="0"/>
               <a:t>演示一下</a:t>
             </a:r>
-            <a:endParaRPr lang="zh-CN" altLang="en-US" dirty="0"/>
           </a:p>
         </p:txBody>
       </p:sp>
@@ -12898,6 +12749,7 @@
           <a:p>
             <a:fld id="{5DE12CCA-7540-48DB-8E56-327F4EA06BC9}" type="slidenum">
               <a:rPr lang="zh-CN" altLang="en-US" smtClean="0"/>
+              <a:t>14</a:t>
             </a:fld>
             <a:endParaRPr lang="zh-CN" altLang="en-US"/>
           </a:p>
@@ -12959,7 +12811,6 @@
               <a:rPr lang="zh-CN" altLang="en-US" dirty="0"/>
               <a:t>演示一下</a:t>
             </a:r>
-            <a:endParaRPr lang="zh-CN" altLang="en-US" dirty="0"/>
           </a:p>
         </p:txBody>
       </p:sp>
@@ -12980,6 +12831,7 @@
           <a:p>
             <a:fld id="{5DE12CCA-7540-48DB-8E56-327F4EA06BC9}" type="slidenum">
               <a:rPr lang="zh-CN" altLang="en-US" smtClean="0"/>
+              <a:t>15</a:t>
             </a:fld>
             <a:endParaRPr lang="zh-CN" altLang="en-US"/>
           </a:p>
@@ -13104,6 +12956,7 @@
           <a:p>
             <a:fld id="{5DE12CCA-7540-48DB-8E56-327F4EA06BC9}" type="slidenum">
               <a:rPr lang="zh-CN" altLang="en-US" smtClean="0"/>
+              <a:t>16</a:t>
             </a:fld>
             <a:endParaRPr lang="zh-CN" altLang="en-US"/>
           </a:p>
@@ -13195,6 +13048,7 @@
           <a:p>
             <a:fld id="{5DE12CCA-7540-48DB-8E56-327F4EA06BC9}" type="slidenum">
               <a:rPr lang="zh-CN" altLang="en-US" smtClean="0"/>
+              <a:t>17</a:t>
             </a:fld>
             <a:endParaRPr lang="zh-CN" altLang="en-US"/>
           </a:p>
@@ -13271,7 +13125,6 @@
               <a:rPr lang="zh-CN" altLang="en-US" dirty="0"/>
               <a:t>感谢大家观看</a:t>
             </a:r>
-            <a:endParaRPr lang="zh-CN" altLang="en-US" dirty="0"/>
           </a:p>
         </p:txBody>
       </p:sp>
@@ -13292,6 +13145,7 @@
           <a:p>
             <a:fld id="{5DE12CCA-7540-48DB-8E56-327F4EA06BC9}" type="slidenum">
               <a:rPr lang="zh-CN" altLang="en-US" smtClean="0"/>
+              <a:t>18</a:t>
             </a:fld>
             <a:endParaRPr lang="zh-CN" altLang="en-US"/>
           </a:p>
@@ -13370,6 +13224,7 @@
           <a:p>
             <a:fld id="{5DE12CCA-7540-48DB-8E56-327F4EA06BC9}" type="slidenum">
               <a:rPr lang="zh-CN" altLang="en-US" smtClean="0"/>
+              <a:t>19</a:t>
             </a:fld>
             <a:endParaRPr lang="zh-CN" altLang="en-US"/>
           </a:p>
@@ -13448,6 +13303,7 @@
           <a:p>
             <a:fld id="{5DE12CCA-7540-48DB-8E56-327F4EA06BC9}" type="slidenum">
               <a:rPr lang="zh-CN" altLang="en-US" smtClean="0"/>
+              <a:t>2</a:t>
             </a:fld>
             <a:endParaRPr lang="zh-CN" altLang="en-US"/>
           </a:p>
@@ -13526,6 +13382,7 @@
           <a:p>
             <a:fld id="{5DE12CCA-7540-48DB-8E56-327F4EA06BC9}" type="slidenum">
               <a:rPr lang="zh-CN" altLang="en-US" smtClean="0"/>
+              <a:t>20</a:t>
             </a:fld>
             <a:endParaRPr lang="zh-CN" altLang="en-US"/>
           </a:p>
@@ -13637,7 +13494,6 @@
               <a:rPr lang="en-US" altLang="zh-CN" dirty="0"/>
               <a:t>?</a:t>
             </a:r>
-            <a:endParaRPr lang="en-US" altLang="zh-CN" dirty="0"/>
           </a:p>
           <a:p>
             <a:pPr marL="0" marR="0" lvl="0" indent="0" algn="l" defTabSz="914400" rtl="0" eaLnBrk="1" fontAlgn="auto" latinLnBrk="0" hangingPunct="1">
@@ -13746,6 +13602,7 @@
           <a:p>
             <a:fld id="{5DE12CCA-7540-48DB-8E56-327F4EA06BC9}" type="slidenum">
               <a:rPr lang="zh-CN" altLang="en-US" smtClean="0"/>
+              <a:t>21</a:t>
             </a:fld>
             <a:endParaRPr lang="zh-CN" altLang="en-US"/>
           </a:p>
@@ -13814,7 +13671,6 @@
               <a:rPr lang="zh-CN" altLang="en-US" dirty="0"/>
               <a:t>板书画出一个一个神经元组合</a:t>
             </a:r>
-            <a:endParaRPr lang="zh-CN" altLang="en-US" dirty="0"/>
           </a:p>
         </p:txBody>
       </p:sp>
@@ -13835,6 +13691,7 @@
           <a:p>
             <a:fld id="{5DE12CCA-7540-48DB-8E56-327F4EA06BC9}" type="slidenum">
               <a:rPr lang="zh-CN" altLang="en-US" smtClean="0"/>
+              <a:t>22</a:t>
             </a:fld>
             <a:endParaRPr lang="zh-CN" altLang="en-US"/>
           </a:p>
@@ -13913,6 +13770,7 @@
           <a:p>
             <a:fld id="{5DE12CCA-7540-48DB-8E56-327F4EA06BC9}" type="slidenum">
               <a:rPr lang="zh-CN" altLang="en-US" smtClean="0"/>
+              <a:t>23</a:t>
             </a:fld>
             <a:endParaRPr lang="zh-CN" altLang="en-US"/>
           </a:p>
@@ -13974,7 +13832,6 @@
               <a:rPr lang="zh-CN" altLang="en-US" dirty="0"/>
               <a:t>大模型怎么运行呢？</a:t>
             </a:r>
-            <a:endParaRPr lang="zh-CN" altLang="en-US" dirty="0"/>
           </a:p>
         </p:txBody>
       </p:sp>
@@ -13995,6 +13852,7 @@
           <a:p>
             <a:fld id="{5DE12CCA-7540-48DB-8E56-327F4EA06BC9}" type="slidenum">
               <a:rPr lang="zh-CN" altLang="en-US" smtClean="0"/>
+              <a:t>24</a:t>
             </a:fld>
             <a:endParaRPr lang="zh-CN" altLang="en-US"/>
           </a:p>
@@ -14073,6 +13931,7 @@
           <a:p>
             <a:fld id="{5DE12CCA-7540-48DB-8E56-327F4EA06BC9}" type="slidenum">
               <a:rPr lang="zh-CN" altLang="en-US" smtClean="0"/>
+              <a:t>25</a:t>
             </a:fld>
             <a:endParaRPr lang="zh-CN" altLang="en-US"/>
           </a:p>
@@ -14151,6 +14010,7 @@
           <a:p>
             <a:fld id="{5DE12CCA-7540-48DB-8E56-327F4EA06BC9}" type="slidenum">
               <a:rPr lang="zh-CN" altLang="en-US" smtClean="0"/>
+              <a:t>26</a:t>
             </a:fld>
             <a:endParaRPr lang="zh-CN" altLang="en-US"/>
           </a:p>
@@ -14212,7 +14072,6 @@
               <a:rPr lang="zh-CN" altLang="en-US" dirty="0"/>
               <a:t>掌握三个控制因素</a:t>
             </a:r>
-            <a:endParaRPr lang="zh-CN" altLang="en-US" dirty="0"/>
           </a:p>
         </p:txBody>
       </p:sp>
@@ -14233,6 +14092,7 @@
           <a:p>
             <a:fld id="{5DE12CCA-7540-48DB-8E56-327F4EA06BC9}" type="slidenum">
               <a:rPr lang="zh-CN" altLang="en-US" smtClean="0"/>
+              <a:t>27</a:t>
             </a:fld>
             <a:endParaRPr lang="zh-CN" altLang="en-US"/>
           </a:p>
@@ -14323,7 +14183,6 @@
               <a:rPr lang="zh-CN" altLang="en-US" dirty="0"/>
               <a:t>第二种直接用原始的大模型可能会继续提问</a:t>
             </a:r>
-            <a:endParaRPr lang="zh-CN" altLang="en-US" dirty="0"/>
           </a:p>
         </p:txBody>
       </p:sp>
@@ -14344,6 +14203,7 @@
           <a:p>
             <a:fld id="{5DE12CCA-7540-48DB-8E56-327F4EA06BC9}" type="slidenum">
               <a:rPr lang="zh-CN" altLang="en-US" smtClean="0"/>
+              <a:t>28</a:t>
             </a:fld>
             <a:endParaRPr lang="zh-CN" altLang="en-US"/>
           </a:p>
@@ -14405,7 +14265,6 @@
               <a:rPr lang="zh-CN" altLang="en-US" dirty="0"/>
               <a:t>这里大家知道结论就行</a:t>
             </a:r>
-            <a:endParaRPr lang="zh-CN" altLang="en-US" dirty="0"/>
           </a:p>
         </p:txBody>
       </p:sp>
@@ -14426,6 +14285,7 @@
           <a:p>
             <a:fld id="{5DE12CCA-7540-48DB-8E56-327F4EA06BC9}" type="slidenum">
               <a:rPr lang="zh-CN" altLang="en-US" smtClean="0"/>
+              <a:t>29</a:t>
             </a:fld>
             <a:endParaRPr lang="zh-CN" altLang="en-US"/>
           </a:p>
@@ -14487,7 +14347,6 @@
               <a:rPr lang="zh-CN" altLang="en-US" dirty="0"/>
               <a:t>先下载一个机体和模型</a:t>
             </a:r>
-            <a:endParaRPr lang="zh-CN" altLang="en-US" dirty="0"/>
           </a:p>
         </p:txBody>
       </p:sp>
@@ -14508,6 +14367,7 @@
           <a:p>
             <a:fld id="{5DE12CCA-7540-48DB-8E56-327F4EA06BC9}" type="slidenum">
               <a:rPr lang="zh-CN" altLang="en-US" smtClean="0"/>
+              <a:t>3</a:t>
             </a:fld>
             <a:endParaRPr lang="zh-CN" altLang="en-US"/>
           </a:p>
@@ -14583,7 +14443,6 @@
               <a:rPr lang="zh-CN" altLang="en-US" dirty="0"/>
               <a:t>要有目的性的砍掉，保留主旨，为后面的输出预留空间</a:t>
             </a:r>
-            <a:endParaRPr lang="zh-CN" altLang="en-US" dirty="0"/>
           </a:p>
         </p:txBody>
       </p:sp>
@@ -14604,6 +14463,7 @@
           <a:p>
             <a:fld id="{5DE12CCA-7540-48DB-8E56-327F4EA06BC9}" type="slidenum">
               <a:rPr lang="zh-CN" altLang="en-US" smtClean="0"/>
+              <a:t>30</a:t>
             </a:fld>
             <a:endParaRPr lang="zh-CN" altLang="en-US"/>
           </a:p>
@@ -14686,6 +14546,7 @@
           <a:p>
             <a:fld id="{5DE12CCA-7540-48DB-8E56-327F4EA06BC9}" type="slidenum">
               <a:rPr lang="zh-CN" altLang="en-US" smtClean="0"/>
+              <a:t>31</a:t>
             </a:fld>
             <a:endParaRPr lang="zh-CN" altLang="en-US"/>
           </a:p>
@@ -14747,7 +14608,6 @@
               <a:rPr lang="zh-CN" altLang="en-US" dirty="0"/>
               <a:t>还有没有人记得大语言模型的运行原理啊，一句话</a:t>
             </a:r>
-            <a:endParaRPr lang="zh-CN" altLang="en-US" dirty="0"/>
           </a:p>
         </p:txBody>
       </p:sp>
@@ -14768,6 +14628,7 @@
           <a:p>
             <a:fld id="{5DE12CCA-7540-48DB-8E56-327F4EA06BC9}" type="slidenum">
               <a:rPr lang="zh-CN" altLang="en-US" smtClean="0"/>
+              <a:t>32</a:t>
             </a:fld>
             <a:endParaRPr lang="zh-CN" altLang="en-US"/>
           </a:p>
@@ -14836,7 +14697,6 @@
               <a:rPr lang="zh-CN" altLang="en-US" dirty="0"/>
               <a:t>引出知识库问答流程</a:t>
             </a:r>
-            <a:endParaRPr lang="zh-CN" altLang="en-US" dirty="0"/>
           </a:p>
         </p:txBody>
       </p:sp>
@@ -14857,6 +14717,7 @@
           <a:p>
             <a:fld id="{5DE12CCA-7540-48DB-8E56-327F4EA06BC9}" type="slidenum">
               <a:rPr lang="zh-CN" altLang="en-US" smtClean="0"/>
+              <a:t>33</a:t>
             </a:fld>
             <a:endParaRPr lang="zh-CN" altLang="en-US"/>
           </a:p>
@@ -14932,7 +14793,6 @@
               <a:rPr lang="zh-CN" altLang="en-US" dirty="0"/>
               <a:t>怎么做。。。</a:t>
             </a:r>
-            <a:endParaRPr lang="zh-CN" altLang="en-US" dirty="0"/>
           </a:p>
         </p:txBody>
       </p:sp>
@@ -14953,6 +14813,7 @@
           <a:p>
             <a:fld id="{5DE12CCA-7540-48DB-8E56-327F4EA06BC9}" type="slidenum">
               <a:rPr lang="zh-CN" altLang="en-US" smtClean="0"/>
+              <a:t>34</a:t>
             </a:fld>
             <a:endParaRPr lang="zh-CN" altLang="en-US"/>
           </a:p>
@@ -15035,7 +14896,6 @@
               <a:rPr lang="zh-CN" altLang="en-US" dirty="0"/>
               <a:t>为什么需要这个东西引出下一节</a:t>
             </a:r>
-            <a:endParaRPr lang="zh-CN" altLang="en-US" dirty="0"/>
           </a:p>
         </p:txBody>
       </p:sp>
@@ -15056,6 +14916,7 @@
           <a:p>
             <a:fld id="{5DE12CCA-7540-48DB-8E56-327F4EA06BC9}" type="slidenum">
               <a:rPr lang="zh-CN" altLang="en-US" smtClean="0"/>
+              <a:t>35</a:t>
             </a:fld>
             <a:endParaRPr lang="zh-CN" altLang="en-US"/>
           </a:p>
@@ -17043,15 +16904,6 @@
               </a:rPr>
               <a:t>(op</a:t>
             </a:r>
-            <a:endParaRPr lang="en-US" altLang="zh-CN" dirty="0">
-              <a:solidFill>
-                <a:srgbClr val="000000"/>
-              </a:solidFill>
-              <a:effectLst/>
-              <a:highlight>
-                <a:srgbClr val="00FF00"/>
-              </a:highlight>
-            </a:endParaRPr>
           </a:p>
           <a:p>
             <a:pPr marL="0" indent="0">
@@ -17130,15 +16982,6 @@
               </a:rPr>
               <a:t>Assistant:</a:t>
             </a:r>
-            <a:endParaRPr lang="en-US" altLang="zh-CN" dirty="0">
-              <a:solidFill>
-                <a:srgbClr val="0000FF"/>
-              </a:solidFill>
-              <a:effectLst/>
-              <a:highlight>
-                <a:srgbClr val="FF00FF"/>
-              </a:highlight>
-            </a:endParaRPr>
           </a:p>
         </p:txBody>
       </p:sp>
@@ -17159,6 +17002,7 @@
           <a:p>
             <a:fld id="{5DE12CCA-7540-48DB-8E56-327F4EA06BC9}" type="slidenum">
               <a:rPr lang="zh-CN" altLang="en-US" smtClean="0"/>
+              <a:t>36</a:t>
             </a:fld>
             <a:endParaRPr lang="zh-CN" altLang="en-US"/>
           </a:p>
@@ -17220,7 +17064,6 @@
               <a:rPr lang="zh-CN" altLang="en-US" dirty="0"/>
               <a:t>知识库还不够</a:t>
             </a:r>
-            <a:endParaRPr lang="zh-CN" altLang="en-US" dirty="0"/>
           </a:p>
         </p:txBody>
       </p:sp>
@@ -17241,6 +17084,7 @@
           <a:p>
             <a:fld id="{5DE12CCA-7540-48DB-8E56-327F4EA06BC9}" type="slidenum">
               <a:rPr lang="zh-CN" altLang="en-US" smtClean="0"/>
+              <a:t>38</a:t>
             </a:fld>
             <a:endParaRPr lang="zh-CN" altLang="en-US"/>
           </a:p>
@@ -17319,6 +17163,7 @@
           <a:p>
             <a:fld id="{5DE12CCA-7540-48DB-8E56-327F4EA06BC9}" type="slidenum">
               <a:rPr lang="zh-CN" altLang="en-US" smtClean="0"/>
+              <a:t>39</a:t>
             </a:fld>
             <a:endParaRPr lang="zh-CN" altLang="en-US"/>
           </a:p>
@@ -17404,6 +17249,7 @@
           <a:p>
             <a:fld id="{5DE12CCA-7540-48DB-8E56-327F4EA06BC9}" type="slidenum">
               <a:rPr lang="zh-CN" altLang="en-US" smtClean="0"/>
+              <a:t>40</a:t>
             </a:fld>
             <a:endParaRPr lang="zh-CN" altLang="en-US"/>
           </a:p>
@@ -17476,7 +17322,6 @@
               <a:rPr lang="zh-CN" altLang="en-US" dirty="0"/>
               <a:t>演示装载模型简单聊天</a:t>
             </a:r>
-            <a:endParaRPr lang="zh-CN" altLang="en-US" dirty="0"/>
           </a:p>
         </p:txBody>
       </p:sp>
@@ -17497,6 +17342,7 @@
           <a:p>
             <a:fld id="{5DE12CCA-7540-48DB-8E56-327F4EA06BC9}" type="slidenum">
               <a:rPr lang="zh-CN" altLang="en-US" smtClean="0"/>
+              <a:t>4</a:t>
             </a:fld>
             <a:endParaRPr lang="zh-CN" altLang="en-US"/>
           </a:p>
@@ -17580,7 +17426,6 @@
               <a:rPr lang="zh-CN" altLang="en-US" dirty="0"/>
               <a:t>字段</a:t>
             </a:r>
-            <a:endParaRPr lang="zh-CN" altLang="en-US" dirty="0"/>
           </a:p>
         </p:txBody>
       </p:sp>
@@ -17601,6 +17446,7 @@
           <a:p>
             <a:fld id="{5DE12CCA-7540-48DB-8E56-327F4EA06BC9}" type="slidenum">
               <a:rPr lang="zh-CN" altLang="en-US" smtClean="0"/>
+              <a:t>41</a:t>
             </a:fld>
             <a:endParaRPr lang="zh-CN" altLang="en-US"/>
           </a:p>
@@ -17688,7 +17534,6 @@
               <a:rPr lang="en-US" altLang="zh-CN" dirty="0"/>
               <a:t>888*999</a:t>
             </a:r>
-            <a:endParaRPr lang="en-US" altLang="zh-CN" dirty="0"/>
           </a:p>
           <a:p>
             <a:r>
@@ -17721,6 +17566,7 @@
           <a:p>
             <a:fld id="{5DE12CCA-7540-48DB-8E56-327F4EA06BC9}" type="slidenum">
               <a:rPr lang="zh-CN" altLang="en-US" smtClean="0"/>
+              <a:t>42</a:t>
             </a:fld>
             <a:endParaRPr lang="zh-CN" altLang="en-US"/>
           </a:p>
@@ -17803,6 +17649,7 @@
           <a:p>
             <a:fld id="{5DE12CCA-7540-48DB-8E56-327F4EA06BC9}" type="slidenum">
               <a:rPr lang="zh-CN" altLang="en-US" smtClean="0"/>
+              <a:t>43</a:t>
             </a:fld>
             <a:endParaRPr lang="zh-CN" altLang="en-US"/>
           </a:p>
@@ -17890,6 +17737,7 @@
           <a:p>
             <a:fld id="{5DE12CCA-7540-48DB-8E56-327F4EA06BC9}" type="slidenum">
               <a:rPr lang="zh-CN" altLang="en-US" smtClean="0"/>
+              <a:t>44</a:t>
             </a:fld>
             <a:endParaRPr lang="zh-CN" altLang="en-US"/>
           </a:p>
@@ -17951,7 +17799,6 @@
               <a:rPr lang="zh-CN" altLang="en-US" dirty="0"/>
               <a:t>项目结构</a:t>
             </a:r>
-            <a:endParaRPr lang="zh-CN" altLang="en-US" dirty="0"/>
           </a:p>
         </p:txBody>
       </p:sp>
@@ -17972,6 +17819,7 @@
           <a:p>
             <a:fld id="{5DE12CCA-7540-48DB-8E56-327F4EA06BC9}" type="slidenum">
               <a:rPr lang="zh-CN" altLang="en-US" smtClean="0"/>
+              <a:t>45</a:t>
             </a:fld>
             <a:endParaRPr lang="zh-CN" altLang="en-US"/>
           </a:p>
@@ -18033,7 +17881,6 @@
               <a:rPr lang="zh-CN" altLang="en-US" dirty="0"/>
               <a:t>讲一下记忆</a:t>
             </a:r>
-            <a:endParaRPr lang="zh-CN" altLang="en-US" dirty="0"/>
           </a:p>
         </p:txBody>
       </p:sp>
@@ -18054,6 +17901,7 @@
           <a:p>
             <a:fld id="{5DE12CCA-7540-48DB-8E56-327F4EA06BC9}" type="slidenum">
               <a:rPr lang="zh-CN" altLang="en-US" smtClean="0"/>
+              <a:t>5</a:t>
             </a:fld>
             <a:endParaRPr lang="zh-CN" altLang="en-US"/>
           </a:p>
@@ -18130,7 +17978,6 @@
               <a:rPr lang="zh-CN" altLang="en-US" dirty="0"/>
               <a:t>参数都有有提示</a:t>
             </a:r>
-            <a:endParaRPr lang="zh-CN" altLang="en-US" dirty="0"/>
           </a:p>
         </p:txBody>
       </p:sp>
@@ -18151,6 +17998,7 @@
           <a:p>
             <a:fld id="{5DE12CCA-7540-48DB-8E56-327F4EA06BC9}" type="slidenum">
               <a:rPr lang="zh-CN" altLang="en-US" smtClean="0"/>
+              <a:t>6</a:t>
             </a:fld>
             <a:endParaRPr lang="zh-CN" altLang="en-US"/>
           </a:p>
@@ -18229,6 +18077,7 @@
           <a:p>
             <a:fld id="{5DE12CCA-7540-48DB-8E56-327F4EA06BC9}" type="slidenum">
               <a:rPr lang="zh-CN" altLang="en-US" smtClean="0"/>
+              <a:t>7</a:t>
             </a:fld>
             <a:endParaRPr lang="zh-CN" altLang="en-US"/>
           </a:p>
@@ -18290,7 +18139,6 @@
               <a:rPr lang="zh-CN" altLang="en-US" dirty="0"/>
               <a:t>机体会预先将系统指令解码提高推理速度</a:t>
             </a:r>
-            <a:endParaRPr lang="zh-CN" altLang="en-US" dirty="0"/>
           </a:p>
         </p:txBody>
       </p:sp>
@@ -18311,6 +18159,7 @@
           <a:p>
             <a:fld id="{5DE12CCA-7540-48DB-8E56-327F4EA06BC9}" type="slidenum">
               <a:rPr lang="zh-CN" altLang="en-US" smtClean="0"/>
+              <a:t>8</a:t>
             </a:fld>
             <a:endParaRPr lang="zh-CN" altLang="en-US"/>
           </a:p>
@@ -18387,7 +18236,6 @@
               <a:rPr lang="zh-CN" altLang="en-US" dirty="0"/>
               <a:t>会大大降智，并且系统指令太长导致爆显存机体闪退</a:t>
             </a:r>
-            <a:endParaRPr lang="zh-CN" altLang="en-US" dirty="0"/>
           </a:p>
         </p:txBody>
       </p:sp>
@@ -18408,6 +18256,7 @@
           <a:p>
             <a:fld id="{5DE12CCA-7540-48DB-8E56-327F4EA06BC9}" type="slidenum">
               <a:rPr lang="zh-CN" altLang="en-US" smtClean="0"/>
+              <a:t>9</a:t>
             </a:fld>
             <a:endParaRPr lang="zh-CN" altLang="en-US"/>
           </a:p>
@@ -18617,6 +18466,7 @@
           <a:p>
             <a:fld id="{760FBDFE-C587-4B4C-A407-44438C67B59E}" type="datetimeFigureOut">
               <a:rPr lang="zh-CN" altLang="en-US" smtClean="0"/>
+              <a:t>2025/3/27</a:t>
             </a:fld>
             <a:endParaRPr lang="zh-CN" altLang="en-US"/>
           </a:p>
@@ -18674,6 +18524,7 @@
           <a:p>
             <a:fld id="{49AE70B2-8BF9-45C0-BB95-33D1B9D3A854}" type="slidenum">
               <a:rPr lang="zh-CN" altLang="en-US" smtClean="0"/>
+              <a:t>‹#›</a:t>
             </a:fld>
             <a:endParaRPr lang="zh-CN" altLang="en-US" dirty="0"/>
           </a:p>
@@ -18963,7 +18814,6 @@
               <a:rPr lang="zh-CN" altLang="en-US"/>
               <a:t>编辑母版文本样式</a:t>
             </a:r>
-            <a:endParaRPr lang="zh-CN" altLang="en-US"/>
           </a:p>
           <a:p>
             <a:pPr lvl="1"/>
@@ -18971,7 +18821,6 @@
               <a:rPr lang="zh-CN" altLang="en-US"/>
               <a:t>第二级</a:t>
             </a:r>
-            <a:endParaRPr lang="zh-CN" altLang="en-US"/>
           </a:p>
           <a:p>
             <a:pPr lvl="2"/>
@@ -18979,7 +18828,6 @@
               <a:rPr lang="zh-CN" altLang="en-US"/>
               <a:t>第三级</a:t>
             </a:r>
-            <a:endParaRPr lang="zh-CN" altLang="en-US"/>
           </a:p>
           <a:p>
             <a:pPr lvl="3"/>
@@ -18987,7 +18835,6 @@
               <a:rPr lang="zh-CN" altLang="en-US"/>
               <a:t>第四级</a:t>
             </a:r>
-            <a:endParaRPr lang="zh-CN" altLang="en-US"/>
           </a:p>
           <a:p>
             <a:pPr lvl="4"/>
@@ -19032,6 +18879,7 @@
           <a:p>
             <a:fld id="{96DFF08F-DC6B-4601-B491-B0F83F6DD2DA}" type="datetimeFigureOut">
               <a:rPr lang="en-US" dirty="0"/>
+              <a:t>3/27/2025</a:t>
             </a:fld>
             <a:endParaRPr lang="en-US" dirty="0"/>
           </a:p>
@@ -19105,6 +18953,7 @@
           <a:p>
             <a:fld id="{4FAB73BC-B049-4115-A692-8D63A059BFB8}" type="slidenum">
               <a:rPr lang="en-US" dirty="0"/>
+              <a:t>‹#›</a:t>
             </a:fld>
             <a:endParaRPr lang="en-US" dirty="0"/>
           </a:p>
@@ -19497,7 +19346,6 @@
               <a:rPr lang="zh-CN" altLang="en-US" dirty="0"/>
               <a:t>机体全面介绍</a:t>
             </a:r>
-            <a:endParaRPr lang="zh-CN" altLang="en-US" dirty="0"/>
           </a:p>
         </p:txBody>
       </p:sp>
@@ -19572,7 +19420,6 @@
               <a:rPr lang="zh-CN" altLang="en-US" dirty="0"/>
               <a:t>四、服务模式</a:t>
             </a:r>
-            <a:endParaRPr lang="zh-CN" altLang="en-US" dirty="0"/>
           </a:p>
         </p:txBody>
       </p:sp>
@@ -19623,10 +19470,6 @@
               </a:rPr>
               <a:t>设置里切换为服务模式</a:t>
             </a:r>
-            <a:endParaRPr lang="zh-CN" altLang="en-US" sz="2400" dirty="0">
-              <a:latin typeface="黑体" panose="02010609060101010101" pitchFamily="49" charset="-122"/>
-              <a:ea typeface="黑体" panose="02010609060101010101" pitchFamily="49" charset="-122"/>
-            </a:endParaRPr>
           </a:p>
         </p:txBody>
       </p:sp>
@@ -19673,10 +19516,6 @@
               </a:rPr>
               <a:t>，只保留解码设置参数</a:t>
             </a:r>
-            <a:endParaRPr lang="zh-CN" altLang="en-US" sz="2000" dirty="0">
-              <a:latin typeface="黑体" panose="02010609060101010101" pitchFamily="49" charset="-122"/>
-              <a:ea typeface="黑体" panose="02010609060101010101" pitchFamily="49" charset="-122"/>
-            </a:endParaRPr>
           </a:p>
         </p:txBody>
       </p:sp>
@@ -19689,7 +19528,7 @@
           <p:nvPr/>
         </p:nvPicPr>
         <p:blipFill>
-          <a:blip r:embed="rId1"/>
+          <a:blip r:embed="rId3"/>
           <a:stretch>
             <a:fillRect/>
           </a:stretch>
@@ -19760,7 +19599,6 @@
               <a:rPr lang="zh-CN" altLang="en-US" dirty="0"/>
               <a:t>四、服务模式</a:t>
             </a:r>
-            <a:endParaRPr lang="zh-CN" altLang="en-US" dirty="0"/>
           </a:p>
         </p:txBody>
       </p:sp>
@@ -19813,19 +19651,19 @@
             </a:r>
             <a:r>
               <a:rPr lang="en-US" altLang="zh-CN" sz="2000" dirty="0">
-                <a:hlinkClick r:id="rId1"/>
+                <a:hlinkClick r:id="rId3"/>
               </a:rPr>
               <a:t>llama.cpp/examples/server at master · </a:t>
             </a:r>
             <a:r>
               <a:rPr lang="en-US" altLang="zh-CN" sz="2000" dirty="0" err="1">
-                <a:hlinkClick r:id="rId1"/>
+                <a:hlinkClick r:id="rId3"/>
               </a:rPr>
               <a:t>ggerganov</a:t>
             </a:r>
             <a:r>
               <a:rPr lang="en-US" altLang="zh-CN" sz="2000" dirty="0">
-                <a:hlinkClick r:id="rId1"/>
+                <a:hlinkClick r:id="rId3"/>
               </a:rPr>
               <a:t>/llama.cpp (github.com)</a:t>
             </a:r>
@@ -20030,7 +19868,6 @@
               <a:rPr lang="zh-CN" altLang="en-US" dirty="0"/>
               <a:t>五、链接状态</a:t>
             </a:r>
-            <a:endParaRPr lang="zh-CN" altLang="en-US" dirty="0"/>
           </a:p>
         </p:txBody>
       </p:sp>
@@ -20081,10 +19918,6 @@
               </a:rPr>
               <a:t>右击装载进行链接</a:t>
             </a:r>
-            <a:endParaRPr lang="zh-CN" altLang="en-US" sz="2400" dirty="0">
-              <a:latin typeface="黑体" panose="02010609060101010101" pitchFamily="49" charset="-122"/>
-              <a:ea typeface="黑体" panose="02010609060101010101" pitchFamily="49" charset="-122"/>
-            </a:endParaRPr>
           </a:p>
         </p:txBody>
       </p:sp>
@@ -20097,7 +19930,7 @@
           <p:nvPr/>
         </p:nvPicPr>
         <p:blipFill>
-          <a:blip r:embed="rId1"/>
+          <a:blip r:embed="rId3"/>
           <a:stretch>
             <a:fillRect/>
           </a:stretch>
@@ -20121,7 +19954,7 @@
           <p:nvPr/>
         </p:nvPicPr>
         <p:blipFill>
-          <a:blip r:embed="rId2"/>
+          <a:blip r:embed="rId4"/>
           <a:stretch>
             <a:fillRect/>
           </a:stretch>
@@ -20182,7 +20015,6 @@
               <a:rPr lang="zh-CN" altLang="en-US" dirty="0"/>
               <a:t>六、扩展窗口</a:t>
             </a:r>
-            <a:endParaRPr lang="zh-CN" altLang="en-US" dirty="0"/>
           </a:p>
         </p:txBody>
       </p:sp>
@@ -20233,10 +20065,6 @@
               </a:rPr>
               <a:t>右击状态区</a:t>
             </a:r>
-            <a:endParaRPr lang="zh-CN" altLang="en-US" sz="2400" dirty="0">
-              <a:latin typeface="黑体" panose="02010609060101010101" pitchFamily="49" charset="-122"/>
-              <a:ea typeface="黑体" panose="02010609060101010101" pitchFamily="49" charset="-122"/>
-            </a:endParaRPr>
           </a:p>
         </p:txBody>
       </p:sp>
@@ -20249,7 +20077,7 @@
           <p:nvPr/>
         </p:nvPicPr>
         <p:blipFill>
-          <a:blip r:embed="rId1"/>
+          <a:blip r:embed="rId3"/>
           <a:stretch>
             <a:fillRect/>
           </a:stretch>
@@ -20310,7 +20138,6 @@
               <a:rPr lang="zh-CN" altLang="en-US" dirty="0"/>
               <a:t>六、扩展窗口</a:t>
             </a:r>
-            <a:endParaRPr lang="zh-CN" altLang="en-US" dirty="0"/>
           </a:p>
         </p:txBody>
       </p:sp>
@@ -20347,10 +20174,6 @@
               </a:rPr>
               <a:t>模型量化</a:t>
             </a:r>
-            <a:endParaRPr lang="zh-CN" altLang="en-US" sz="2400" dirty="0">
-              <a:latin typeface="黑体" panose="02010609060101010101" pitchFamily="49" charset="-122"/>
-              <a:ea typeface="黑体" panose="02010609060101010101" pitchFamily="49" charset="-122"/>
-            </a:endParaRPr>
           </a:p>
         </p:txBody>
       </p:sp>
@@ -20363,7 +20186,7 @@
           <p:nvPr/>
         </p:nvPicPr>
         <p:blipFill>
-          <a:blip r:embed="rId1"/>
+          <a:blip r:embed="rId3"/>
           <a:stretch>
             <a:fillRect/>
           </a:stretch>
@@ -20424,7 +20247,6 @@
               <a:rPr lang="zh-CN" altLang="en-US" dirty="0"/>
               <a:t>六、扩展窗口</a:t>
             </a:r>
-            <a:endParaRPr lang="zh-CN" altLang="en-US" dirty="0"/>
           </a:p>
         </p:txBody>
       </p:sp>
@@ -20461,10 +20283,6 @@
               </a:rPr>
               <a:t>声转文</a:t>
             </a:r>
-            <a:endParaRPr lang="zh-CN" altLang="en-US" sz="2400" dirty="0">
-              <a:latin typeface="黑体" panose="02010609060101010101" pitchFamily="49" charset="-122"/>
-              <a:ea typeface="黑体" panose="02010609060101010101" pitchFamily="49" charset="-122"/>
-            </a:endParaRPr>
           </a:p>
         </p:txBody>
       </p:sp>
@@ -20477,7 +20295,7 @@
           <p:nvPr/>
         </p:nvPicPr>
         <p:blipFill>
-          <a:blip r:embed="rId1"/>
+          <a:blip r:embed="rId3"/>
           <a:stretch>
             <a:fillRect/>
           </a:stretch>
@@ -20521,10 +20339,6 @@
               </a:rPr>
               <a:t>录音转文字之前需要先来配置</a:t>
             </a:r>
-            <a:endParaRPr lang="zh-CN" altLang="en-US" sz="2000" dirty="0">
-              <a:latin typeface="黑体" panose="02010609060101010101" pitchFamily="49" charset="-122"/>
-              <a:ea typeface="黑体" panose="02010609060101010101" pitchFamily="49" charset="-122"/>
-            </a:endParaRPr>
           </a:p>
         </p:txBody>
       </p:sp>
@@ -20574,7 +20388,6 @@
               <a:rPr lang="zh-CN" altLang="en-US" dirty="0"/>
               <a:t>六、扩展窗口</a:t>
             </a:r>
-            <a:endParaRPr lang="zh-CN" altLang="en-US" dirty="0"/>
           </a:p>
         </p:txBody>
       </p:sp>
@@ -20611,10 +20424,6 @@
               </a:rPr>
               <a:t>知识库</a:t>
             </a:r>
-            <a:endParaRPr lang="zh-CN" altLang="en-US" sz="2400" dirty="0">
-              <a:latin typeface="黑体" panose="02010609060101010101" pitchFamily="49" charset="-122"/>
-              <a:ea typeface="黑体" panose="02010609060101010101" pitchFamily="49" charset="-122"/>
-            </a:endParaRPr>
           </a:p>
         </p:txBody>
       </p:sp>
@@ -20627,7 +20436,7 @@
           <p:nvPr/>
         </p:nvPicPr>
         <p:blipFill>
-          <a:blip r:embed="rId1"/>
+          <a:blip r:embed="rId3"/>
           <a:stretch>
             <a:fillRect/>
           </a:stretch>
@@ -20671,10 +20480,6 @@
               </a:rPr>
               <a:t>挂载知识库工具之前需要先来配置</a:t>
             </a:r>
-            <a:endParaRPr lang="zh-CN" altLang="en-US" sz="2000" dirty="0">
-              <a:latin typeface="黑体" panose="02010609060101010101" pitchFamily="49" charset="-122"/>
-              <a:ea typeface="黑体" panose="02010609060101010101" pitchFamily="49" charset="-122"/>
-            </a:endParaRPr>
           </a:p>
         </p:txBody>
       </p:sp>
@@ -20724,7 +20529,6 @@
               <a:rPr lang="zh-CN" altLang="en-US" dirty="0"/>
               <a:t>六、扩展窗口</a:t>
             </a:r>
-            <a:endParaRPr lang="zh-CN" altLang="en-US" dirty="0"/>
           </a:p>
         </p:txBody>
       </p:sp>
@@ -20761,10 +20565,6 @@
               </a:rPr>
               <a:t>文生图</a:t>
             </a:r>
-            <a:endParaRPr lang="zh-CN" altLang="en-US" sz="2400" dirty="0">
-              <a:latin typeface="黑体" panose="02010609060101010101" pitchFamily="49" charset="-122"/>
-              <a:ea typeface="黑体" panose="02010609060101010101" pitchFamily="49" charset="-122"/>
-            </a:endParaRPr>
           </a:p>
         </p:txBody>
       </p:sp>
@@ -20777,7 +20577,7 @@
           <p:nvPr/>
         </p:nvPicPr>
         <p:blipFill>
-          <a:blip r:embed="rId1"/>
+          <a:blip r:embed="rId3"/>
           <a:stretch>
             <a:fillRect/>
           </a:stretch>
@@ -20821,10 +20621,6 @@
               </a:rPr>
               <a:t>挂载文生图工具之前需要先来配置</a:t>
             </a:r>
-            <a:endParaRPr lang="zh-CN" altLang="en-US" sz="2000" dirty="0">
-              <a:latin typeface="黑体" panose="02010609060101010101" pitchFamily="49" charset="-122"/>
-              <a:ea typeface="黑体" panose="02010609060101010101" pitchFamily="49" charset="-122"/>
-            </a:endParaRPr>
           </a:p>
         </p:txBody>
       </p:sp>
@@ -20906,13 +20702,6 @@
               </a:rPr>
               <a:t>手动操作</a:t>
             </a:r>
-            <a:endParaRPr lang="zh-CN" altLang="en-US" dirty="0">
-              <a:solidFill>
-                <a:srgbClr val="FF0000"/>
-              </a:solidFill>
-              <a:latin typeface="黑体" panose="02010609060101010101" pitchFamily="49" charset="-122"/>
-              <a:ea typeface="黑体" panose="02010609060101010101" pitchFamily="49" charset="-122"/>
-            </a:endParaRPr>
           </a:p>
         </p:txBody>
       </p:sp>
@@ -20962,7 +20751,6 @@
               <a:rPr lang="zh-CN" altLang="en-US" dirty="0"/>
               <a:t>总结</a:t>
             </a:r>
-            <a:endParaRPr lang="zh-CN" altLang="en-US" dirty="0"/>
           </a:p>
         </p:txBody>
       </p:sp>
@@ -21035,10 +20823,6 @@
               </a:rPr>
               <a:t>)</a:t>
             </a:r>
-            <a:endParaRPr lang="en-US" altLang="zh-CN" sz="2400" dirty="0">
-              <a:latin typeface="黑体" panose="02010609060101010101" pitchFamily="49" charset="-122"/>
-              <a:ea typeface="黑体" panose="02010609060101010101" pitchFamily="49" charset="-122"/>
-            </a:endParaRPr>
           </a:p>
           <a:p>
             <a:pPr>
@@ -21088,10 +20872,6 @@
               </a:rPr>
               <a:t>)</a:t>
             </a:r>
-            <a:endParaRPr lang="en-US" altLang="zh-CN" sz="2400" dirty="0">
-              <a:latin typeface="黑体" panose="02010609060101010101" pitchFamily="49" charset="-122"/>
-              <a:ea typeface="黑体" panose="02010609060101010101" pitchFamily="49" charset="-122"/>
-            </a:endParaRPr>
           </a:p>
           <a:p>
             <a:pPr>
@@ -21141,10 +20921,6 @@
               </a:rPr>
               <a:t>)</a:t>
             </a:r>
-            <a:endParaRPr lang="en-US" altLang="zh-CN" sz="2400" dirty="0">
-              <a:latin typeface="黑体" panose="02010609060101010101" pitchFamily="49" charset="-122"/>
-              <a:ea typeface="黑体" panose="02010609060101010101" pitchFamily="49" charset="-122"/>
-            </a:endParaRPr>
           </a:p>
           <a:p>
             <a:pPr>
@@ -21194,10 +20970,6 @@
               </a:rPr>
               <a:t>)</a:t>
             </a:r>
-            <a:endParaRPr lang="en-US" altLang="zh-CN" sz="2400" dirty="0">
-              <a:latin typeface="黑体" panose="02010609060101010101" pitchFamily="49" charset="-122"/>
-              <a:ea typeface="黑体" panose="02010609060101010101" pitchFamily="49" charset="-122"/>
-            </a:endParaRPr>
           </a:p>
           <a:p>
             <a:pPr>
@@ -21233,10 +21005,6 @@
               </a:rPr>
               <a:t>)</a:t>
             </a:r>
-            <a:endParaRPr lang="en-US" altLang="zh-CN" sz="2400" dirty="0">
-              <a:latin typeface="黑体" panose="02010609060101010101" pitchFamily="49" charset="-122"/>
-              <a:ea typeface="黑体" panose="02010609060101010101" pitchFamily="49" charset="-122"/>
-            </a:endParaRPr>
           </a:p>
           <a:p>
             <a:pPr>
@@ -21389,10 +21157,6 @@
               </a:rPr>
               <a:t>预测下一个词！</a:t>
             </a:r>
-            <a:endParaRPr lang="zh-CN" altLang="en-US" sz="2000">
-              <a:latin typeface="Times New Roman" panose="02020603050405020304" charset="0"/>
-              <a:ea typeface="黑体" panose="02010609060101010101" pitchFamily="49" charset="-122"/>
-            </a:endParaRPr>
           </a:p>
         </p:txBody>
       </p:sp>
@@ -21436,10 +21200,6 @@
               </a:rPr>
               <a:t>预测</a:t>
             </a:r>
-            <a:endParaRPr lang="zh-CN" altLang="en-US">
-              <a:latin typeface="Times New Roman" panose="02020603050405020304" charset="0"/>
-              <a:ea typeface="黑体" panose="02010609060101010101" pitchFamily="49" charset="-122"/>
-            </a:endParaRPr>
           </a:p>
         </p:txBody>
       </p:sp>
@@ -21478,10 +21238,6 @@
               </a:rPr>
               <a:t>输入</a:t>
             </a:r>
-            <a:endParaRPr lang="zh-CN" altLang="en-US">
-              <a:latin typeface="Times New Roman" panose="02020603050405020304" charset="0"/>
-              <a:ea typeface="黑体" panose="02010609060101010101" pitchFamily="49" charset="-122"/>
-            </a:endParaRPr>
           </a:p>
         </p:txBody>
       </p:sp>
@@ -21520,10 +21276,6 @@
               </a:rPr>
               <a:t>对齐</a:t>
             </a:r>
-            <a:endParaRPr lang="zh-CN" altLang="en-US" dirty="0">
-              <a:latin typeface="Times New Roman" panose="02020603050405020304" charset="0"/>
-              <a:ea typeface="黑体" panose="02010609060101010101" pitchFamily="49" charset="-122"/>
-            </a:endParaRPr>
           </a:p>
         </p:txBody>
       </p:sp>
@@ -21562,10 +21314,6 @@
               </a:rPr>
               <a:t>解码</a:t>
             </a:r>
-            <a:endParaRPr lang="zh-CN" altLang="en-US">
-              <a:latin typeface="Times New Roman" panose="02020603050405020304" charset="0"/>
-              <a:ea typeface="黑体" panose="02010609060101010101" pitchFamily="49" charset="-122"/>
-            </a:endParaRPr>
           </a:p>
         </p:txBody>
       </p:sp>
@@ -21604,10 +21352,6 @@
               </a:rPr>
               <a:t>采样</a:t>
             </a:r>
-            <a:endParaRPr lang="zh-CN" altLang="en-US">
-              <a:latin typeface="Times New Roman" panose="02020603050405020304" charset="0"/>
-              <a:ea typeface="黑体" panose="02010609060101010101" pitchFamily="49" charset="-122"/>
-            </a:endParaRPr>
           </a:p>
         </p:txBody>
       </p:sp>
@@ -21646,10 +21390,6 @@
               </a:rPr>
               <a:t>对齐</a:t>
             </a:r>
-            <a:endParaRPr lang="zh-CN" altLang="en-US">
-              <a:latin typeface="Times New Roman" panose="02020603050405020304" charset="0"/>
-              <a:ea typeface="黑体" panose="02010609060101010101" pitchFamily="49" charset="-122"/>
-            </a:endParaRPr>
           </a:p>
         </p:txBody>
       </p:sp>
@@ -21688,10 +21428,6 @@
               </a:rPr>
               <a:t>输出</a:t>
             </a:r>
-            <a:endParaRPr lang="zh-CN" altLang="en-US">
-              <a:latin typeface="Times New Roman" panose="02020603050405020304" charset="0"/>
-              <a:ea typeface="黑体" panose="02010609060101010101" pitchFamily="49" charset="-122"/>
-            </a:endParaRPr>
           </a:p>
         </p:txBody>
       </p:sp>
@@ -22156,6 +21892,47 @@
               </a:rPr>
               <a:t>添加用户昵称</a:t>
             </a:r>
+          </a:p>
+          <a:p>
+            <a:pPr marL="285750" indent="-285750" algn="l">
+              <a:buClr>
+                <a:srgbClr val="00B050"/>
+              </a:buClr>
+              <a:buFont typeface="Arial" panose="020B0604020202020204" pitchFamily="34" charset="0"/>
+              <a:buChar char="•"/>
+            </a:pPr>
+            <a:r>
+              <a:rPr lang="zh-CN" altLang="en-US" sz="1400">
+                <a:solidFill>
+                  <a:schemeClr val="tx1"/>
+                </a:solidFill>
+                <a:latin typeface="Times New Roman" panose="02020603050405020304" charset="0"/>
+                <a:ea typeface="黑体" panose="02010609060101010101" pitchFamily="49" charset="-122"/>
+                <a:cs typeface="Times New Roman" panose="02020603050405020304" charset="0"/>
+              </a:rPr>
+              <a:t>添加模型昵称</a:t>
+            </a:r>
+          </a:p>
+          <a:p>
+            <a:pPr marL="285750" indent="-285750" algn="l">
+              <a:buClr>
+                <a:srgbClr val="00B050"/>
+              </a:buClr>
+              <a:buFont typeface="Arial" panose="020B0604020202020204" pitchFamily="34" charset="0"/>
+              <a:buChar char="•"/>
+            </a:pPr>
+            <a:r>
+              <a:rPr lang="zh-CN" altLang="en-US" sz="1400">
+                <a:solidFill>
+                  <a:schemeClr val="tx1"/>
+                </a:solidFill>
+                <a:latin typeface="Times New Roman" panose="02020603050405020304" charset="0"/>
+                <a:ea typeface="黑体" panose="02010609060101010101" pitchFamily="49" charset="-122"/>
+                <a:cs typeface="Times New Roman" panose="02020603050405020304" charset="0"/>
+                <a:sym typeface="+mn-ea"/>
+              </a:rPr>
+              <a:t>预解码时只添加系统指令</a:t>
+            </a:r>
             <a:endParaRPr lang="zh-CN" altLang="en-US" sz="1400">
               <a:solidFill>
                 <a:schemeClr val="tx1"/>
@@ -22182,7 +21959,38 @@
                 <a:ea typeface="黑体" panose="02010609060101010101" pitchFamily="49" charset="-122"/>
                 <a:cs typeface="Times New Roman" panose="02020603050405020304" charset="0"/>
               </a:rPr>
-              <a:t>添加模型昵称</a:t>
+              <a:t>补完模式则都不添加</a:t>
+            </a:r>
+          </a:p>
+          <a:p>
+            <a:pPr marL="285750" indent="-285750" algn="l">
+              <a:buClr>
+                <a:srgbClr val="00B050"/>
+              </a:buClr>
+              <a:buFont typeface="Arial" panose="020B0604020202020204" pitchFamily="34" charset="0"/>
+              <a:buChar char="•"/>
+            </a:pPr>
+            <a:r>
+              <a:rPr lang="zh-CN" altLang="en-US" sz="1400">
+                <a:solidFill>
+                  <a:schemeClr val="tx1"/>
+                </a:solidFill>
+                <a:latin typeface="Times New Roman" panose="02020603050405020304" charset="0"/>
+                <a:ea typeface="黑体" panose="02010609060101010101" pitchFamily="49" charset="-122"/>
+                <a:cs typeface="Times New Roman" panose="02020603050405020304" charset="0"/>
+              </a:rPr>
+              <a:t>根据模型词表将输入的词转为</a:t>
+            </a:r>
+            <a:r>
+              <a:rPr lang="en-US" altLang="zh-CN" sz="1400">
+                <a:solidFill>
+                  <a:schemeClr val="tx1"/>
+                </a:solidFill>
+                <a:latin typeface="Times New Roman" panose="02020603050405020304" charset="0"/>
+                <a:ea typeface="黑体" panose="02010609060101010101" pitchFamily="49" charset="-122"/>
+                <a:cs typeface="Times New Roman" panose="02020603050405020304" charset="0"/>
+              </a:rPr>
+              <a:t>token</a:t>
             </a:r>
             <a:endParaRPr lang="zh-CN" altLang="en-US" sz="1400">
               <a:solidFill>
@@ -22209,27 +22017,20 @@
                 <a:latin typeface="Times New Roman" panose="02020603050405020304" charset="0"/>
                 <a:ea typeface="黑体" panose="02010609060101010101" pitchFamily="49" charset="-122"/>
                 <a:cs typeface="Times New Roman" panose="02020603050405020304" charset="0"/>
-                <a:sym typeface="+mn-ea"/>
-              </a:rPr>
-              <a:t>预解码时只添加系统指令</a:t>
-            </a:r>
-            <a:endParaRPr lang="zh-CN" altLang="en-US" sz="1400">
-              <a:solidFill>
-                <a:schemeClr val="tx1"/>
-              </a:solidFill>
-              <a:latin typeface="Times New Roman" panose="02020603050405020304" charset="0"/>
-              <a:ea typeface="黑体" panose="02010609060101010101" pitchFamily="49" charset="-122"/>
-              <a:cs typeface="Times New Roman" panose="02020603050405020304" charset="0"/>
-            </a:endParaRPr>
-          </a:p>
-          <a:p>
-            <a:pPr marL="285750" indent="-285750" algn="l">
-              <a:buClr>
-                <a:srgbClr val="00B050"/>
-              </a:buClr>
-              <a:buFont typeface="Arial" panose="020B0604020202020204" pitchFamily="34" charset="0"/>
-              <a:buChar char="•"/>
-            </a:pPr>
+              </a:rPr>
+              <a:t>根据上下文长度裁剪</a:t>
+            </a:r>
+            <a:r>
+              <a:rPr lang="en-US" altLang="zh-CN" sz="1400">
+                <a:solidFill>
+                  <a:schemeClr val="tx1"/>
+                </a:solidFill>
+                <a:latin typeface="Times New Roman" panose="02020603050405020304" charset="0"/>
+                <a:ea typeface="黑体" panose="02010609060101010101" pitchFamily="49" charset="-122"/>
+                <a:cs typeface="Times New Roman" panose="02020603050405020304" charset="0"/>
+              </a:rPr>
+              <a:t>token</a:t>
+            </a:r>
             <a:r>
               <a:rPr lang="zh-CN" altLang="en-US" sz="1400">
                 <a:solidFill>
@@ -22239,105 +22040,8 @@
                 <a:ea typeface="黑体" panose="02010609060101010101" pitchFamily="49" charset="-122"/>
                 <a:cs typeface="Times New Roman" panose="02020603050405020304" charset="0"/>
               </a:rPr>
-              <a:t>补完模式则都不添加</a:t>
-            </a:r>
-            <a:endParaRPr lang="zh-CN" altLang="en-US" sz="1400">
-              <a:solidFill>
-                <a:schemeClr val="tx1"/>
-              </a:solidFill>
-              <a:latin typeface="Times New Roman" panose="02020603050405020304" charset="0"/>
-              <a:ea typeface="黑体" panose="02010609060101010101" pitchFamily="49" charset="-122"/>
-              <a:cs typeface="Times New Roman" panose="02020603050405020304" charset="0"/>
-            </a:endParaRPr>
-          </a:p>
-          <a:p>
-            <a:pPr marL="285750" indent="-285750" algn="l">
-              <a:buClr>
-                <a:srgbClr val="00B050"/>
-              </a:buClr>
-              <a:buFont typeface="Arial" panose="020B0604020202020204" pitchFamily="34" charset="0"/>
-              <a:buChar char="•"/>
-            </a:pPr>
-            <a:r>
-              <a:rPr lang="zh-CN" altLang="en-US" sz="1400">
-                <a:solidFill>
-                  <a:schemeClr val="tx1"/>
-                </a:solidFill>
-                <a:latin typeface="Times New Roman" panose="02020603050405020304" charset="0"/>
-                <a:ea typeface="黑体" panose="02010609060101010101" pitchFamily="49" charset="-122"/>
-                <a:cs typeface="Times New Roman" panose="02020603050405020304" charset="0"/>
-              </a:rPr>
-              <a:t>根据模型词表将输入的词转为</a:t>
-            </a:r>
-            <a:r>
-              <a:rPr lang="en-US" altLang="zh-CN" sz="1400">
-                <a:solidFill>
-                  <a:schemeClr val="tx1"/>
-                </a:solidFill>
-                <a:latin typeface="Times New Roman" panose="02020603050405020304" charset="0"/>
-                <a:ea typeface="黑体" panose="02010609060101010101" pitchFamily="49" charset="-122"/>
-                <a:cs typeface="Times New Roman" panose="02020603050405020304" charset="0"/>
-              </a:rPr>
-              <a:t>token</a:t>
-            </a:r>
-            <a:endParaRPr lang="zh-CN" altLang="en-US" sz="1400">
-              <a:solidFill>
-                <a:schemeClr val="tx1"/>
-              </a:solidFill>
-              <a:latin typeface="Times New Roman" panose="02020603050405020304" charset="0"/>
-              <a:ea typeface="黑体" panose="02010609060101010101" pitchFamily="49" charset="-122"/>
-              <a:cs typeface="Times New Roman" panose="02020603050405020304" charset="0"/>
-            </a:endParaRPr>
-          </a:p>
-          <a:p>
-            <a:pPr marL="285750" indent="-285750" algn="l">
-              <a:buClr>
-                <a:srgbClr val="00B050"/>
-              </a:buClr>
-              <a:buFont typeface="Arial" panose="020B0604020202020204" pitchFamily="34" charset="0"/>
-              <a:buChar char="•"/>
-            </a:pPr>
-            <a:r>
-              <a:rPr lang="zh-CN" altLang="en-US" sz="1400">
-                <a:solidFill>
-                  <a:schemeClr val="tx1"/>
-                </a:solidFill>
-                <a:latin typeface="Times New Roman" panose="02020603050405020304" charset="0"/>
-                <a:ea typeface="黑体" panose="02010609060101010101" pitchFamily="49" charset="-122"/>
-                <a:cs typeface="Times New Roman" panose="02020603050405020304" charset="0"/>
-              </a:rPr>
-              <a:t>根据上下文长度裁剪</a:t>
-            </a:r>
-            <a:r>
-              <a:rPr lang="en-US" altLang="zh-CN" sz="1400">
-                <a:solidFill>
-                  <a:schemeClr val="tx1"/>
-                </a:solidFill>
-                <a:latin typeface="Times New Roman" panose="02020603050405020304" charset="0"/>
-                <a:ea typeface="黑体" panose="02010609060101010101" pitchFamily="49" charset="-122"/>
-                <a:cs typeface="Times New Roman" panose="02020603050405020304" charset="0"/>
-              </a:rPr>
-              <a:t>token</a:t>
-            </a:r>
-            <a:r>
-              <a:rPr lang="zh-CN" altLang="en-US" sz="1400">
-                <a:solidFill>
-                  <a:schemeClr val="tx1"/>
-                </a:solidFill>
-                <a:latin typeface="Times New Roman" panose="02020603050405020304" charset="0"/>
-                <a:ea typeface="黑体" panose="02010609060101010101" pitchFamily="49" charset="-122"/>
-                <a:cs typeface="Times New Roman" panose="02020603050405020304" charset="0"/>
-              </a:rPr>
               <a:t>数量</a:t>
             </a:r>
-            <a:endParaRPr lang="zh-CN" altLang="en-US" sz="1400">
-              <a:solidFill>
-                <a:schemeClr val="tx1"/>
-              </a:solidFill>
-              <a:latin typeface="Times New Roman" panose="02020603050405020304" charset="0"/>
-              <a:ea typeface="黑体" panose="02010609060101010101" pitchFamily="49" charset="-122"/>
-              <a:cs typeface="Times New Roman" panose="02020603050405020304" charset="0"/>
-            </a:endParaRPr>
           </a:p>
         </p:txBody>
       </p:sp>
@@ -22432,14 +22136,6 @@
               </a:rPr>
               <a:t>解码得到向量表</a:t>
             </a:r>
-            <a:endParaRPr lang="zh-CN" altLang="en-US" sz="1400">
-              <a:solidFill>
-                <a:schemeClr val="tx1"/>
-              </a:solidFill>
-              <a:latin typeface="Times New Roman" panose="02020603050405020304" charset="0"/>
-              <a:ea typeface="黑体" panose="02010609060101010101" pitchFamily="49" charset="-122"/>
-              <a:cs typeface="Times New Roman" panose="02020603050405020304" charset="0"/>
-            </a:endParaRPr>
           </a:p>
           <a:p>
             <a:pPr marL="285750" indent="-285750" algn="l">
@@ -22482,14 +22178,6 @@
               </a:rPr>
               <a:t>记入上下文缓存</a:t>
             </a:r>
-            <a:endParaRPr lang="zh-CN" altLang="en-US" sz="1400">
-              <a:solidFill>
-                <a:schemeClr val="tx1"/>
-              </a:solidFill>
-              <a:latin typeface="Times New Roman" panose="02020603050405020304" charset="0"/>
-              <a:ea typeface="黑体" panose="02010609060101010101" pitchFamily="49" charset="-122"/>
-              <a:cs typeface="Times New Roman" panose="02020603050405020304" charset="0"/>
-            </a:endParaRPr>
           </a:p>
           <a:p>
             <a:pPr marL="285750" indent="-285750" algn="l">
@@ -22570,15 +22258,6 @@
               </a:rPr>
               <a:t>512</a:t>
             </a:r>
-            <a:endParaRPr lang="en-US" altLang="zh-CN" sz="1400">
-              <a:solidFill>
-                <a:schemeClr val="tx1"/>
-              </a:solidFill>
-              <a:latin typeface="Times New Roman" panose="02020603050405020304" charset="0"/>
-              <a:ea typeface="黑体" panose="02010609060101010101" pitchFamily="49" charset="-122"/>
-              <a:cs typeface="Times New Roman" panose="02020603050405020304" charset="0"/>
-              <a:sym typeface="+mn-ea"/>
-            </a:endParaRPr>
           </a:p>
           <a:p>
             <a:pPr marL="285750" indent="-285750" algn="l">
@@ -22600,15 +22279,6 @@
               </a:rPr>
               <a:t>按批解码有时失败，则尝试单个解码</a:t>
             </a:r>
-            <a:endParaRPr lang="zh-CN" altLang="en-US" sz="1400">
-              <a:solidFill>
-                <a:schemeClr val="tx1"/>
-              </a:solidFill>
-              <a:latin typeface="Times New Roman" panose="02020603050405020304" charset="0"/>
-              <a:ea typeface="黑体" panose="02010609060101010101" pitchFamily="49" charset="-122"/>
-              <a:cs typeface="Times New Roman" panose="02020603050405020304" charset="0"/>
-              <a:sym typeface="+mn-ea"/>
-            </a:endParaRPr>
           </a:p>
           <a:p>
             <a:pPr marL="285750" indent="-285750" algn="l">
@@ -22678,15 +22348,6 @@
               </a:rPr>
               <a:t>，单个解码</a:t>
             </a:r>
-            <a:endParaRPr lang="zh-CN" altLang="en-US" sz="1400">
-              <a:solidFill>
-                <a:schemeClr val="tx1"/>
-              </a:solidFill>
-              <a:latin typeface="Times New Roman" panose="02020603050405020304" charset="0"/>
-              <a:ea typeface="黑体" panose="02010609060101010101" pitchFamily="49" charset="-122"/>
-              <a:cs typeface="Times New Roman" panose="02020603050405020304" charset="0"/>
-              <a:sym typeface="+mn-ea"/>
-            </a:endParaRPr>
           </a:p>
         </p:txBody>
       </p:sp>
@@ -22781,14 +22442,6 @@
               </a:rPr>
               <a:t>的概率表</a:t>
             </a:r>
-            <a:endParaRPr lang="zh-CN" altLang="en-US" sz="1400">
-              <a:solidFill>
-                <a:schemeClr val="tx1"/>
-              </a:solidFill>
-              <a:latin typeface="Times New Roman" panose="02020603050405020304" charset="0"/>
-              <a:ea typeface="黑体" panose="02010609060101010101" pitchFamily="49" charset="-122"/>
-              <a:cs typeface="Times New Roman" panose="02020603050405020304" charset="0"/>
-            </a:endParaRPr>
           </a:p>
           <a:p>
             <a:pPr marL="285750" indent="-285750" algn="l">
@@ -22842,14 +22495,6 @@
               </a:rPr>
               <a:t>token</a:t>
             </a:r>
-            <a:endParaRPr lang="en-US" altLang="zh-CN" sz="1400">
-              <a:solidFill>
-                <a:schemeClr val="tx1"/>
-              </a:solidFill>
-              <a:latin typeface="Times New Roman" panose="02020603050405020304" charset="0"/>
-              <a:ea typeface="黑体" panose="02010609060101010101" pitchFamily="49" charset="-122"/>
-              <a:cs typeface="Times New Roman" panose="02020603050405020304" charset="0"/>
-            </a:endParaRPr>
           </a:p>
           <a:p>
             <a:pPr marL="285750" indent="-285750" algn="l">
@@ -22907,15 +22552,6 @@
               </a:rPr>
               <a:t>token</a:t>
             </a:r>
-            <a:endParaRPr lang="en-US" altLang="zh-CN" sz="1400">
-              <a:solidFill>
-                <a:schemeClr val="tx1"/>
-              </a:solidFill>
-              <a:latin typeface="Times New Roman" panose="02020603050405020304" charset="0"/>
-              <a:ea typeface="黑体" panose="02010609060101010101" pitchFamily="49" charset="-122"/>
-              <a:cs typeface="Times New Roman" panose="02020603050405020304" charset="0"/>
-              <a:sym typeface="+mn-ea"/>
-            </a:endParaRPr>
           </a:p>
           <a:p>
             <a:pPr marL="285750" indent="-285750" algn="l">
@@ -22958,14 +22594,6 @@
               </a:rPr>
               <a:t>进入循环</a:t>
             </a:r>
-            <a:endParaRPr lang="zh-CN" altLang="en-US" sz="1400">
-              <a:solidFill>
-                <a:schemeClr val="tx1"/>
-              </a:solidFill>
-              <a:latin typeface="Times New Roman" panose="02020603050405020304" charset="0"/>
-              <a:ea typeface="黑体" panose="02010609060101010101" pitchFamily="49" charset="-122"/>
-              <a:cs typeface="Times New Roman" panose="02020603050405020304" charset="0"/>
-            </a:endParaRPr>
           </a:p>
           <a:p>
             <a:pPr marL="285750" indent="-285750" algn="l">
@@ -23120,14 +22748,6 @@
               </a:rPr>
               <a:t>则停止循环</a:t>
             </a:r>
-            <a:endParaRPr lang="zh-CN" altLang="en-US" sz="1400">
-              <a:solidFill>
-                <a:schemeClr val="tx1"/>
-              </a:solidFill>
-              <a:latin typeface="Times New Roman" panose="02020603050405020304" charset="0"/>
-              <a:ea typeface="黑体" panose="02010609060101010101" pitchFamily="49" charset="-122"/>
-              <a:cs typeface="Times New Roman" panose="02020603050405020304" charset="0"/>
-            </a:endParaRPr>
           </a:p>
         </p:txBody>
       </p:sp>
@@ -23348,10 +22968,6 @@
               </a:rPr>
               <a:t>)</a:t>
             </a:r>
-            <a:endParaRPr lang="en-US" altLang="zh-CN" sz="2400" dirty="0">
-              <a:latin typeface="黑体" panose="02010609060101010101" pitchFamily="49" charset="-122"/>
-              <a:ea typeface="黑体" panose="02010609060101010101" pitchFamily="49" charset="-122"/>
-            </a:endParaRPr>
           </a:p>
           <a:p>
             <a:pPr>
@@ -23401,10 +23017,6 @@
               </a:rPr>
               <a:t>)</a:t>
             </a:r>
-            <a:endParaRPr lang="en-US" altLang="zh-CN" sz="2400" dirty="0">
-              <a:latin typeface="黑体" panose="02010609060101010101" pitchFamily="49" charset="-122"/>
-              <a:ea typeface="黑体" panose="02010609060101010101" pitchFamily="49" charset="-122"/>
-            </a:endParaRPr>
           </a:p>
           <a:p>
             <a:pPr>
@@ -23454,10 +23066,6 @@
               </a:rPr>
               <a:t>)</a:t>
             </a:r>
-            <a:endParaRPr lang="en-US" altLang="zh-CN" sz="2400" dirty="0">
-              <a:latin typeface="黑体" panose="02010609060101010101" pitchFamily="49" charset="-122"/>
-              <a:ea typeface="黑体" panose="02010609060101010101" pitchFamily="49" charset="-122"/>
-            </a:endParaRPr>
           </a:p>
           <a:p>
             <a:pPr>
@@ -23507,10 +23115,6 @@
               </a:rPr>
               <a:t>)</a:t>
             </a:r>
-            <a:endParaRPr lang="en-US" altLang="zh-CN" sz="2400" dirty="0">
-              <a:latin typeface="黑体" panose="02010609060101010101" pitchFamily="49" charset="-122"/>
-              <a:ea typeface="黑体" panose="02010609060101010101" pitchFamily="49" charset="-122"/>
-            </a:endParaRPr>
           </a:p>
           <a:p>
             <a:pPr>
@@ -23546,10 +23150,6 @@
               </a:rPr>
               <a:t>)</a:t>
             </a:r>
-            <a:endParaRPr lang="en-US" altLang="zh-CN" sz="2400" dirty="0">
-              <a:latin typeface="黑体" panose="02010609060101010101" pitchFamily="49" charset="-122"/>
-              <a:ea typeface="黑体" panose="02010609060101010101" pitchFamily="49" charset="-122"/>
-            </a:endParaRPr>
           </a:p>
           <a:p>
             <a:pPr>
@@ -23670,7 +23270,6 @@
               <a:rPr lang="zh-CN" altLang="en-US" dirty="0"/>
               <a:t>机体全面介绍</a:t>
             </a:r>
-            <a:endParaRPr lang="zh-CN" altLang="en-US" dirty="0"/>
           </a:p>
         </p:txBody>
       </p:sp>
@@ -23718,7 +23317,6 @@
               <a:rPr lang="zh-CN" altLang="en-US" dirty="0"/>
               <a:t>大语言模型的简介</a:t>
             </a:r>
-            <a:endParaRPr lang="zh-CN" altLang="en-US" dirty="0"/>
           </a:p>
         </p:txBody>
       </p:sp>
@@ -23778,7 +23376,7 @@
         </p:xfrm>
         <a:graphic>
           <a:graphicData uri="http://schemas.openxmlformats.org/drawingml/2006/diagram">
-            <dgm:relIds xmlns:dgm="http://schemas.openxmlformats.org/drawingml/2006/diagram" xmlns:r="http://schemas.openxmlformats.org/officeDocument/2006/relationships" r:dm="rId1" r:lo="rId2" r:qs="rId3" r:cs="rId4"/>
+            <dgm:relIds xmlns:dgm="http://schemas.openxmlformats.org/drawingml/2006/diagram" xmlns:r="http://schemas.openxmlformats.org/officeDocument/2006/relationships" r:dm="rId3" r:lo="rId4" r:qs="rId5" r:cs="rId6"/>
           </a:graphicData>
         </a:graphic>
       </p:graphicFrame>
@@ -23787,13 +23385,13 @@
   <p:clrMapOvr>
     <a:masterClrMapping/>
   </p:clrMapOvr>
-  <mc:AlternateContent xmlns:mc="http://schemas.openxmlformats.org/markup-compatibility/2006">
-    <mc:Choice xmlns:p14="http://schemas.microsoft.com/office/powerpoint/2010/main" Requires="p14">
+  <mc:AlternateContent xmlns:mc="http://schemas.openxmlformats.org/markup-compatibility/2006" xmlns:p14="http://schemas.microsoft.com/office/powerpoint/2010/main">
+    <mc:Choice Requires="p14">
       <p:transition spd="med" p14:dur="700">
         <p:fade/>
       </p:transition>
     </mc:Choice>
-    <mc:Fallback>
+    <mc:Fallback xmlns="">
       <p:transition spd="med">
         <p:fade/>
       </p:transition>
@@ -23840,7 +23438,6 @@
               <a:rPr lang="zh-CN" altLang="en-US" dirty="0"/>
               <a:t>一、大语言模型是什么？</a:t>
             </a:r>
-            <a:endParaRPr lang="zh-CN" altLang="en-US" dirty="0"/>
           </a:p>
         </p:txBody>
       </p:sp>
@@ -23904,10 +23501,6 @@
               </a:rPr>
               <a:t>。它不仅能够生成自然语言文本，还能够深入理解文本含义，处理各种自然语言任务，如文本摘要、问答、翻译等。</a:t>
             </a:r>
-            <a:endParaRPr lang="zh-CN" altLang="en-US" sz="2400" dirty="0">
-              <a:latin typeface="黑体" panose="02010609060101010101" pitchFamily="49" charset="-122"/>
-              <a:ea typeface="黑体" panose="02010609060101010101" pitchFamily="49" charset="-122"/>
-            </a:endParaRPr>
           </a:p>
         </p:txBody>
       </p:sp>
@@ -23999,13 +23592,13 @@
   <p:clrMapOvr>
     <a:masterClrMapping/>
   </p:clrMapOvr>
-  <mc:AlternateContent xmlns:mc="http://schemas.openxmlformats.org/markup-compatibility/2006">
-    <mc:Choice xmlns:p14="http://schemas.microsoft.com/office/powerpoint/2010/main" Requires="p14">
+  <mc:AlternateContent xmlns:mc="http://schemas.openxmlformats.org/markup-compatibility/2006" xmlns:p14="http://schemas.microsoft.com/office/powerpoint/2010/main">
+    <mc:Choice Requires="p14">
       <p:transition spd="med" p14:dur="700">
         <p:fade/>
       </p:transition>
     </mc:Choice>
-    <mc:Fallback>
+    <mc:Fallback xmlns="">
       <p:transition spd="med">
         <p:fade/>
       </p:transition>
@@ -24182,7 +23775,6 @@
               <a:rPr lang="zh-CN" altLang="en-US" dirty="0"/>
               <a:t>一、大语言模型是什么？</a:t>
             </a:r>
-            <a:endParaRPr lang="zh-CN" altLang="en-US" dirty="0"/>
           </a:p>
         </p:txBody>
       </p:sp>
@@ -24263,10 +23855,6 @@
               </a:rPr>
               <a:t>。它不仅能够生成自然语言文本，还能够深入理解文本含义，处理各种自然语言任务，如文本摘要、问答、翻译等。</a:t>
             </a:r>
-            <a:endParaRPr lang="zh-CN" altLang="en-US" sz="2400" dirty="0">
-              <a:latin typeface="黑体" panose="02010609060101010101" pitchFamily="49" charset="-122"/>
-              <a:ea typeface="黑体" panose="02010609060101010101" pitchFamily="49" charset="-122"/>
-            </a:endParaRPr>
           </a:p>
         </p:txBody>
       </p:sp>
@@ -24468,13 +24056,13 @@
   <p:clrMapOvr>
     <a:masterClrMapping/>
   </p:clrMapOvr>
-  <mc:AlternateContent xmlns:mc="http://schemas.openxmlformats.org/markup-compatibility/2006">
-    <mc:Choice xmlns:p14="http://schemas.microsoft.com/office/powerpoint/2010/main" Requires="p14">
+  <mc:AlternateContent xmlns:mc="http://schemas.openxmlformats.org/markup-compatibility/2006" xmlns:p14="http://schemas.microsoft.com/office/powerpoint/2010/main">
+    <mc:Choice Requires="p14">
       <p:transition spd="med" p14:dur="700">
         <p:fade/>
       </p:transition>
     </mc:Choice>
-    <mc:Fallback>
+    <mc:Fallback xmlns="">
       <p:transition spd="med">
         <p:fade/>
       </p:transition>
@@ -24686,7 +24274,6 @@
               <a:rPr lang="zh-CN" altLang="en-US" dirty="0"/>
               <a:t>一、大语言模型是什么？</a:t>
             </a:r>
-            <a:endParaRPr lang="zh-CN" altLang="en-US" dirty="0"/>
           </a:p>
         </p:txBody>
       </p:sp>
@@ -24767,10 +24354,6 @@
               </a:rPr>
               <a:t>。它不仅能够生成自然语言文本，还能够深入理解文本含义，处理各种自然语言任务，如文本摘要、问答、翻译等。</a:t>
             </a:r>
-            <a:endParaRPr lang="zh-CN" altLang="en-US" sz="2400" dirty="0">
-              <a:latin typeface="黑体" panose="02010609060101010101" pitchFamily="49" charset="-122"/>
-              <a:ea typeface="黑体" panose="02010609060101010101" pitchFamily="49" charset="-122"/>
-            </a:endParaRPr>
           </a:p>
         </p:txBody>
       </p:sp>
@@ -24853,10 +24436,6 @@
               </a:rPr>
               <a:t>世界上最高的山是</a:t>
             </a:r>
-            <a:endParaRPr lang="zh-CN" altLang="en-US" sz="2000" dirty="0">
-              <a:latin typeface="黑体" panose="02010609060101010101" pitchFamily="49" charset="-122"/>
-              <a:ea typeface="黑体" panose="02010609060101010101" pitchFamily="49" charset="-122"/>
-            </a:endParaRPr>
           </a:p>
         </p:txBody>
       </p:sp>
@@ -25323,10 +24902,6 @@
               </a:rPr>
               <a:t>世界上最高的山是珠</a:t>
             </a:r>
-            <a:endParaRPr lang="zh-CN" altLang="en-US" sz="2000" dirty="0">
-              <a:latin typeface="黑体" panose="02010609060101010101" pitchFamily="49" charset="-122"/>
-              <a:ea typeface="黑体" panose="02010609060101010101" pitchFamily="49" charset="-122"/>
-            </a:endParaRPr>
           </a:p>
         </p:txBody>
       </p:sp>
@@ -25711,13 +25286,13 @@
   <p:clrMapOvr>
     <a:masterClrMapping/>
   </p:clrMapOvr>
-  <mc:AlternateContent xmlns:mc="http://schemas.openxmlformats.org/markup-compatibility/2006">
-    <mc:Choice xmlns:p14="http://schemas.microsoft.com/office/powerpoint/2010/main" Requires="p14">
+  <mc:AlternateContent xmlns:mc="http://schemas.openxmlformats.org/markup-compatibility/2006" xmlns:p14="http://schemas.microsoft.com/office/powerpoint/2010/main">
+    <mc:Choice Requires="p14">
       <p:transition spd="med" p14:dur="700">
         <p:fade/>
       </p:transition>
     </mc:Choice>
-    <mc:Fallback>
+    <mc:Fallback xmlns="">
       <p:transition spd="med">
         <p:fade/>
       </p:transition>
@@ -26779,7 +26354,6 @@
               <a:rPr lang="zh-CN" altLang="en-US" dirty="0"/>
               <a:t>一、大语言模型是什么？</a:t>
             </a:r>
-            <a:endParaRPr lang="zh-CN" altLang="en-US" dirty="0"/>
           </a:p>
         </p:txBody>
       </p:sp>
@@ -26870,10 +26444,6 @@
               </a:rPr>
               <a:t>。它不仅能够生成自然语言文本，还能够深入理解文本含义，处理各种自然语言任务，如文本摘要、问答、翻译等。</a:t>
             </a:r>
-            <a:endParaRPr lang="zh-CN" altLang="en-US" sz="2400" dirty="0">
-              <a:latin typeface="黑体" panose="02010609060101010101" pitchFamily="49" charset="-122"/>
-              <a:ea typeface="黑体" panose="02010609060101010101" pitchFamily="49" charset="-122"/>
-            </a:endParaRPr>
           </a:p>
         </p:txBody>
       </p:sp>
@@ -27299,13 +26869,13 @@
   <p:clrMapOvr>
     <a:masterClrMapping/>
   </p:clrMapOvr>
-  <mc:AlternateContent xmlns:mc="http://schemas.openxmlformats.org/markup-compatibility/2006">
-    <mc:Choice xmlns:p14="http://schemas.microsoft.com/office/powerpoint/2010/main" Requires="p14">
+  <mc:AlternateContent xmlns:mc="http://schemas.openxmlformats.org/markup-compatibility/2006" xmlns:p14="http://schemas.microsoft.com/office/powerpoint/2010/main">
+    <mc:Choice Requires="p14">
       <p:transition spd="med" p14:dur="700">
         <p:fade/>
       </p:transition>
     </mc:Choice>
-    <mc:Fallback>
+    <mc:Fallback xmlns="">
       <p:transition spd="med">
         <p:fade/>
       </p:transition>
@@ -27668,7 +27238,6 @@
               <a:rPr lang="zh-CN" altLang="en-US" dirty="0"/>
               <a:t>一、大语言模型是什么？</a:t>
             </a:r>
-            <a:endParaRPr lang="zh-CN" altLang="en-US" dirty="0"/>
           </a:p>
         </p:txBody>
       </p:sp>
@@ -27759,10 +27328,6 @@
               </a:rPr>
               <a:t>。它不仅能够生成自然语言文本，还能够深入理解文本含义，处理各种自然语言任务，如文本摘要、问答、翻译等。</a:t>
             </a:r>
-            <a:endParaRPr lang="zh-CN" altLang="en-US" sz="2400" dirty="0">
-              <a:latin typeface="黑体" panose="02010609060101010101" pitchFamily="49" charset="-122"/>
-              <a:ea typeface="黑体" panose="02010609060101010101" pitchFamily="49" charset="-122"/>
-            </a:endParaRPr>
           </a:p>
         </p:txBody>
       </p:sp>
@@ -28339,13 +27904,13 @@
   <p:clrMapOvr>
     <a:masterClrMapping/>
   </p:clrMapOvr>
-  <mc:AlternateContent xmlns:mc="http://schemas.openxmlformats.org/markup-compatibility/2006">
-    <mc:Choice xmlns:p14="http://schemas.microsoft.com/office/powerpoint/2010/main" Requires="p14">
+  <mc:AlternateContent xmlns:mc="http://schemas.openxmlformats.org/markup-compatibility/2006" xmlns:p14="http://schemas.microsoft.com/office/powerpoint/2010/main">
+    <mc:Choice Requires="p14">
       <p:transition spd="med" p14:dur="700">
         <p:fade/>
       </p:transition>
     </mc:Choice>
-    <mc:Fallback>
+    <mc:Fallback xmlns="">
       <p:transition spd="med">
         <p:fade/>
       </p:transition>
@@ -28620,7 +28185,6 @@
               <a:rPr lang="zh-CN" altLang="en-US" dirty="0"/>
               <a:t>二、如何与大语言模型聊天？</a:t>
             </a:r>
-            <a:endParaRPr lang="zh-CN" altLang="en-US" dirty="0"/>
           </a:p>
         </p:txBody>
       </p:sp>
@@ -28667,11 +28231,6 @@
               </a:rPr>
               <a:t>prompt</a:t>
             </a:r>
-            <a:endParaRPr lang="en-US" altLang="zh-CN" sz="2400" dirty="0">
-              <a:latin typeface="Times New Roman" panose="02020603050405020304" charset="0"/>
-              <a:ea typeface="黑体" panose="02010609060101010101" pitchFamily="49" charset="-122"/>
-              <a:cs typeface="Times New Roman" panose="02020603050405020304" charset="0"/>
-            </a:endParaRPr>
           </a:p>
           <a:p>
             <a:pPr>
@@ -28695,11 +28254,6 @@
               </a:rPr>
               <a:t>temperature</a:t>
             </a:r>
-            <a:endParaRPr lang="en-US" altLang="zh-CN" sz="2400" dirty="0">
-              <a:latin typeface="Times New Roman" panose="02020603050405020304" charset="0"/>
-              <a:ea typeface="黑体" panose="02010609060101010101" pitchFamily="49" charset="-122"/>
-              <a:cs typeface="Times New Roman" panose="02020603050405020304" charset="0"/>
-            </a:endParaRPr>
           </a:p>
           <a:p>
             <a:pPr>
@@ -28819,13 +28373,13 @@
           <p:nvPr/>
         </p:nvPicPr>
         <p:blipFill>
-          <a:blip r:embed="rId1">
+          <a:blip r:embed="rId3">
             <a:extLst>
               <a:ext uri="{28A0092B-C50C-407E-A947-70E740481C1C}">
                 <a14:useLocalDpi xmlns:a14="http://schemas.microsoft.com/office/drawing/2010/main" val="0"/>
               </a:ext>
               <a:ext uri="{96DAC541-7B7A-43D3-8B79-37D633B846F1}">
-                <asvg:svgBlip xmlns:asvg="http://schemas.microsoft.com/office/drawing/2016/SVG/main" r:embed="rId2"/>
+                <asvg:svgBlip xmlns:asvg="http://schemas.microsoft.com/office/drawing/2016/SVG/main" r:embed="rId4"/>
               </a:ext>
             </a:extLst>
           </a:blip>
@@ -28848,13 +28402,13 @@
   <p:clrMapOvr>
     <a:masterClrMapping/>
   </p:clrMapOvr>
-  <mc:AlternateContent xmlns:mc="http://schemas.openxmlformats.org/markup-compatibility/2006">
-    <mc:Choice xmlns:p14="http://schemas.microsoft.com/office/powerpoint/2010/main" Requires="p14">
+  <mc:AlternateContent xmlns:mc="http://schemas.openxmlformats.org/markup-compatibility/2006" xmlns:p14="http://schemas.microsoft.com/office/powerpoint/2010/main">
+    <mc:Choice Requires="p14">
       <p:transition spd="med" p14:dur="700">
         <p:fade/>
       </p:transition>
     </mc:Choice>
-    <mc:Fallback>
+    <mc:Fallback xmlns="">
       <p:transition spd="med">
         <p:fade/>
       </p:transition>
@@ -28901,7 +28455,6 @@
               <a:rPr lang="zh-CN" altLang="en-US" dirty="0"/>
               <a:t>二、如何与大语言模型聊天？</a:t>
             </a:r>
-            <a:endParaRPr lang="zh-CN" altLang="en-US" dirty="0"/>
           </a:p>
         </p:txBody>
       </p:sp>
@@ -28948,11 +28501,6 @@
               </a:rPr>
               <a:t>prompt</a:t>
             </a:r>
-            <a:endParaRPr lang="en-US" altLang="zh-CN" sz="2400" dirty="0">
-              <a:latin typeface="Times New Roman" panose="02020603050405020304" charset="0"/>
-              <a:ea typeface="黑体" panose="02010609060101010101" pitchFamily="49" charset="-122"/>
-              <a:cs typeface="Times New Roman" panose="02020603050405020304" charset="0"/>
-            </a:endParaRPr>
           </a:p>
         </p:txBody>
       </p:sp>
@@ -29133,21 +28681,6 @@
               </a:rPr>
               <a:t>模型？</a:t>
             </a:r>
-            <a:endParaRPr lang="zh-CN" altLang="en-US" sz="2000" dirty="0">
-              <a:ln w="0"/>
-              <a:solidFill>
-                <a:srgbClr val="00B0F0"/>
-              </a:solidFill>
-              <a:effectLst>
-                <a:outerShdw blurRad="38100" dist="19050" dir="2700000" algn="tl" rotWithShape="0">
-                  <a:schemeClr val="dk1">
-                    <a:alpha val="40000"/>
-                  </a:schemeClr>
-                </a:outerShdw>
-              </a:effectLst>
-              <a:latin typeface="黑体" panose="02010609060101010101" pitchFamily="49" charset="-122"/>
-              <a:ea typeface="黑体" panose="02010609060101010101" pitchFamily="49" charset="-122"/>
-            </a:endParaRPr>
           </a:p>
         </p:txBody>
       </p:sp>
@@ -29291,21 +28824,6 @@
               </a:rPr>
               <a:t>模型？</a:t>
             </a:r>
-            <a:endParaRPr lang="zh-CN" altLang="en-US" sz="2000" dirty="0">
-              <a:ln w="0"/>
-              <a:solidFill>
-                <a:srgbClr val="00B0F0"/>
-              </a:solidFill>
-              <a:effectLst>
-                <a:outerShdw blurRad="38100" dist="19050" dir="2700000" algn="tl" rotWithShape="0">
-                  <a:schemeClr val="dk1">
-                    <a:alpha val="40000"/>
-                  </a:schemeClr>
-                </a:outerShdw>
-              </a:effectLst>
-              <a:latin typeface="黑体" panose="02010609060101010101" pitchFamily="49" charset="-122"/>
-              <a:ea typeface="黑体" panose="02010609060101010101" pitchFamily="49" charset="-122"/>
-            </a:endParaRPr>
           </a:p>
         </p:txBody>
       </p:sp>
@@ -30146,7 +29664,6 @@
               <a:rPr lang="zh-CN" altLang="en-US" dirty="0"/>
               <a:t>二、如何与大语言模型聊天？</a:t>
             </a:r>
-            <a:endParaRPr lang="zh-CN" altLang="en-US" dirty="0"/>
           </a:p>
         </p:txBody>
       </p:sp>
@@ -30193,11 +29710,6 @@
               </a:rPr>
               <a:t>temperature</a:t>
             </a:r>
-            <a:endParaRPr lang="en-US" altLang="zh-CN" sz="2400" dirty="0">
-              <a:latin typeface="Times New Roman" panose="02020603050405020304" charset="0"/>
-              <a:ea typeface="黑体" panose="02010609060101010101" pitchFamily="49" charset="-122"/>
-              <a:cs typeface="Times New Roman" panose="02020603050405020304" charset="0"/>
-            </a:endParaRPr>
           </a:p>
         </p:txBody>
       </p:sp>
@@ -30386,21 +29898,6 @@
               </a:rPr>
               <a:t>模型？</a:t>
             </a:r>
-            <a:endParaRPr lang="zh-CN" altLang="en-US" sz="2000" dirty="0">
-              <a:ln w="0"/>
-              <a:solidFill>
-                <a:srgbClr val="00B0F0"/>
-              </a:solidFill>
-              <a:effectLst>
-                <a:outerShdw blurRad="38100" dist="19050" dir="2700000" algn="tl" rotWithShape="0">
-                  <a:schemeClr val="dk1">
-                    <a:alpha val="40000"/>
-                  </a:schemeClr>
-                </a:outerShdw>
-              </a:effectLst>
-              <a:latin typeface="黑体" panose="02010609060101010101" pitchFamily="49" charset="-122"/>
-              <a:ea typeface="黑体" panose="02010609060101010101" pitchFamily="49" charset="-122"/>
-            </a:endParaRPr>
           </a:p>
         </p:txBody>
       </p:sp>
@@ -30580,21 +30077,6 @@
               </a:rPr>
               <a:t>五谷的课程计划</a:t>
             </a:r>
-            <a:endParaRPr lang="zh-CN" altLang="en-US" sz="2000" dirty="0">
-              <a:ln w="0"/>
-              <a:solidFill>
-                <a:srgbClr val="00B0F0"/>
-              </a:solidFill>
-              <a:effectLst>
-                <a:outerShdw blurRad="38100" dist="19050" dir="2700000" algn="tl" rotWithShape="0">
-                  <a:schemeClr val="dk1">
-                    <a:alpha val="40000"/>
-                  </a:schemeClr>
-                </a:outerShdw>
-              </a:effectLst>
-              <a:latin typeface="黑体" panose="02010609060101010101" pitchFamily="49" charset="-122"/>
-              <a:ea typeface="黑体" panose="02010609060101010101" pitchFamily="49" charset="-122"/>
-            </a:endParaRPr>
           </a:p>
         </p:txBody>
       </p:sp>
@@ -31217,10 +30699,6 @@
               </a:rPr>
               <a:t>先下载一个机体和模型</a:t>
             </a:r>
-            <a:endParaRPr lang="zh-CN" altLang="en-US" sz="2400" dirty="0">
-              <a:latin typeface="黑体" panose="02010609060101010101" pitchFamily="49" charset="-122"/>
-              <a:ea typeface="黑体" panose="02010609060101010101" pitchFamily="49" charset="-122"/>
-            </a:endParaRPr>
           </a:p>
         </p:txBody>
       </p:sp>
@@ -31280,7 +30758,6 @@
               <a:rPr lang="zh-CN" altLang="en-US" dirty="0"/>
               <a:t>https://hf-mirror.com/</a:t>
             </a:r>
-            <a:endParaRPr lang="zh-CN" altLang="en-US" dirty="0"/>
           </a:p>
         </p:txBody>
       </p:sp>
@@ -31310,7 +30787,6 @@
               <a:rPr lang="zh-CN" altLang="en-US" dirty="0"/>
               <a:t>一、简要说明</a:t>
             </a:r>
-            <a:endParaRPr lang="zh-CN" altLang="en-US" dirty="0"/>
           </a:p>
         </p:txBody>
       </p:sp>
@@ -31323,7 +30799,7 @@
           <p:nvPr/>
         </p:nvPicPr>
         <p:blipFill>
-          <a:blip r:embed="rId1"/>
+          <a:blip r:embed="rId3"/>
           <a:stretch>
             <a:fillRect/>
           </a:stretch>
@@ -31357,7 +30833,7 @@
           <p:nvPr/>
         </p:nvPicPr>
         <p:blipFill>
-          <a:blip r:embed="rId2"/>
+          <a:blip r:embed="rId4"/>
           <a:stretch>
             <a:fillRect/>
           </a:stretch>
@@ -31428,7 +30904,6 @@
               <a:rPr lang="zh-CN" altLang="en-US" dirty="0"/>
               <a:t>二、如何与大语言模型聊天？</a:t>
             </a:r>
-            <a:endParaRPr lang="zh-CN" altLang="en-US" dirty="0"/>
           </a:p>
         </p:txBody>
       </p:sp>
@@ -32033,13 +31508,6 @@
               </a:rPr>
               <a:t>砍掉一部分词</a:t>
             </a:r>
-            <a:endParaRPr lang="zh-CN" altLang="en-US" sz="2000" dirty="0">
-              <a:solidFill>
-                <a:srgbClr val="FF0000"/>
-              </a:solidFill>
-              <a:latin typeface="黑体" panose="02010609060101010101" pitchFamily="49" charset="-122"/>
-              <a:ea typeface="黑体" panose="02010609060101010101" pitchFamily="49" charset="-122"/>
-            </a:endParaRPr>
           </a:p>
         </p:txBody>
       </p:sp>
@@ -32729,7 +32197,6 @@
               <a:rPr lang="zh-CN" altLang="en-US" dirty="0"/>
               <a:t>三、主流大语言模型</a:t>
             </a:r>
-            <a:endParaRPr lang="zh-CN" altLang="en-US" dirty="0"/>
           </a:p>
         </p:txBody>
       </p:sp>
@@ -32742,7 +32209,7 @@
           <p:nvPr/>
         </p:nvPicPr>
         <p:blipFill rotWithShape="1">
-          <a:blip r:embed="rId1"/>
+          <a:blip r:embed="rId3"/>
           <a:srcRect b="3148"/>
           <a:stretch>
             <a:fillRect/>
@@ -32835,14 +32302,6 @@
               </a:rPr>
               <a:t>智谱清言</a:t>
             </a:r>
-            <a:endParaRPr lang="zh-CN" altLang="en-US" dirty="0">
-              <a:solidFill>
-                <a:srgbClr val="00B0F0"/>
-              </a:solidFill>
-              <a:latin typeface="Times New Roman" panose="02020603050405020304" charset="0"/>
-              <a:ea typeface="黑体" panose="02010609060101010101" pitchFamily="49" charset="-122"/>
-              <a:cs typeface="Times New Roman" panose="02020603050405020304" charset="0"/>
-            </a:endParaRPr>
           </a:p>
         </p:txBody>
       </p:sp>
@@ -32879,14 +32338,6 @@
               </a:rPr>
               <a:t>阿里巴巴</a:t>
             </a:r>
-            <a:endParaRPr lang="zh-CN" altLang="en-US" dirty="0">
-              <a:solidFill>
-                <a:srgbClr val="00B0F0"/>
-              </a:solidFill>
-              <a:latin typeface="Times New Roman" panose="02020603050405020304" charset="0"/>
-              <a:ea typeface="黑体" panose="02010609060101010101" pitchFamily="49" charset="-122"/>
-              <a:cs typeface="Times New Roman" panose="02020603050405020304" charset="0"/>
-            </a:endParaRPr>
           </a:p>
         </p:txBody>
       </p:sp>
@@ -32923,14 +32374,6 @@
               </a:rPr>
               <a:t>百度</a:t>
             </a:r>
-            <a:endParaRPr lang="zh-CN" altLang="en-US" dirty="0">
-              <a:solidFill>
-                <a:srgbClr val="00B0F0"/>
-              </a:solidFill>
-              <a:latin typeface="Times New Roman" panose="02020603050405020304" charset="0"/>
-              <a:ea typeface="黑体" panose="02010609060101010101" pitchFamily="49" charset="-122"/>
-              <a:cs typeface="Times New Roman" panose="02020603050405020304" charset="0"/>
-            </a:endParaRPr>
           </a:p>
         </p:txBody>
       </p:sp>
@@ -32967,14 +32410,6 @@
               </a:rPr>
               <a:t>百川</a:t>
             </a:r>
-            <a:endParaRPr lang="zh-CN" altLang="en-US" dirty="0">
-              <a:solidFill>
-                <a:srgbClr val="00B0F0"/>
-              </a:solidFill>
-              <a:latin typeface="Times New Roman" panose="02020603050405020304" charset="0"/>
-              <a:ea typeface="黑体" panose="02010609060101010101" pitchFamily="49" charset="-122"/>
-              <a:cs typeface="Times New Roman" panose="02020603050405020304" charset="0"/>
-            </a:endParaRPr>
           </a:p>
         </p:txBody>
       </p:sp>
@@ -33110,14 +32545,6 @@
               </a:rPr>
               <a:t>零一万物</a:t>
             </a:r>
-            <a:endParaRPr lang="zh-CN" altLang="en-US" dirty="0">
-              <a:solidFill>
-                <a:srgbClr val="00B0F0"/>
-              </a:solidFill>
-              <a:latin typeface="Times New Roman" panose="02020603050405020304" charset="0"/>
-              <a:ea typeface="黑体" panose="02010609060101010101" pitchFamily="49" charset="-122"/>
-              <a:cs typeface="Times New Roman" panose="02020603050405020304" charset="0"/>
-            </a:endParaRPr>
           </a:p>
         </p:txBody>
       </p:sp>
@@ -33130,7 +32557,7 @@
           <p:nvPr/>
         </p:nvPicPr>
         <p:blipFill>
-          <a:blip r:embed="rId2" cstate="print">
+          <a:blip r:embed="rId4" cstate="print">
             <a:extLst>
               <a:ext uri="{28A0092B-C50C-407E-A947-70E740481C1C}">
                 <a14:useLocalDpi xmlns:a14="http://schemas.microsoft.com/office/drawing/2010/main" val="0"/>
@@ -33160,7 +32587,7 @@
           <p:nvPr/>
         </p:nvPicPr>
         <p:blipFill>
-          <a:blip r:embed="rId3" cstate="print">
+          <a:blip r:embed="rId5" cstate="print">
             <a:extLst>
               <a:ext uri="{28A0092B-C50C-407E-A947-70E740481C1C}">
                 <a14:useLocalDpi xmlns:a14="http://schemas.microsoft.com/office/drawing/2010/main" val="0"/>
@@ -33210,10 +32637,6 @@
               </a:rPr>
               <a:t>闭源王者</a:t>
             </a:r>
-            <a:endParaRPr lang="zh-CN" altLang="en-US" sz="2400" dirty="0">
-              <a:latin typeface="黑体" panose="02010609060101010101" pitchFamily="49" charset="-122"/>
-              <a:ea typeface="黑体" panose="02010609060101010101" pitchFamily="49" charset="-122"/>
-            </a:endParaRPr>
           </a:p>
         </p:txBody>
       </p:sp>
@@ -33246,10 +32669,6 @@
               </a:rPr>
               <a:t>开源王者</a:t>
             </a:r>
-            <a:endParaRPr lang="zh-CN" altLang="en-US" sz="2400" dirty="0">
-              <a:latin typeface="黑体" panose="02010609060101010101" pitchFamily="49" charset="-122"/>
-              <a:ea typeface="黑体" panose="02010609060101010101" pitchFamily="49" charset="-122"/>
-            </a:endParaRPr>
           </a:p>
         </p:txBody>
       </p:sp>
@@ -33354,13 +32773,13 @@
   <p:clrMapOvr>
     <a:masterClrMapping/>
   </p:clrMapOvr>
-  <mc:AlternateContent xmlns:mc="http://schemas.openxmlformats.org/markup-compatibility/2006">
-    <mc:Choice xmlns:p14="http://schemas.microsoft.com/office/powerpoint/2010/main" Requires="p14">
+  <mc:AlternateContent xmlns:mc="http://schemas.openxmlformats.org/markup-compatibility/2006" xmlns:p14="http://schemas.microsoft.com/office/powerpoint/2010/main">
+    <mc:Choice Requires="p14">
       <p:transition spd="med" p14:dur="700">
         <p:fade/>
       </p:transition>
     </mc:Choice>
-    <mc:Fallback>
+    <mc:Fallback xmlns="">
       <p:transition spd="med">
         <p:fade/>
       </p:transition>
@@ -34127,7 +33546,6 @@
               <a:rPr lang="zh-CN" altLang="en-US" dirty="0"/>
               <a:t>大语言模型的应用</a:t>
             </a:r>
-            <a:endParaRPr lang="zh-CN" altLang="en-US" dirty="0"/>
           </a:p>
         </p:txBody>
       </p:sp>
@@ -34152,7 +33570,6 @@
               <a:rPr lang="zh-CN" altLang="en-US" sz="6600" b="1" dirty="0"/>
               <a:t>知识库问答</a:t>
             </a:r>
-            <a:endParaRPr lang="zh-CN" altLang="en-US" sz="6600" b="1" dirty="0"/>
           </a:p>
         </p:txBody>
       </p:sp>
@@ -34203,7 +33620,6 @@
               <a:rPr lang="zh-CN" altLang="en-US" dirty="0"/>
               <a:t>为什么要知识库问答？</a:t>
             </a:r>
-            <a:endParaRPr lang="zh-CN" altLang="en-US" dirty="0"/>
           </a:p>
         </p:txBody>
       </p:sp>
@@ -34240,10 +33656,6 @@
               </a:rPr>
               <a:t>大语言模型的知识有局限</a:t>
             </a:r>
-            <a:endParaRPr lang="zh-CN" altLang="en-US" sz="2400" dirty="0">
-              <a:latin typeface="黑体" panose="02010609060101010101" pitchFamily="49" charset="-122"/>
-              <a:ea typeface="黑体" panose="02010609060101010101" pitchFamily="49" charset="-122"/>
-            </a:endParaRPr>
           </a:p>
         </p:txBody>
       </p:sp>
@@ -34442,10 +33854,6 @@
               </a:rPr>
               <a:t>应用受限</a:t>
             </a:r>
-            <a:endParaRPr lang="zh-CN" altLang="en-US" sz="2400" dirty="0">
-              <a:latin typeface="黑体" panose="02010609060101010101" pitchFamily="49" charset="-122"/>
-              <a:ea typeface="黑体" panose="02010609060101010101" pitchFamily="49" charset="-122"/>
-            </a:endParaRPr>
           </a:p>
         </p:txBody>
       </p:sp>
@@ -34628,13 +34036,13 @@
   <p:clrMapOvr>
     <a:masterClrMapping/>
   </p:clrMapOvr>
-  <mc:AlternateContent xmlns:mc="http://schemas.openxmlformats.org/markup-compatibility/2006">
-    <mc:Choice xmlns:p14="http://schemas.microsoft.com/office/powerpoint/2010/main" Requires="p14">
+  <mc:AlternateContent xmlns:mc="http://schemas.openxmlformats.org/markup-compatibility/2006" xmlns:p14="http://schemas.microsoft.com/office/powerpoint/2010/main">
+    <mc:Choice Requires="p14">
       <p:transition spd="med" p14:dur="700">
         <p:fade/>
       </p:transition>
     </mc:Choice>
-    <mc:Fallback>
+    <mc:Fallback xmlns="">
       <p:transition spd="med">
         <p:fade/>
       </p:transition>
@@ -35142,7 +34550,7 @@
         </p:xfrm>
         <a:graphic>
           <a:graphicData uri="http://schemas.openxmlformats.org/drawingml/2006/diagram">
-            <dgm:relIds xmlns:dgm="http://schemas.openxmlformats.org/drawingml/2006/diagram" xmlns:r="http://schemas.openxmlformats.org/officeDocument/2006/relationships" r:dm="rId1" r:lo="rId2" r:qs="rId3" r:cs="rId4"/>
+            <dgm:relIds xmlns:dgm="http://schemas.openxmlformats.org/drawingml/2006/diagram" xmlns:r="http://schemas.openxmlformats.org/officeDocument/2006/relationships" r:dm="rId3" r:lo="rId4" r:qs="rId5" r:cs="rId6"/>
           </a:graphicData>
         </a:graphic>
       </p:graphicFrame>
@@ -35151,13 +34559,13 @@
   <p:clrMapOvr>
     <a:masterClrMapping/>
   </p:clrMapOvr>
-  <mc:AlternateContent xmlns:mc="http://schemas.openxmlformats.org/markup-compatibility/2006">
-    <mc:Choice xmlns:p14="http://schemas.microsoft.com/office/powerpoint/2010/main" Requires="p14">
+  <mc:AlternateContent xmlns:mc="http://schemas.openxmlformats.org/markup-compatibility/2006" xmlns:p14="http://schemas.microsoft.com/office/powerpoint/2010/main">
+    <mc:Choice Requires="p14">
       <p:transition spd="med" p14:dur="700">
         <p:fade/>
       </p:transition>
     </mc:Choice>
-    <mc:Fallback>
+    <mc:Fallback xmlns="">
       <p:transition spd="med">
         <p:fade/>
       </p:transition>
@@ -35205,7 +34613,6 @@
               <a:rPr lang="zh-CN" altLang="en-US" dirty="0"/>
               <a:t>一、知识库是什么？</a:t>
             </a:r>
-            <a:endParaRPr lang="zh-CN" altLang="en-US" dirty="0"/>
           </a:p>
         </p:txBody>
       </p:sp>
@@ -35238,10 +34645,6 @@
               </a:rPr>
               <a:t>用户的私有数据</a:t>
             </a:r>
-            <a:endParaRPr lang="zh-CN" altLang="en-US" sz="2400" dirty="0">
-              <a:latin typeface="黑体" panose="02010609060101010101" pitchFamily="49" charset="-122"/>
-              <a:ea typeface="黑体" panose="02010609060101010101" pitchFamily="49" charset="-122"/>
-            </a:endParaRPr>
           </a:p>
         </p:txBody>
       </p:sp>
@@ -35254,13 +34657,13 @@
           <p:nvPr/>
         </p:nvPicPr>
         <p:blipFill>
-          <a:blip r:embed="rId1">
+          <a:blip r:embed="rId3">
             <a:extLst>
               <a:ext uri="{28A0092B-C50C-407E-A947-70E740481C1C}">
                 <a14:useLocalDpi xmlns:a14="http://schemas.microsoft.com/office/drawing/2010/main" val="0"/>
               </a:ext>
               <a:ext uri="{96DAC541-7B7A-43D3-8B79-37D633B846F1}">
-                <asvg:svgBlip xmlns:asvg="http://schemas.microsoft.com/office/drawing/2016/SVG/main" r:embed="rId2"/>
+                <asvg:svgBlip xmlns:asvg="http://schemas.microsoft.com/office/drawing/2016/SVG/main" r:embed="rId4"/>
               </a:ext>
             </a:extLst>
           </a:blip>
@@ -35307,10 +34710,6 @@
               </a:rPr>
               <a:t>向量数据库</a:t>
             </a:r>
-            <a:endParaRPr lang="zh-CN" altLang="en-US" sz="2400" dirty="0">
-              <a:latin typeface="黑体" panose="02010609060101010101" pitchFamily="49" charset="-122"/>
-              <a:ea typeface="黑体" panose="02010609060101010101" pitchFamily="49" charset="-122"/>
-            </a:endParaRPr>
           </a:p>
         </p:txBody>
       </p:sp>
@@ -35447,10 +34846,6 @@
               </a:rPr>
               <a:t>易于进行相似度计算，实现语义检索</a:t>
             </a:r>
-            <a:endParaRPr lang="zh-CN" altLang="en-US" sz="2400" dirty="0">
-              <a:latin typeface="黑体" panose="02010609060101010101" pitchFamily="49" charset="-122"/>
-              <a:ea typeface="黑体" panose="02010609060101010101" pitchFamily="49" charset="-122"/>
-            </a:endParaRPr>
           </a:p>
         </p:txBody>
       </p:sp>
@@ -35500,11 +34895,6 @@
               </a:rPr>
               <a:t>嵌入</a:t>
             </a:r>
-            <a:endParaRPr lang="zh-CN" altLang="en-US" sz="2400" dirty="0">
-              <a:latin typeface="Times New Roman" panose="02020603050405020304" charset="0"/>
-              <a:ea typeface="黑体" panose="02010609060101010101" pitchFamily="49" charset="-122"/>
-              <a:cs typeface="Times New Roman" panose="02020603050405020304" charset="0"/>
-            </a:endParaRPr>
           </a:p>
         </p:txBody>
       </p:sp>
@@ -35553,13 +34943,13 @@
   <p:clrMapOvr>
     <a:masterClrMapping/>
   </p:clrMapOvr>
-  <mc:AlternateContent xmlns:mc="http://schemas.openxmlformats.org/markup-compatibility/2006">
-    <mc:Choice xmlns:p14="http://schemas.microsoft.com/office/powerpoint/2010/main" Requires="p14">
+  <mc:AlternateContent xmlns:mc="http://schemas.openxmlformats.org/markup-compatibility/2006" xmlns:p14="http://schemas.microsoft.com/office/powerpoint/2010/main">
+    <mc:Choice Requires="p14">
       <p:transition spd="med" p14:dur="700">
         <p:fade/>
       </p:transition>
     </mc:Choice>
-    <mc:Fallback>
+    <mc:Fallback xmlns="">
       <p:transition spd="med">
         <p:fade/>
       </p:transition>
@@ -36088,7 +35478,6 @@
               <a:rPr lang="zh-CN" altLang="en-US" dirty="0"/>
               <a:t>二、知识库问答流程</a:t>
             </a:r>
-            <a:endParaRPr lang="zh-CN" altLang="en-US" dirty="0"/>
           </a:p>
         </p:txBody>
       </p:sp>
@@ -36481,10 +35870,6 @@
               </a:rPr>
               <a:t>①</a:t>
             </a:r>
-            <a:endParaRPr lang="zh-CN" altLang="en-US" sz="2000" dirty="0">
-              <a:latin typeface="黑体" panose="02010609060101010101" pitchFamily="49" charset="-122"/>
-              <a:ea typeface="黑体" panose="02010609060101010101" pitchFamily="49" charset="-122"/>
-            </a:endParaRPr>
           </a:p>
         </p:txBody>
       </p:sp>
@@ -36564,10 +35949,6 @@
               </a:rPr>
               <a:t>②</a:t>
             </a:r>
-            <a:endParaRPr lang="zh-CN" altLang="en-US" sz="2000" dirty="0">
-              <a:latin typeface="黑体" panose="02010609060101010101" pitchFamily="49" charset="-122"/>
-              <a:ea typeface="黑体" panose="02010609060101010101" pitchFamily="49" charset="-122"/>
-            </a:endParaRPr>
           </a:p>
         </p:txBody>
       </p:sp>
@@ -36647,10 +36028,6 @@
               </a:rPr>
               <a:t>③</a:t>
             </a:r>
-            <a:endParaRPr lang="zh-CN" altLang="en-US" sz="2000" dirty="0">
-              <a:latin typeface="黑体" panose="02010609060101010101" pitchFamily="49" charset="-122"/>
-              <a:ea typeface="黑体" panose="02010609060101010101" pitchFamily="49" charset="-122"/>
-            </a:endParaRPr>
           </a:p>
         </p:txBody>
       </p:sp>
@@ -36692,14 +36069,6 @@
               </a:rPr>
               <a:t>Answer</a:t>
             </a:r>
-            <a:endParaRPr lang="en-US" altLang="zh-CN" sz="2400" dirty="0">
-              <a:solidFill>
-                <a:srgbClr val="FF00FF"/>
-              </a:solidFill>
-              <a:latin typeface="Times New Roman" panose="02020603050405020304" charset="0"/>
-              <a:ea typeface="黑体" panose="02010609060101010101" pitchFamily="49" charset="-122"/>
-              <a:cs typeface="Times New Roman" panose="02020603050405020304" charset="0"/>
-            </a:endParaRPr>
           </a:p>
         </p:txBody>
       </p:sp>
@@ -36741,14 +36110,6 @@
               </a:rPr>
               <a:t>Query</a:t>
             </a:r>
-            <a:endParaRPr lang="en-US" altLang="zh-CN" sz="2400" dirty="0">
-              <a:solidFill>
-                <a:srgbClr val="0070C0"/>
-              </a:solidFill>
-              <a:latin typeface="Times New Roman" panose="02020603050405020304" charset="0"/>
-              <a:ea typeface="黑体" panose="02010609060101010101" pitchFamily="49" charset="-122"/>
-              <a:cs typeface="Times New Roman" panose="02020603050405020304" charset="0"/>
-            </a:endParaRPr>
           </a:p>
         </p:txBody>
       </p:sp>
@@ -36781,10 +36142,6 @@
               </a:rPr>
               <a:t>闭卷考试变成开卷考试！</a:t>
             </a:r>
-            <a:endParaRPr lang="zh-CN" altLang="en-US" sz="2000" dirty="0">
-              <a:latin typeface="黑体" panose="02010609060101010101" pitchFamily="49" charset="-122"/>
-              <a:ea typeface="黑体" panose="02010609060101010101" pitchFamily="49" charset="-122"/>
-            </a:endParaRPr>
           </a:p>
         </p:txBody>
       </p:sp>
@@ -36831,13 +36188,13 @@
   <p:clrMapOvr>
     <a:masterClrMapping/>
   </p:clrMapOvr>
-  <mc:AlternateContent xmlns:mc="http://schemas.openxmlformats.org/markup-compatibility/2006">
-    <mc:Choice xmlns:p14="http://schemas.microsoft.com/office/powerpoint/2010/main" Requires="p14">
+  <mc:AlternateContent xmlns:mc="http://schemas.openxmlformats.org/markup-compatibility/2006" xmlns:p14="http://schemas.microsoft.com/office/powerpoint/2010/main">
+    <mc:Choice Requires="p14">
       <p:transition spd="med" p14:dur="700">
         <p:fade/>
       </p:transition>
     </mc:Choice>
-    <mc:Fallback>
+    <mc:Fallback xmlns="">
       <p:transition spd="med">
         <p:fade/>
       </p:transition>
@@ -37555,7 +36912,6 @@
               <a:rPr lang="zh-CN" altLang="en-US" dirty="0"/>
               <a:t>思考</a:t>
             </a:r>
-            <a:endParaRPr lang="zh-CN" altLang="en-US" dirty="0"/>
           </a:p>
         </p:txBody>
       </p:sp>
@@ -37588,10 +36944,6 @@
               </a:rPr>
               <a:t>结合自己的专业，说说如何利用知识库问答这项技术</a:t>
             </a:r>
-            <a:endParaRPr lang="zh-CN" altLang="en-US" sz="2400" dirty="0">
-              <a:latin typeface="黑体" panose="02010609060101010101" pitchFamily="49" charset="-122"/>
-              <a:ea typeface="黑体" panose="02010609060101010101" pitchFamily="49" charset="-122"/>
-            </a:endParaRPr>
           </a:p>
         </p:txBody>
       </p:sp>
@@ -37600,13 +36952,13 @@
   <p:clrMapOvr>
     <a:masterClrMapping/>
   </p:clrMapOvr>
-  <mc:AlternateContent xmlns:mc="http://schemas.openxmlformats.org/markup-compatibility/2006">
-    <mc:Choice xmlns:p14="http://schemas.microsoft.com/office/powerpoint/2010/main" Requires="p14">
+  <mc:AlternateContent xmlns:mc="http://schemas.openxmlformats.org/markup-compatibility/2006" xmlns:p14="http://schemas.microsoft.com/office/powerpoint/2010/main">
+    <mc:Choice Requires="p14">
       <p:transition spd="med" p14:dur="700">
         <p:fade/>
       </p:transition>
     </mc:Choice>
-    <mc:Fallback>
+    <mc:Fallback xmlns="">
       <p:transition spd="med">
         <p:fade/>
       </p:transition>
@@ -37740,7 +37092,6 @@
               <a:rPr lang="zh-CN" altLang="en-US" dirty="0"/>
               <a:t>大语言模型的应用</a:t>
             </a:r>
-            <a:endParaRPr lang="zh-CN" altLang="en-US" dirty="0"/>
           </a:p>
         </p:txBody>
       </p:sp>
@@ -37765,7 +37116,6 @@
               <a:rPr lang="zh-CN" altLang="en-US" sz="6600" b="1" dirty="0"/>
               <a:t>智能体</a:t>
             </a:r>
-            <a:endParaRPr lang="zh-CN" altLang="en-US" sz="6600" b="1" dirty="0"/>
           </a:p>
         </p:txBody>
       </p:sp>
@@ -37806,7 +37156,7 @@
         </p:xfrm>
         <a:graphic>
           <a:graphicData uri="http://schemas.openxmlformats.org/drawingml/2006/diagram">
-            <dgm:relIds xmlns:dgm="http://schemas.openxmlformats.org/drawingml/2006/diagram" xmlns:r="http://schemas.openxmlformats.org/officeDocument/2006/relationships" r:dm="rId1" r:lo="rId2" r:qs="rId3" r:cs="rId4"/>
+            <dgm:relIds xmlns:dgm="http://schemas.openxmlformats.org/drawingml/2006/diagram" xmlns:r="http://schemas.openxmlformats.org/officeDocument/2006/relationships" r:dm="rId3" r:lo="rId4" r:qs="rId5" r:cs="rId6"/>
           </a:graphicData>
         </a:graphic>
       </p:graphicFrame>
@@ -37815,13 +37165,13 @@
   <p:clrMapOvr>
     <a:masterClrMapping/>
   </p:clrMapOvr>
-  <mc:AlternateContent xmlns:mc="http://schemas.openxmlformats.org/markup-compatibility/2006">
-    <mc:Choice xmlns:p14="http://schemas.microsoft.com/office/powerpoint/2010/main" Requires="p14">
+  <mc:AlternateContent xmlns:mc="http://schemas.openxmlformats.org/markup-compatibility/2006" xmlns:p14="http://schemas.microsoft.com/office/powerpoint/2010/main">
+    <mc:Choice Requires="p14">
       <p:transition spd="med" p14:dur="700">
         <p:fade/>
       </p:transition>
     </mc:Choice>
-    <mc:Fallback>
+    <mc:Fallback xmlns="">
       <p:transition spd="med">
         <p:fade/>
       </p:transition>
@@ -37868,7 +37218,6 @@
               <a:rPr lang="zh-CN" altLang="en-US" dirty="0"/>
               <a:t>一、简要说明</a:t>
             </a:r>
-            <a:endParaRPr lang="zh-CN" altLang="en-US" dirty="0"/>
           </a:p>
         </p:txBody>
       </p:sp>
@@ -37919,10 +37268,6 @@
               </a:rPr>
               <a:t> 把灵魂装入肉体</a:t>
             </a:r>
-            <a:endParaRPr lang="zh-CN" altLang="en-US" sz="2400" dirty="0">
-              <a:latin typeface="黑体" panose="02010609060101010101" pitchFamily="49" charset="-122"/>
-              <a:ea typeface="黑体" panose="02010609060101010101" pitchFamily="49" charset="-122"/>
-            </a:endParaRPr>
           </a:p>
         </p:txBody>
       </p:sp>
@@ -37935,7 +37280,7 @@
           <p:nvPr/>
         </p:nvPicPr>
         <p:blipFill>
-          <a:blip r:embed="rId1">
+          <a:blip r:embed="rId3">
             <a:extLst>
               <a:ext uri="{28A0092B-C50C-407E-A947-70E740481C1C}">
                 <a14:useLocalDpi xmlns:a14="http://schemas.microsoft.com/office/drawing/2010/main" val="0"/>
@@ -37965,7 +37310,7 @@
           <p:nvPr/>
         </p:nvPicPr>
         <p:blipFill>
-          <a:blip r:embed="rId2"/>
+          <a:blip r:embed="rId4"/>
           <a:stretch>
             <a:fillRect/>
           </a:stretch>
@@ -38033,11 +37378,6 @@
               </a:rPr>
               <a:t>-64bit.exe</a:t>
             </a:r>
-            <a:endParaRPr lang="en-US" altLang="zh-CN" dirty="0">
-              <a:solidFill>
-                <a:srgbClr val="0070C0"/>
-              </a:solidFill>
-            </a:endParaRPr>
           </a:p>
           <a:p>
             <a:pPr>
@@ -38081,11 +37421,6 @@
               </a:rPr>
               <a:t>-cuda.exe</a:t>
             </a:r>
-            <a:endParaRPr lang="en-US" altLang="zh-CN" dirty="0">
-              <a:solidFill>
-                <a:srgbClr val="00B050"/>
-              </a:solidFill>
-            </a:endParaRPr>
           </a:p>
           <a:p>
             <a:pPr>
@@ -38101,7 +37436,6 @@
               <a:rPr lang="en-US" altLang="zh-CN" dirty="0"/>
               <a:t>-opencl.exe</a:t>
             </a:r>
-            <a:endParaRPr lang="en-US" altLang="zh-CN" dirty="0"/>
           </a:p>
         </p:txBody>
       </p:sp>
@@ -38233,7 +37567,6 @@
               <a:rPr lang="zh-CN" altLang="en-US"/>
               <a:t>一、智能体的定义</a:t>
             </a:r>
-            <a:endParaRPr lang="zh-CN" altLang="en-US"/>
           </a:p>
         </p:txBody>
       </p:sp>
@@ -38300,10 +37633,6 @@
               </a:rPr>
               <a:t>的系统</a:t>
             </a:r>
-            <a:endParaRPr lang="zh-CN" altLang="en-US" sz="2400" dirty="0">
-              <a:latin typeface="黑体" panose="02010609060101010101" pitchFamily="49" charset="-122"/>
-              <a:ea typeface="黑体" panose="02010609060101010101" pitchFamily="49" charset="-122"/>
-            </a:endParaRPr>
           </a:p>
         </p:txBody>
       </p:sp>
@@ -38316,7 +37645,7 @@
           <p:nvPr/>
         </p:nvPicPr>
         <p:blipFill rotWithShape="1">
-          <a:blip r:embed="rId1" cstate="print">
+          <a:blip r:embed="rId3" cstate="print">
             <a:extLst>
               <a:ext uri="{28A0092B-C50C-407E-A947-70E740481C1C}">
                 <a14:useLocalDpi xmlns:a14="http://schemas.microsoft.com/office/drawing/2010/main" val="0"/>
@@ -38392,10 +37721,6 @@
               </a:rPr>
               <a:t>来驱动</a:t>
             </a:r>
-            <a:endParaRPr lang="zh-CN" altLang="en-US" sz="2000" dirty="0">
-              <a:latin typeface="黑体" panose="02010609060101010101" pitchFamily="49" charset="-122"/>
-              <a:ea typeface="黑体" panose="02010609060101010101" pitchFamily="49" charset="-122"/>
-            </a:endParaRPr>
           </a:p>
         </p:txBody>
       </p:sp>
@@ -38428,10 +37753,6 @@
               </a:rPr>
               <a:t>大模型：通过预测的词来驱动</a:t>
             </a:r>
-            <a:endParaRPr lang="zh-CN" altLang="en-US" sz="2000" dirty="0">
-              <a:latin typeface="黑体" panose="02010609060101010101" pitchFamily="49" charset="-122"/>
-              <a:ea typeface="黑体" panose="02010609060101010101" pitchFamily="49" charset="-122"/>
-            </a:endParaRPr>
           </a:p>
         </p:txBody>
       </p:sp>
@@ -38484,30 +37805,6 @@
               </a:rPr>
               <a:t>以前</a:t>
             </a:r>
-            <a:endParaRPr lang="zh-CN" altLang="en-US" sz="2800" b="1" dirty="0">
-              <a:ln w="12700">
-                <a:solidFill>
-                  <a:schemeClr val="accent1"/>
-                </a:solidFill>
-                <a:prstDash val="solid"/>
-              </a:ln>
-              <a:pattFill prst="pct50">
-                <a:fgClr>
-                  <a:schemeClr val="accent1"/>
-                </a:fgClr>
-                <a:bgClr>
-                  <a:schemeClr val="accent1">
-                    <a:lumMod val="20000"/>
-                    <a:lumOff val="80000"/>
-                  </a:schemeClr>
-                </a:bgClr>
-              </a:pattFill>
-              <a:effectLst>
-                <a:outerShdw dist="38100" dir="2640000" algn="bl" rotWithShape="0">
-                  <a:schemeClr val="accent1"/>
-                </a:outerShdw>
-              </a:effectLst>
-            </a:endParaRPr>
           </a:p>
         </p:txBody>
       </p:sp>
@@ -38560,30 +37857,6 @@
               </a:rPr>
               <a:t>现在</a:t>
             </a:r>
-            <a:endParaRPr lang="zh-CN" altLang="en-US" sz="2800" b="1" dirty="0">
-              <a:ln w="12700">
-                <a:solidFill>
-                  <a:schemeClr val="accent1"/>
-                </a:solidFill>
-                <a:prstDash val="solid"/>
-              </a:ln>
-              <a:pattFill prst="pct50">
-                <a:fgClr>
-                  <a:schemeClr val="accent1"/>
-                </a:fgClr>
-                <a:bgClr>
-                  <a:schemeClr val="accent1">
-                    <a:lumMod val="20000"/>
-                    <a:lumOff val="80000"/>
-                  </a:schemeClr>
-                </a:bgClr>
-              </a:pattFill>
-              <a:effectLst>
-                <a:outerShdw dist="38100" dir="2640000" algn="bl" rotWithShape="0">
-                  <a:schemeClr val="accent1"/>
-                </a:outerShdw>
-              </a:effectLst>
-            </a:endParaRPr>
           </a:p>
         </p:txBody>
       </p:sp>
@@ -38943,7 +38216,6 @@
               <a:rPr lang="zh-CN" altLang="en-US" dirty="0"/>
               <a:t>二、如何与现实交互？</a:t>
             </a:r>
-            <a:endParaRPr lang="zh-CN" altLang="en-US" dirty="0"/>
           </a:p>
         </p:txBody>
       </p:sp>
@@ -39004,10 +38276,6 @@
               </a:rPr>
               <a:t>输出解析器</a:t>
             </a:r>
-            <a:endParaRPr lang="zh-CN" altLang="en-US" sz="2400" dirty="0">
-              <a:latin typeface="黑体" panose="02010609060101010101" pitchFamily="49" charset="-122"/>
-              <a:ea typeface="黑体" panose="02010609060101010101" pitchFamily="49" charset="-122"/>
-            </a:endParaRPr>
           </a:p>
         </p:txBody>
       </p:sp>
@@ -39020,7 +38288,7 @@
           <p:nvPr/>
         </p:nvPicPr>
         <p:blipFill>
-          <a:blip r:embed="rId1"/>
+          <a:blip r:embed="rId3"/>
           <a:stretch>
             <a:fillRect/>
           </a:stretch>
@@ -39107,10 +38375,6 @@
               </a:rPr>
               <a:t>解析</a:t>
             </a:r>
-            <a:endParaRPr lang="zh-CN" altLang="en-US" sz="2400" dirty="0">
-              <a:latin typeface="Times New Roman" panose="02020603050405020304" charset="0"/>
-              <a:cs typeface="Times New Roman" panose="02020603050405020304" charset="0"/>
-            </a:endParaRPr>
           </a:p>
         </p:txBody>
       </p:sp>
@@ -39305,10 +38569,6 @@
               </a:rPr>
               <a:t>模型需要拥有使用工具的能力</a:t>
             </a:r>
-            <a:endParaRPr lang="zh-CN" altLang="en-US" sz="2400" dirty="0">
-              <a:latin typeface="黑体" panose="02010609060101010101" pitchFamily="49" charset="-122"/>
-              <a:ea typeface="黑体" panose="02010609060101010101" pitchFamily="49" charset="-122"/>
-            </a:endParaRPr>
           </a:p>
         </p:txBody>
       </p:sp>
@@ -39892,7 +39152,6 @@
               <a:rPr lang="zh-CN" altLang="en-US" dirty="0"/>
               <a:t>三、如何完成复杂任务？</a:t>
             </a:r>
-            <a:endParaRPr lang="zh-CN" altLang="en-US" dirty="0"/>
           </a:p>
         </p:txBody>
       </p:sp>
@@ -39947,7 +39206,7 @@
           <p:nvPr/>
         </p:nvPicPr>
         <p:blipFill>
-          <a:blip r:embed="rId1"/>
+          <a:blip r:embed="rId3"/>
           <a:stretch>
             <a:fillRect/>
           </a:stretch>
@@ -39974,7 +39233,7 @@
         </p:xfrm>
         <a:graphic>
           <a:graphicData uri="http://schemas.openxmlformats.org/drawingml/2006/diagram">
-            <dgm:relIds xmlns:dgm="http://schemas.openxmlformats.org/drawingml/2006/diagram" xmlns:r="http://schemas.openxmlformats.org/officeDocument/2006/relationships" r:dm="rId2" r:lo="rId3" r:qs="rId4" r:cs="rId5"/>
+            <dgm:relIds xmlns:dgm="http://schemas.openxmlformats.org/drawingml/2006/diagram" xmlns:r="http://schemas.openxmlformats.org/officeDocument/2006/relationships" r:dm="rId4" r:lo="rId5" r:qs="rId6" r:cs="rId7"/>
           </a:graphicData>
         </a:graphic>
       </p:graphicFrame>
@@ -40450,7 +39709,6 @@
               <a:rPr lang="zh-CN" altLang="en-US" dirty="0"/>
               <a:t>思考</a:t>
             </a:r>
-            <a:endParaRPr lang="zh-CN" altLang="en-US" dirty="0"/>
           </a:p>
         </p:txBody>
       </p:sp>
@@ -40483,10 +39741,6 @@
               </a:rPr>
               <a:t>这种方式实现的智能体有什么缺点？</a:t>
             </a:r>
-            <a:endParaRPr lang="zh-CN" altLang="en-US" sz="2400" dirty="0">
-              <a:latin typeface="黑体" panose="02010609060101010101" pitchFamily="49" charset="-122"/>
-              <a:ea typeface="黑体" panose="02010609060101010101" pitchFamily="49" charset="-122"/>
-            </a:endParaRPr>
           </a:p>
         </p:txBody>
       </p:sp>
@@ -40564,30 +39818,6 @@
               </a:rPr>
               <a:t>请批评指正！</a:t>
             </a:r>
-            <a:endParaRPr lang="zh-CN" altLang="en-US" sz="4800" b="1" dirty="0">
-              <a:ln w="12700">
-                <a:solidFill>
-                  <a:schemeClr val="accent1"/>
-                </a:solidFill>
-                <a:prstDash val="solid"/>
-              </a:ln>
-              <a:pattFill prst="pct50">
-                <a:fgClr>
-                  <a:schemeClr val="accent1"/>
-                </a:fgClr>
-                <a:bgClr>
-                  <a:schemeClr val="accent1">
-                    <a:lumMod val="20000"/>
-                    <a:lumOff val="80000"/>
-                  </a:schemeClr>
-                </a:bgClr>
-              </a:pattFill>
-              <a:effectLst>
-                <a:outerShdw dist="38100" dir="2640000" algn="bl" rotWithShape="0">
-                  <a:schemeClr val="accent1"/>
-                </a:outerShdw>
-              </a:effectLst>
-            </a:endParaRPr>
           </a:p>
         </p:txBody>
       </p:sp>
@@ -41246,11 +40476,6 @@
               </a:rPr>
               <a:t>llama-server.exe</a:t>
             </a:r>
-            <a:endParaRPr lang="en-US" altLang="zh-CN" sz="2400" dirty="0">
-              <a:latin typeface="Times New Roman" panose="02020603050405020304" charset="0"/>
-              <a:ea typeface="黑体" panose="02010609060101010101" pitchFamily="49" charset="-122"/>
-              <a:cs typeface="Times New Roman" panose="02020603050405020304" charset="0"/>
-            </a:endParaRPr>
           </a:p>
           <a:p>
             <a:r>
@@ -41261,11 +40486,6 @@
               </a:rPr>
               <a:t>llama-quantize.exe</a:t>
             </a:r>
-            <a:endParaRPr lang="en-US" altLang="zh-CN" sz="2400" dirty="0">
-              <a:latin typeface="Times New Roman" panose="02020603050405020304" charset="0"/>
-              <a:ea typeface="黑体" panose="02010609060101010101" pitchFamily="49" charset="-122"/>
-              <a:cs typeface="Times New Roman" panose="02020603050405020304" charset="0"/>
-            </a:endParaRPr>
           </a:p>
         </p:txBody>
       </p:sp>
@@ -42249,6 +41469,7 @@
           <a:bodyPr wrap="none" rtlCol="0">
             <a:spAutoFit/>
           </a:bodyPr>
+          <a:lstStyle/>
           <a:p>
             <a:r>
               <a:rPr lang="en-US" altLang="zh-CN" sz="2400" dirty="0">
@@ -43583,11 +42804,6 @@
               </a:rPr>
               <a:t>EVA mainly consists of five classes</a:t>
             </a:r>
-            <a:endParaRPr lang="en-US" altLang="zh-CN" sz="2000" dirty="0">
-              <a:latin typeface="Times New Roman" panose="02020603050405020304" charset="0"/>
-              <a:ea typeface="黑体" panose="02010609060101010101" pitchFamily="49" charset="-122"/>
-              <a:cs typeface="Times New Roman" panose="02020603050405020304" charset="0"/>
-            </a:endParaRPr>
           </a:p>
           <a:p>
             <a:r>
@@ -43598,11 +42814,6 @@
               </a:rPr>
               <a:t>widget: Window class, used for control and interaction.</a:t>
             </a:r>
-            <a:endParaRPr lang="en-US" altLang="zh-CN" sz="2000" dirty="0">
-              <a:latin typeface="Times New Roman" panose="02020603050405020304" charset="0"/>
-              <a:ea typeface="黑体" panose="02010609060101010101" pitchFamily="49" charset="-122"/>
-              <a:cs typeface="Times New Roman" panose="02020603050405020304" charset="0"/>
-            </a:endParaRPr>
           </a:p>
           <a:p>
             <a:r>
@@ -43613,11 +42824,6 @@
               </a:rPr>
               <a:t>bot: Model class, managing model decoding and sampling.</a:t>
             </a:r>
-            <a:endParaRPr lang="en-US" altLang="zh-CN" sz="2000" dirty="0">
-              <a:latin typeface="Times New Roman" panose="02020603050405020304" charset="0"/>
-              <a:ea typeface="黑体" panose="02010609060101010101" pitchFamily="49" charset="-122"/>
-              <a:cs typeface="Times New Roman" panose="02020603050405020304" charset="0"/>
-            </a:endParaRPr>
           </a:p>
           <a:p>
             <a:r>
@@ -43628,11 +42834,6 @@
               </a:rPr>
               <a:t>net: Network class, used for accessing network interfaces.</a:t>
             </a:r>
-            <a:endParaRPr lang="en-US" altLang="zh-CN" sz="2000" dirty="0">
-              <a:latin typeface="Times New Roman" panose="02020603050405020304" charset="0"/>
-              <a:ea typeface="黑体" panose="02010609060101010101" pitchFamily="49" charset="-122"/>
-              <a:cs typeface="Times New Roman" panose="02020603050405020304" charset="0"/>
-            </a:endParaRPr>
           </a:p>
           <a:p>
             <a:r>
@@ -43643,11 +42844,6 @@
               </a:rPr>
               <a:t>tool: Tool class, used for executing predefined tasks.</a:t>
             </a:r>
-            <a:endParaRPr lang="en-US" altLang="zh-CN" sz="2000" dirty="0">
-              <a:latin typeface="Times New Roman" panose="02020603050405020304" charset="0"/>
-              <a:ea typeface="黑体" panose="02010609060101010101" pitchFamily="49" charset="-122"/>
-              <a:cs typeface="Times New Roman" panose="02020603050405020304" charset="0"/>
-            </a:endParaRPr>
           </a:p>
           <a:p>
             <a:r>
@@ -43658,11 +42854,6 @@
               </a:rPr>
               <a:t>expend: Expansion class, used for other enhancement functions.</a:t>
             </a:r>
-            <a:endParaRPr lang="en-US" altLang="zh-CN" sz="2000" dirty="0">
-              <a:latin typeface="Times New Roman" panose="02020603050405020304" charset="0"/>
-              <a:ea typeface="黑体" panose="02010609060101010101" pitchFamily="49" charset="-122"/>
-              <a:cs typeface="Times New Roman" panose="02020603050405020304" charset="0"/>
-            </a:endParaRPr>
           </a:p>
         </p:txBody>
       </p:sp>
@@ -44293,11 +43484,6 @@
               </a:rPr>
               <a:t>“DATE” Framework</a:t>
             </a:r>
-            <a:endParaRPr lang="en-US" altLang="zh-CN" sz="2000" dirty="0">
-              <a:latin typeface="Times New Roman" panose="02020603050405020304" charset="0"/>
-              <a:ea typeface="黑体" panose="02010609060101010101" pitchFamily="49" charset="-122"/>
-              <a:cs typeface="Times New Roman" panose="02020603050405020304" charset="0"/>
-            </a:endParaRPr>
           </a:p>
         </p:txBody>
       </p:sp>
@@ -44577,11 +43763,6 @@
               </a:rPr>
               <a:t>restraint</a:t>
             </a:r>
-            <a:endParaRPr lang="en-US" altLang="zh-CN" sz="2000" dirty="0">
-              <a:latin typeface="Times New Roman" panose="02020603050405020304" charset="0"/>
-              <a:ea typeface="黑体" panose="02010609060101010101" pitchFamily="49" charset="-122"/>
-              <a:cs typeface="Times New Roman" panose="02020603050405020304" charset="0"/>
-            </a:endParaRPr>
           </a:p>
         </p:txBody>
       </p:sp>
@@ -44630,11 +43811,6 @@
               </a:rPr>
               <a:t>date prompt</a:t>
             </a:r>
-            <a:endParaRPr lang="en-US" altLang="zh-CN" sz="2000" dirty="0">
-              <a:latin typeface="Times New Roman" panose="02020603050405020304" charset="0"/>
-              <a:ea typeface="黑体" panose="02010609060101010101" pitchFamily="49" charset="-122"/>
-              <a:cs typeface="Times New Roman" panose="02020603050405020304" charset="0"/>
-            </a:endParaRPr>
           </a:p>
         </p:txBody>
       </p:sp>
@@ -44699,14 +43875,6 @@
               </a:rPr>
               <a:t>1</a:t>
             </a:r>
-            <a:endParaRPr lang="en-US" altLang="zh-CN" dirty="0">
-              <a:solidFill>
-                <a:schemeClr val="tx1"/>
-              </a:solidFill>
-              <a:latin typeface="Times New Roman" panose="02020603050405020304" charset="0"/>
-              <a:ea typeface="黑体" panose="02010609060101010101" pitchFamily="49" charset="-122"/>
-              <a:cs typeface="Times New Roman" panose="02020603050405020304" charset="0"/>
-            </a:endParaRPr>
           </a:p>
           <a:p>
             <a:pPr algn="ctr"/>
@@ -44793,14 +43961,6 @@
               </a:rPr>
               <a:t>2</a:t>
             </a:r>
-            <a:endParaRPr lang="en-US" altLang="zh-CN" dirty="0">
-              <a:solidFill>
-                <a:schemeClr val="tx1"/>
-              </a:solidFill>
-              <a:latin typeface="Times New Roman" panose="02020603050405020304" charset="0"/>
-              <a:ea typeface="黑体" panose="02010609060101010101" pitchFamily="49" charset="-122"/>
-              <a:cs typeface="Times New Roman" panose="02020603050405020304" charset="0"/>
-            </a:endParaRPr>
           </a:p>
           <a:p>
             <a:pPr algn="ctr"/>
@@ -45831,6 +44991,130 @@
 </p:sld>
 </file>
 
+<file path=ppt/slides/slide48.xml><?xml version="1.0" encoding="utf-8"?>
+<p:sld xmlns:a="http://schemas.openxmlformats.org/drawingml/2006/main" xmlns:r="http://schemas.openxmlformats.org/officeDocument/2006/relationships" xmlns:p="http://schemas.openxmlformats.org/presentationml/2006/main">
+  <p:cSld>
+    <p:spTree>
+      <p:nvGrpSpPr>
+        <p:cNvPr id="1" name="">
+          <a:extLst>
+            <a:ext uri="{FF2B5EF4-FFF2-40B4-BE49-F238E27FC236}">
+              <a16:creationId xmlns:a16="http://schemas.microsoft.com/office/drawing/2014/main" id="{B38A42EE-3E39-A31A-7044-D820AB60448E}"/>
+            </a:ext>
+          </a:extLst>
+        </p:cNvPr>
+        <p:cNvGrpSpPr/>
+        <p:nvPr/>
+      </p:nvGrpSpPr>
+      <p:grpSpPr>
+        <a:xfrm>
+          <a:off x="0" y="0"/>
+          <a:ext cx="0" cy="0"/>
+          <a:chOff x="0" y="0"/>
+          <a:chExt cx="0" cy="0"/>
+        </a:xfrm>
+      </p:grpSpPr>
+      <p:pic>
+        <p:nvPicPr>
+          <p:cNvPr id="19" name="图片 18">
+            <a:extLst>
+              <a:ext uri="{FF2B5EF4-FFF2-40B4-BE49-F238E27FC236}">
+                <a16:creationId xmlns:a16="http://schemas.microsoft.com/office/drawing/2014/main" id="{A5C40E69-6B6F-9C93-B993-4653FFFF5B6E}"/>
+              </a:ext>
+            </a:extLst>
+          </p:cNvPr>
+          <p:cNvPicPr>
+            <a:picLocks noChangeAspect="1"/>
+          </p:cNvPicPr>
+          <p:nvPr/>
+        </p:nvPicPr>
+        <p:blipFill>
+          <a:blip r:embed="rId2">
+            <a:extLst>
+              <a:ext uri="{28A0092B-C50C-407E-A947-70E740481C1C}">
+                <a14:useLocalDpi xmlns:a14="http://schemas.microsoft.com/office/drawing/2010/main" val="0"/>
+              </a:ext>
+            </a:extLst>
+          </a:blip>
+          <a:stretch>
+            <a:fillRect/>
+          </a:stretch>
+        </p:blipFill>
+        <p:spPr>
+          <a:xfrm>
+            <a:off x="2878828" y="723836"/>
+            <a:ext cx="6572247" cy="4783136"/>
+          </a:xfrm>
+          <a:prstGeom prst="rect">
+            <a:avLst/>
+          </a:prstGeom>
+        </p:spPr>
+      </p:pic>
+      <p:sp>
+        <p:nvSpPr>
+          <p:cNvPr id="20" name="文本框 19">
+            <a:extLst>
+              <a:ext uri="{FF2B5EF4-FFF2-40B4-BE49-F238E27FC236}">
+                <a16:creationId xmlns:a16="http://schemas.microsoft.com/office/drawing/2014/main" id="{4D827B54-F979-3398-A3AF-EF029E412F5B}"/>
+              </a:ext>
+            </a:extLst>
+          </p:cNvPr>
+          <p:cNvSpPr txBox="1"/>
+          <p:nvPr/>
+        </p:nvSpPr>
+        <p:spPr>
+          <a:xfrm>
+            <a:off x="1199317" y="868938"/>
+            <a:ext cx="1167307" cy="400110"/>
+          </a:xfrm>
+          <a:prstGeom prst="rect">
+            <a:avLst/>
+          </a:prstGeom>
+          <a:noFill/>
+        </p:spPr>
+        <p:txBody>
+          <a:bodyPr wrap="none" rtlCol="0">
+            <a:spAutoFit/>
+          </a:bodyPr>
+          <a:lstStyle/>
+          <a:p>
+            <a:r>
+              <a:rPr lang="en-US" altLang="zh-CN" sz="2000" dirty="0" err="1">
+                <a:latin typeface="Times New Roman" panose="02020603050405020304" charset="0"/>
+                <a:ea typeface="黑体" panose="02010609060101010101" pitchFamily="49" charset="-122"/>
+                <a:cs typeface="Times New Roman" panose="02020603050405020304" charset="0"/>
+              </a:rPr>
+              <a:t>gguf</a:t>
+            </a:r>
+            <a:r>
+              <a:rPr lang="zh-CN" altLang="en-US" sz="2000" dirty="0">
+                <a:latin typeface="Times New Roman" panose="02020603050405020304" charset="0"/>
+                <a:ea typeface="黑体" panose="02010609060101010101" pitchFamily="49" charset="-122"/>
+                <a:cs typeface="Times New Roman" panose="02020603050405020304" charset="0"/>
+              </a:rPr>
+              <a:t>格式</a:t>
+            </a:r>
+            <a:endParaRPr lang="en-US" altLang="zh-CN" sz="2000" dirty="0">
+              <a:latin typeface="Times New Roman" panose="02020603050405020304" charset="0"/>
+              <a:ea typeface="黑体" panose="02010609060101010101" pitchFamily="49" charset="-122"/>
+              <a:cs typeface="Times New Roman" panose="02020603050405020304" charset="0"/>
+            </a:endParaRPr>
+          </a:p>
+        </p:txBody>
+      </p:sp>
+    </p:spTree>
+    <p:extLst>
+      <p:ext uri="{BB962C8B-B14F-4D97-AF65-F5344CB8AC3E}">
+        <p14:creationId xmlns:p14="http://schemas.microsoft.com/office/powerpoint/2010/main" val="347126689"/>
+      </p:ext>
+    </p:extLst>
+  </p:cSld>
+  <p:clrMapOvr>
+    <a:masterClrMapping/>
+  </p:clrMapOvr>
+</p:sld>
+</file>
+
 <file path=ppt/slides/slide5.xml><?xml version="1.0" encoding="utf-8"?>
 <p:sld xmlns:a="http://schemas.openxmlformats.org/drawingml/2006/main" xmlns:r="http://schemas.openxmlformats.org/officeDocument/2006/relationships" xmlns:p="http://schemas.openxmlformats.org/presentationml/2006/main">
   <p:cSld>
@@ -45857,7 +45141,7 @@
           <p:nvPr/>
         </p:nvPicPr>
         <p:blipFill>
-          <a:blip r:embed="rId1"/>
+          <a:blip r:embed="rId3"/>
           <a:stretch>
             <a:fillRect/>
           </a:stretch>
@@ -46535,7 +45819,6 @@
               <a:rPr lang="zh-CN" altLang="en-US" dirty="0"/>
               <a:t>一、简要说明</a:t>
             </a:r>
-            <a:endParaRPr lang="zh-CN" altLang="en-US" dirty="0"/>
           </a:p>
         </p:txBody>
       </p:sp>
@@ -46572,10 +45855,6 @@
               </a:rPr>
               <a:t>界面</a:t>
             </a:r>
-            <a:endParaRPr lang="zh-CN" altLang="en-US" sz="2400" dirty="0">
-              <a:latin typeface="黑体" panose="02010609060101010101" pitchFamily="49" charset="-122"/>
-              <a:ea typeface="黑体" panose="02010609060101010101" pitchFamily="49" charset="-122"/>
-            </a:endParaRPr>
           </a:p>
         </p:txBody>
       </p:sp>
@@ -46625,7 +45904,6 @@
               <a:rPr lang="zh-CN" altLang="en-US" dirty="0"/>
               <a:t>二、补完模式</a:t>
             </a:r>
-            <a:endParaRPr lang="zh-CN" altLang="en-US" dirty="0"/>
           </a:p>
         </p:txBody>
       </p:sp>
@@ -46676,10 +45954,6 @@
               </a:rPr>
               <a:t>设置里切换为补完模式</a:t>
             </a:r>
-            <a:endParaRPr lang="zh-CN" altLang="en-US" sz="2400" dirty="0">
-              <a:latin typeface="黑体" panose="02010609060101010101" pitchFamily="49" charset="-122"/>
-              <a:ea typeface="黑体" panose="02010609060101010101" pitchFamily="49" charset="-122"/>
-            </a:endParaRPr>
           </a:p>
         </p:txBody>
       </p:sp>
@@ -46692,7 +45966,7 @@
           <p:nvPr/>
         </p:nvPicPr>
         <p:blipFill>
-          <a:blip r:embed="rId1"/>
+          <a:blip r:embed="rId3"/>
           <a:stretch>
             <a:fillRect/>
           </a:stretch>
@@ -46821,13 +46095,6 @@
               </a:rPr>
               <a:t>输出区现在允许用户任意编辑</a:t>
             </a:r>
-            <a:endParaRPr lang="zh-CN" altLang="en-US" dirty="0">
-              <a:solidFill>
-                <a:srgbClr val="FF0000"/>
-              </a:solidFill>
-              <a:latin typeface="黑体" panose="02010609060101010101" pitchFamily="49" charset="-122"/>
-              <a:ea typeface="黑体" panose="02010609060101010101" pitchFamily="49" charset="-122"/>
-            </a:endParaRPr>
           </a:p>
         </p:txBody>
       </p:sp>
@@ -46890,7 +46157,7 @@
           <p:nvPr/>
         </p:nvPicPr>
         <p:blipFill>
-          <a:blip r:embed="rId2"/>
+          <a:blip r:embed="rId4"/>
           <a:stretch>
             <a:fillRect/>
           </a:stretch>
@@ -46951,7 +46218,6 @@
               <a:rPr lang="zh-CN" altLang="en-US" dirty="0"/>
               <a:t>三、对话模式</a:t>
             </a:r>
-            <a:endParaRPr lang="zh-CN" altLang="en-US" dirty="0"/>
           </a:p>
         </p:txBody>
       </p:sp>
@@ -47002,10 +46268,6 @@
               </a:rPr>
               <a:t>机体的默认模式</a:t>
             </a:r>
-            <a:endParaRPr lang="zh-CN" altLang="en-US" sz="2400" dirty="0">
-              <a:latin typeface="黑体" panose="02010609060101010101" pitchFamily="49" charset="-122"/>
-              <a:ea typeface="黑体" panose="02010609060101010101" pitchFamily="49" charset="-122"/>
-            </a:endParaRPr>
           </a:p>
         </p:txBody>
       </p:sp>
@@ -47018,7 +46280,7 @@
           <p:nvPr/>
         </p:nvPicPr>
         <p:blipFill>
-          <a:blip r:embed="rId1"/>
+          <a:blip r:embed="rId3"/>
           <a:stretch>
             <a:fillRect/>
           </a:stretch>
@@ -47149,13 +46411,6 @@
               </a:rPr>
               <a:t>输入区</a:t>
             </a:r>
-            <a:endParaRPr lang="zh-CN" altLang="en-US" dirty="0">
-              <a:solidFill>
-                <a:srgbClr val="FF0000"/>
-              </a:solidFill>
-              <a:latin typeface="黑体" panose="02010609060101010101" pitchFamily="49" charset="-122"/>
-              <a:ea typeface="黑体" panose="02010609060101010101" pitchFamily="49" charset="-122"/>
-            </a:endParaRPr>
           </a:p>
         </p:txBody>
       </p:sp>
@@ -47229,13 +46484,6 @@
               </a:rPr>
               <a:t>系统指令</a:t>
             </a:r>
-            <a:endParaRPr lang="zh-CN" altLang="en-US" dirty="0">
-              <a:solidFill>
-                <a:srgbClr val="FF0000"/>
-              </a:solidFill>
-              <a:latin typeface="黑体" panose="02010609060101010101" pitchFamily="49" charset="-122"/>
-              <a:ea typeface="黑体" panose="02010609060101010101" pitchFamily="49" charset="-122"/>
-            </a:endParaRPr>
           </a:p>
         </p:txBody>
       </p:sp>
@@ -47248,7 +46496,7 @@
           <p:nvPr/>
         </p:nvPicPr>
         <p:blipFill>
-          <a:blip r:embed="rId2"/>
+          <a:blip r:embed="rId4"/>
           <a:stretch>
             <a:fillRect/>
           </a:stretch>
@@ -47302,10 +46550,6 @@
               </a:rPr>
               <a:t>右击选择的问题</a:t>
             </a:r>
-            <a:endParaRPr lang="zh-CN" altLang="en-US" sz="2000" dirty="0">
-              <a:latin typeface="黑体" panose="02010609060101010101" pitchFamily="49" charset="-122"/>
-              <a:ea typeface="黑体" panose="02010609060101010101" pitchFamily="49" charset="-122"/>
-            </a:endParaRPr>
           </a:p>
         </p:txBody>
       </p:sp>
@@ -47355,7 +46599,6 @@
               <a:rPr lang="zh-CN" altLang="en-US" dirty="0"/>
               <a:t>三、对话模式</a:t>
             </a:r>
-            <a:endParaRPr lang="zh-CN" altLang="en-US" dirty="0"/>
           </a:p>
         </p:txBody>
       </p:sp>
@@ -47406,10 +46649,6 @@
               </a:rPr>
               <a:t>提示词模板</a:t>
             </a:r>
-            <a:endParaRPr lang="zh-CN" altLang="en-US" sz="2400" dirty="0">
-              <a:latin typeface="黑体" panose="02010609060101010101" pitchFamily="49" charset="-122"/>
-              <a:ea typeface="黑体" panose="02010609060101010101" pitchFamily="49" charset="-122"/>
-            </a:endParaRPr>
           </a:p>
         </p:txBody>
       </p:sp>
@@ -47422,7 +46661,7 @@
           <p:nvPr/>
         </p:nvPicPr>
         <p:blipFill>
-          <a:blip r:embed="rId1"/>
+          <a:blip r:embed="rId3"/>
           <a:stretch>
             <a:fillRect/>
           </a:stretch>
@@ -47446,7 +46685,7 @@
           <p:nvPr/>
         </p:nvPicPr>
         <p:blipFill>
-          <a:blip r:embed="rId2"/>
+          <a:blip r:embed="rId4"/>
           <a:stretch>
             <a:fillRect/>
           </a:stretch>
@@ -47470,7 +46709,7 @@
           <p:nvPr/>
         </p:nvPicPr>
         <p:blipFill>
-          <a:blip r:embed="rId3"/>
+          <a:blip r:embed="rId5"/>
           <a:stretch>
             <a:fillRect/>
           </a:stretch>
@@ -47531,7 +46770,6 @@
               <a:rPr lang="zh-CN" altLang="en-US" dirty="0"/>
               <a:t>三、对话模式</a:t>
             </a:r>
-            <a:endParaRPr lang="zh-CN" altLang="en-US" dirty="0"/>
           </a:p>
         </p:txBody>
       </p:sp>
@@ -47624,10 +46862,6 @@
               </a:rPr>
               <a:t>阳电子步枪</a:t>
             </a:r>
-            <a:endParaRPr lang="zh-CN" altLang="en-US" sz="2400" dirty="0">
-              <a:latin typeface="黑体" panose="02010609060101010101" pitchFamily="49" charset="-122"/>
-              <a:ea typeface="黑体" panose="02010609060101010101" pitchFamily="49" charset="-122"/>
-            </a:endParaRPr>
           </a:p>
         </p:txBody>
       </p:sp>
@@ -47640,7 +46874,7 @@
           <p:nvPr/>
         </p:nvPicPr>
         <p:blipFill>
-          <a:blip r:embed="rId1"/>
+          <a:blip r:embed="rId3"/>
           <a:stretch>
             <a:fillRect/>
           </a:stretch>
@@ -47664,7 +46898,7 @@
           <p:nvPr/>
         </p:nvPicPr>
         <p:blipFill>
-          <a:blip r:embed="rId2"/>
+          <a:blip r:embed="rId4"/>
           <a:stretch>
             <a:fillRect/>
           </a:stretch>
@@ -47803,13 +47037,6 @@
               </a:rPr>
               <a:t>额外的系统指令</a:t>
             </a:r>
-            <a:endParaRPr lang="zh-CN" altLang="en-US" dirty="0">
-              <a:solidFill>
-                <a:srgbClr val="FF0000"/>
-              </a:solidFill>
-              <a:latin typeface="黑体" panose="02010609060101010101" pitchFamily="49" charset="-122"/>
-              <a:ea typeface="黑体" panose="02010609060101010101" pitchFamily="49" charset="-122"/>
-            </a:endParaRPr>
           </a:p>
         </p:txBody>
       </p:sp>
@@ -47822,7 +47049,7 @@
 </file>
 
 <file path=ppt/tags/tag1.xml><?xml version="1.0" encoding="utf-8"?>
-<p:tagLst xmlns:p="http://schemas.openxmlformats.org/presentationml/2006/main">
+<p:tagLst xmlns:a="http://schemas.openxmlformats.org/drawingml/2006/main" xmlns:r="http://schemas.openxmlformats.org/officeDocument/2006/relationships" xmlns:p="http://schemas.openxmlformats.org/presentationml/2006/main">
   <p:tag name="COMMONDATA" val="eyJoZGlkIjoiNzQ3N2ZjYjdlZjI4MWJiNDVlMjI3N2Y1ZjRlZGVkYjgifQ=="/>
 </p:tagLst>
 </file>
@@ -48054,6 +47281,8 @@
       </a:bgFillStyleLst>
     </a:fmtScheme>
   </a:themeElements>
+  <a:objectDefaults/>
+  <a:extraClrSchemeLst/>
   <a:extLst>
     <a:ext uri="{05A4C25C-085E-4340-85A3-A5531E510DB2}">
       <thm15:themeFamily xmlns:thm15="http://schemas.microsoft.com/office/thememl/2012/main" name="Office Theme" id="{62F939B6-93AF-4DB8-9C6B-D6C7DFDC589F}" vid="{4A3C46E8-61CC-4603-A589-7422A47A8E4A}"/>
@@ -48313,6 +47542,8 @@
       </a:bgFillStyleLst>
     </a:fmtScheme>
   </a:themeElements>
+  <a:objectDefaults/>
+  <a:extraClrSchemeLst/>
   <a:extLst>
     <a:ext uri="{05A4C25C-085E-4340-85A3-A5531E510DB2}">
       <thm15:themeFamily xmlns:thm15="http://schemas.microsoft.com/office/thememl/2012/main" name="Office Theme" id="{62F939B6-93AF-4DB8-9C6B-D6C7DFDC589F}" vid="{4A3C46E8-61CC-4603-A589-7422A47A8E4A}"/>
@@ -48572,6 +47803,8 @@
       </a:bgFillStyleLst>
     </a:fmtScheme>
   </a:themeElements>
+  <a:objectDefaults/>
+  <a:extraClrSchemeLst/>
   <a:extLst>
     <a:ext uri="{05A4C25C-085E-4340-85A3-A5531E510DB2}">
       <thm15:themeFamily xmlns:thm15="http://schemas.microsoft.com/office/thememl/2012/main" name="Office Theme" id="{62F939B6-93AF-4DB8-9C6B-D6C7DFDC589F}" vid="{4A3C46E8-61CC-4603-A589-7422A47A8E4A}"/>
